--- a/Part2/第二次展示-图形.pptx
+++ b/Part2/第二次展示-图形.pptx
@@ -5,10 +5,13 @@
     <p:sldMasterId id="2147483648" r:id="rId1"/>
   </p:sldMasterIdLst>
   <p:sldIdLst>
-    <p:sldId id="256" r:id="rId3"/>
-    <p:sldId id="257" r:id="rId4"/>
-    <p:sldId id="258" r:id="rId5"/>
-    <p:sldId id="259" r:id="rId6"/>
+    <p:sldId id="256" r:id="rId2"/>
+    <p:sldId id="257" r:id="rId3"/>
+    <p:sldId id="258" r:id="rId4"/>
+    <p:sldId id="259" r:id="rId5"/>
+    <p:sldId id="260" r:id="rId6"/>
+    <p:sldId id="261" r:id="rId7"/>
+    <p:sldId id="262" r:id="rId8"/>
   </p:sldIdLst>
   <p:sldSz cx="12192000" cy="6858000"/>
   <p:notesSz cx="6858000" cy="9144000"/>
@@ -107,6 +110,11 @@
       </a:defRPr>
     </a:lvl9pPr>
   </p:defaultTextStyle>
+  <p:extLst>
+    <p:ext uri="{EFAFB233-063F-42B5-8137-9DF3F51BA10A}">
+      <p15:sldGuideLst xmlns:p15="http://schemas.microsoft.com/office/powerpoint/2012/main"/>
+    </p:ext>
+  </p:extLst>
 </p:presentation>
 </file>
 
@@ -158,10 +166,9 @@
           </a:lstStyle>
           <a:p>
             <a:r>
-              <a:rPr lang="en-US" smtClean="0"/>
+              <a:rPr lang="en-US"/>
               <a:t>Click to edit Master title style</a:t>
             </a:r>
-            <a:endParaRPr lang="en-US"/>
           </a:p>
         </p:txBody>
       </p:sp>
@@ -223,10 +230,9 @@
           </a:lstStyle>
           <a:p>
             <a:r>
-              <a:rPr lang="en-US" smtClean="0"/>
+              <a:rPr lang="en-US"/>
               <a:t>Click to edit Master subtitle style</a:t>
             </a:r>
-            <a:endParaRPr lang="en-US"/>
           </a:p>
         </p:txBody>
       </p:sp>
@@ -247,6 +253,7 @@
           <a:p>
             <a:fld id="{63A1C593-65D0-4073-BCC9-577B9352EA97}" type="datetimeFigureOut">
               <a:rPr lang="en-US" smtClean="0"/>
+              <a:t>11/15/2023</a:t>
             </a:fld>
             <a:endParaRPr lang="en-US"/>
           </a:p>
@@ -288,6 +295,7 @@
           <a:p>
             <a:fld id="{9B618960-8005-486C-9A75-10CB2AAC16F9}" type="slidenum">
               <a:rPr lang="en-US" smtClean="0"/>
+              <a:t>‹#›</a:t>
             </a:fld>
             <a:endParaRPr lang="en-US"/>
           </a:p>
@@ -334,10 +342,9 @@
           <a:lstStyle/>
           <a:p>
             <a:r>
-              <a:rPr lang="en-US" smtClean="0"/>
+              <a:rPr lang="en-US"/>
               <a:t>Click to edit Master title style</a:t>
             </a:r>
-            <a:endParaRPr lang="en-US"/>
           </a:p>
         </p:txBody>
       </p:sp>
@@ -358,42 +365,37 @@
           <a:p>
             <a:pPr lvl="0"/>
             <a:r>
-              <a:rPr lang="en-US" smtClean="0"/>
+              <a:rPr lang="en-US"/>
               <a:t>Click to edit Master text styles</a:t>
             </a:r>
-            <a:endParaRPr lang="en-US" smtClean="0"/>
           </a:p>
           <a:p>
             <a:pPr lvl="1"/>
             <a:r>
-              <a:rPr lang="en-US" smtClean="0"/>
+              <a:rPr lang="en-US"/>
               <a:t>Second level</a:t>
             </a:r>
-            <a:endParaRPr lang="en-US" smtClean="0"/>
           </a:p>
           <a:p>
             <a:pPr lvl="2"/>
             <a:r>
-              <a:rPr lang="en-US" smtClean="0"/>
+              <a:rPr lang="en-US"/>
               <a:t>Third level</a:t>
             </a:r>
-            <a:endParaRPr lang="en-US" smtClean="0"/>
           </a:p>
           <a:p>
             <a:pPr lvl="3"/>
             <a:r>
-              <a:rPr lang="en-US" smtClean="0"/>
+              <a:rPr lang="en-US"/>
               <a:t>Fourth level</a:t>
             </a:r>
-            <a:endParaRPr lang="en-US" smtClean="0"/>
           </a:p>
           <a:p>
             <a:pPr lvl="4"/>
             <a:r>
-              <a:rPr lang="en-US" smtClean="0"/>
+              <a:rPr lang="en-US"/>
               <a:t>Fifth level</a:t>
             </a:r>
-            <a:endParaRPr lang="en-US"/>
           </a:p>
         </p:txBody>
       </p:sp>
@@ -414,6 +416,7 @@
           <a:p>
             <a:fld id="{63A1C593-65D0-4073-BCC9-577B9352EA97}" type="datetimeFigureOut">
               <a:rPr lang="en-US" smtClean="0"/>
+              <a:t>11/15/2023</a:t>
             </a:fld>
             <a:endParaRPr lang="en-US"/>
           </a:p>
@@ -455,6 +458,7 @@
           <a:p>
             <a:fld id="{9B618960-8005-486C-9A75-10CB2AAC16F9}" type="slidenum">
               <a:rPr lang="en-US" smtClean="0"/>
+              <a:t>‹#›</a:t>
             </a:fld>
             <a:endParaRPr lang="en-US"/>
           </a:p>
@@ -506,10 +510,9 @@
           <a:lstStyle/>
           <a:p>
             <a:r>
-              <a:rPr lang="en-US" smtClean="0"/>
+              <a:rPr lang="en-US"/>
               <a:t>Click to edit Master title style</a:t>
             </a:r>
-            <a:endParaRPr lang="en-US"/>
           </a:p>
         </p:txBody>
       </p:sp>
@@ -535,42 +538,37 @@
           <a:p>
             <a:pPr lvl="0"/>
             <a:r>
-              <a:rPr lang="en-US" smtClean="0"/>
+              <a:rPr lang="en-US"/>
               <a:t>Click to edit Master text styles</a:t>
             </a:r>
-            <a:endParaRPr lang="en-US" smtClean="0"/>
           </a:p>
           <a:p>
             <a:pPr lvl="1"/>
             <a:r>
-              <a:rPr lang="en-US" smtClean="0"/>
+              <a:rPr lang="en-US"/>
               <a:t>Second level</a:t>
             </a:r>
-            <a:endParaRPr lang="en-US" smtClean="0"/>
           </a:p>
           <a:p>
             <a:pPr lvl="2"/>
             <a:r>
-              <a:rPr lang="en-US" smtClean="0"/>
+              <a:rPr lang="en-US"/>
               <a:t>Third level</a:t>
             </a:r>
-            <a:endParaRPr lang="en-US" smtClean="0"/>
           </a:p>
           <a:p>
             <a:pPr lvl="3"/>
             <a:r>
-              <a:rPr lang="en-US" smtClean="0"/>
+              <a:rPr lang="en-US"/>
               <a:t>Fourth level</a:t>
             </a:r>
-            <a:endParaRPr lang="en-US" smtClean="0"/>
           </a:p>
           <a:p>
             <a:pPr lvl="4"/>
             <a:r>
-              <a:rPr lang="en-US" smtClean="0"/>
+              <a:rPr lang="en-US"/>
               <a:t>Fifth level</a:t>
             </a:r>
-            <a:endParaRPr lang="en-US"/>
           </a:p>
         </p:txBody>
       </p:sp>
@@ -591,6 +589,7 @@
           <a:p>
             <a:fld id="{63A1C593-65D0-4073-BCC9-577B9352EA97}" type="datetimeFigureOut">
               <a:rPr lang="en-US" smtClean="0"/>
+              <a:t>11/15/2023</a:t>
             </a:fld>
             <a:endParaRPr lang="en-US"/>
           </a:p>
@@ -632,6 +631,7 @@
           <a:p>
             <a:fld id="{9B618960-8005-486C-9A75-10CB2AAC16F9}" type="slidenum">
               <a:rPr lang="en-US" smtClean="0"/>
+              <a:t>‹#›</a:t>
             </a:fld>
             <a:endParaRPr lang="en-US"/>
           </a:p>
@@ -678,10 +678,9 @@
           <a:lstStyle/>
           <a:p>
             <a:r>
-              <a:rPr lang="en-US" smtClean="0"/>
+              <a:rPr lang="en-US"/>
               <a:t>Click to edit Master title style</a:t>
             </a:r>
-            <a:endParaRPr lang="en-US"/>
           </a:p>
         </p:txBody>
       </p:sp>
@@ -702,42 +701,37 @@
           <a:p>
             <a:pPr lvl="0"/>
             <a:r>
-              <a:rPr lang="en-US" smtClean="0"/>
+              <a:rPr lang="en-US"/>
               <a:t>Click to edit Master text styles</a:t>
             </a:r>
-            <a:endParaRPr lang="en-US" smtClean="0"/>
           </a:p>
           <a:p>
             <a:pPr lvl="1"/>
             <a:r>
-              <a:rPr lang="en-US" smtClean="0"/>
+              <a:rPr lang="en-US"/>
               <a:t>Second level</a:t>
             </a:r>
-            <a:endParaRPr lang="en-US" smtClean="0"/>
           </a:p>
           <a:p>
             <a:pPr lvl="2"/>
             <a:r>
-              <a:rPr lang="en-US" smtClean="0"/>
+              <a:rPr lang="en-US"/>
               <a:t>Third level</a:t>
             </a:r>
-            <a:endParaRPr lang="en-US" smtClean="0"/>
           </a:p>
           <a:p>
             <a:pPr lvl="3"/>
             <a:r>
-              <a:rPr lang="en-US" smtClean="0"/>
+              <a:rPr lang="en-US"/>
               <a:t>Fourth level</a:t>
             </a:r>
-            <a:endParaRPr lang="en-US" smtClean="0"/>
           </a:p>
           <a:p>
             <a:pPr lvl="4"/>
             <a:r>
-              <a:rPr lang="en-US" smtClean="0"/>
+              <a:rPr lang="en-US"/>
               <a:t>Fifth level</a:t>
             </a:r>
-            <a:endParaRPr lang="en-US"/>
           </a:p>
         </p:txBody>
       </p:sp>
@@ -758,6 +752,7 @@
           <a:p>
             <a:fld id="{63A1C593-65D0-4073-BCC9-577B9352EA97}" type="datetimeFigureOut">
               <a:rPr lang="en-US" smtClean="0"/>
+              <a:t>11/15/2023</a:t>
             </a:fld>
             <a:endParaRPr lang="en-US"/>
           </a:p>
@@ -799,6 +794,7 @@
           <a:p>
             <a:fld id="{9B618960-8005-486C-9A75-10CB2AAC16F9}" type="slidenum">
               <a:rPr lang="en-US" smtClean="0"/>
+              <a:t>‹#›</a:t>
             </a:fld>
             <a:endParaRPr lang="en-US"/>
           </a:p>
@@ -854,10 +850,9 @@
           </a:lstStyle>
           <a:p>
             <a:r>
-              <a:rPr lang="en-US" smtClean="0"/>
+              <a:rPr lang="en-US"/>
               <a:t>Click to edit Master title style</a:t>
             </a:r>
-            <a:endParaRPr lang="en-US"/>
           </a:p>
         </p:txBody>
       </p:sp>
@@ -974,10 +969,9 @@
           <a:p>
             <a:pPr lvl="0"/>
             <a:r>
-              <a:rPr lang="en-US" smtClean="0"/>
+              <a:rPr lang="en-US"/>
               <a:t>Click to edit Master text styles</a:t>
             </a:r>
-            <a:endParaRPr lang="en-US" smtClean="0"/>
           </a:p>
         </p:txBody>
       </p:sp>
@@ -998,6 +992,7 @@
           <a:p>
             <a:fld id="{63A1C593-65D0-4073-BCC9-577B9352EA97}" type="datetimeFigureOut">
               <a:rPr lang="en-US" smtClean="0"/>
+              <a:t>11/15/2023</a:t>
             </a:fld>
             <a:endParaRPr lang="en-US"/>
           </a:p>
@@ -1039,6 +1034,7 @@
           <a:p>
             <a:fld id="{9B618960-8005-486C-9A75-10CB2AAC16F9}" type="slidenum">
               <a:rPr lang="en-US" smtClean="0"/>
+              <a:t>‹#›</a:t>
             </a:fld>
             <a:endParaRPr lang="en-US"/>
           </a:p>
@@ -1085,10 +1081,9 @@
           <a:lstStyle/>
           <a:p>
             <a:r>
-              <a:rPr lang="en-US" smtClean="0"/>
+              <a:rPr lang="en-US"/>
               <a:t>Click to edit Master title style</a:t>
             </a:r>
-            <a:endParaRPr lang="en-US"/>
           </a:p>
         </p:txBody>
       </p:sp>
@@ -1114,42 +1109,37 @@
           <a:p>
             <a:pPr lvl="0"/>
             <a:r>
-              <a:rPr lang="en-US" smtClean="0"/>
+              <a:rPr lang="en-US"/>
               <a:t>Click to edit Master text styles</a:t>
             </a:r>
-            <a:endParaRPr lang="en-US" smtClean="0"/>
           </a:p>
           <a:p>
             <a:pPr lvl="1"/>
             <a:r>
-              <a:rPr lang="en-US" smtClean="0"/>
+              <a:rPr lang="en-US"/>
               <a:t>Second level</a:t>
             </a:r>
-            <a:endParaRPr lang="en-US" smtClean="0"/>
           </a:p>
           <a:p>
             <a:pPr lvl="2"/>
             <a:r>
-              <a:rPr lang="en-US" smtClean="0"/>
+              <a:rPr lang="en-US"/>
               <a:t>Third level</a:t>
             </a:r>
-            <a:endParaRPr lang="en-US" smtClean="0"/>
           </a:p>
           <a:p>
             <a:pPr lvl="3"/>
             <a:r>
-              <a:rPr lang="en-US" smtClean="0"/>
+              <a:rPr lang="en-US"/>
               <a:t>Fourth level</a:t>
             </a:r>
-            <a:endParaRPr lang="en-US" smtClean="0"/>
           </a:p>
           <a:p>
             <a:pPr lvl="4"/>
             <a:r>
-              <a:rPr lang="en-US" smtClean="0"/>
+              <a:rPr lang="en-US"/>
               <a:t>Fifth level</a:t>
             </a:r>
-            <a:endParaRPr lang="en-US"/>
           </a:p>
         </p:txBody>
       </p:sp>
@@ -1175,42 +1165,37 @@
           <a:p>
             <a:pPr lvl="0"/>
             <a:r>
-              <a:rPr lang="en-US" smtClean="0"/>
+              <a:rPr lang="en-US"/>
               <a:t>Click to edit Master text styles</a:t>
             </a:r>
-            <a:endParaRPr lang="en-US" smtClean="0"/>
           </a:p>
           <a:p>
             <a:pPr lvl="1"/>
             <a:r>
-              <a:rPr lang="en-US" smtClean="0"/>
+              <a:rPr lang="en-US"/>
               <a:t>Second level</a:t>
             </a:r>
-            <a:endParaRPr lang="en-US" smtClean="0"/>
           </a:p>
           <a:p>
             <a:pPr lvl="2"/>
             <a:r>
-              <a:rPr lang="en-US" smtClean="0"/>
+              <a:rPr lang="en-US"/>
               <a:t>Third level</a:t>
             </a:r>
-            <a:endParaRPr lang="en-US" smtClean="0"/>
           </a:p>
           <a:p>
             <a:pPr lvl="3"/>
             <a:r>
-              <a:rPr lang="en-US" smtClean="0"/>
+              <a:rPr lang="en-US"/>
               <a:t>Fourth level</a:t>
             </a:r>
-            <a:endParaRPr lang="en-US" smtClean="0"/>
           </a:p>
           <a:p>
             <a:pPr lvl="4"/>
             <a:r>
-              <a:rPr lang="en-US" smtClean="0"/>
+              <a:rPr lang="en-US"/>
               <a:t>Fifth level</a:t>
             </a:r>
-            <a:endParaRPr lang="en-US"/>
           </a:p>
         </p:txBody>
       </p:sp>
@@ -1231,6 +1216,7 @@
           <a:p>
             <a:fld id="{63A1C593-65D0-4073-BCC9-577B9352EA97}" type="datetimeFigureOut">
               <a:rPr lang="en-US" smtClean="0"/>
+              <a:t>11/15/2023</a:t>
             </a:fld>
             <a:endParaRPr lang="en-US"/>
           </a:p>
@@ -1272,6 +1258,7 @@
           <a:p>
             <a:fld id="{9B618960-8005-486C-9A75-10CB2AAC16F9}" type="slidenum">
               <a:rPr lang="en-US" smtClean="0"/>
+              <a:t>‹#›</a:t>
             </a:fld>
             <a:endParaRPr lang="en-US"/>
           </a:p>
@@ -1323,10 +1310,9 @@
           <a:lstStyle/>
           <a:p>
             <a:r>
-              <a:rPr lang="en-US" smtClean="0"/>
+              <a:rPr lang="en-US"/>
               <a:t>Click to edit Master title style</a:t>
             </a:r>
-            <a:endParaRPr lang="en-US"/>
           </a:p>
         </p:txBody>
       </p:sp>
@@ -1389,10 +1375,9 @@
           <a:p>
             <a:pPr lvl="0"/>
             <a:r>
-              <a:rPr lang="en-US" smtClean="0"/>
+              <a:rPr lang="en-US"/>
               <a:t>Click to edit Master text styles</a:t>
             </a:r>
-            <a:endParaRPr lang="en-US" smtClean="0"/>
           </a:p>
         </p:txBody>
       </p:sp>
@@ -1418,42 +1403,37 @@
           <a:p>
             <a:pPr lvl="0"/>
             <a:r>
-              <a:rPr lang="en-US" smtClean="0"/>
+              <a:rPr lang="en-US"/>
               <a:t>Click to edit Master text styles</a:t>
             </a:r>
-            <a:endParaRPr lang="en-US" smtClean="0"/>
           </a:p>
           <a:p>
             <a:pPr lvl="1"/>
             <a:r>
-              <a:rPr lang="en-US" smtClean="0"/>
+              <a:rPr lang="en-US"/>
               <a:t>Second level</a:t>
             </a:r>
-            <a:endParaRPr lang="en-US" smtClean="0"/>
           </a:p>
           <a:p>
             <a:pPr lvl="2"/>
             <a:r>
-              <a:rPr lang="en-US" smtClean="0"/>
+              <a:rPr lang="en-US"/>
               <a:t>Third level</a:t>
             </a:r>
-            <a:endParaRPr lang="en-US" smtClean="0"/>
           </a:p>
           <a:p>
             <a:pPr lvl="3"/>
             <a:r>
-              <a:rPr lang="en-US" smtClean="0"/>
+              <a:rPr lang="en-US"/>
               <a:t>Fourth level</a:t>
             </a:r>
-            <a:endParaRPr lang="en-US" smtClean="0"/>
           </a:p>
           <a:p>
             <a:pPr lvl="4"/>
             <a:r>
-              <a:rPr lang="en-US" smtClean="0"/>
+              <a:rPr lang="en-US"/>
               <a:t>Fifth level</a:t>
             </a:r>
-            <a:endParaRPr lang="en-US"/>
           </a:p>
         </p:txBody>
       </p:sp>
@@ -1516,10 +1496,9 @@
           <a:p>
             <a:pPr lvl="0"/>
             <a:r>
-              <a:rPr lang="en-US" smtClean="0"/>
+              <a:rPr lang="en-US"/>
               <a:t>Click to edit Master text styles</a:t>
             </a:r>
-            <a:endParaRPr lang="en-US" smtClean="0"/>
           </a:p>
         </p:txBody>
       </p:sp>
@@ -1545,42 +1524,37 @@
           <a:p>
             <a:pPr lvl="0"/>
             <a:r>
-              <a:rPr lang="en-US" smtClean="0"/>
+              <a:rPr lang="en-US"/>
               <a:t>Click to edit Master text styles</a:t>
             </a:r>
-            <a:endParaRPr lang="en-US" smtClean="0"/>
           </a:p>
           <a:p>
             <a:pPr lvl="1"/>
             <a:r>
-              <a:rPr lang="en-US" smtClean="0"/>
+              <a:rPr lang="en-US"/>
               <a:t>Second level</a:t>
             </a:r>
-            <a:endParaRPr lang="en-US" smtClean="0"/>
           </a:p>
           <a:p>
             <a:pPr lvl="2"/>
             <a:r>
-              <a:rPr lang="en-US" smtClean="0"/>
+              <a:rPr lang="en-US"/>
               <a:t>Third level</a:t>
             </a:r>
-            <a:endParaRPr lang="en-US" smtClean="0"/>
           </a:p>
           <a:p>
             <a:pPr lvl="3"/>
             <a:r>
-              <a:rPr lang="en-US" smtClean="0"/>
+              <a:rPr lang="en-US"/>
               <a:t>Fourth level</a:t>
             </a:r>
-            <a:endParaRPr lang="en-US" smtClean="0"/>
           </a:p>
           <a:p>
             <a:pPr lvl="4"/>
             <a:r>
-              <a:rPr lang="en-US" smtClean="0"/>
+              <a:rPr lang="en-US"/>
               <a:t>Fifth level</a:t>
             </a:r>
-            <a:endParaRPr lang="en-US"/>
           </a:p>
         </p:txBody>
       </p:sp>
@@ -1601,6 +1575,7 @@
           <a:p>
             <a:fld id="{63A1C593-65D0-4073-BCC9-577B9352EA97}" type="datetimeFigureOut">
               <a:rPr lang="en-US" smtClean="0"/>
+              <a:t>11/15/2023</a:t>
             </a:fld>
             <a:endParaRPr lang="en-US"/>
           </a:p>
@@ -1642,6 +1617,7 @@
           <a:p>
             <a:fld id="{9B618960-8005-486C-9A75-10CB2AAC16F9}" type="slidenum">
               <a:rPr lang="en-US" smtClean="0"/>
+              <a:t>‹#›</a:t>
             </a:fld>
             <a:endParaRPr lang="en-US"/>
           </a:p>
@@ -1688,10 +1664,9 @@
           <a:lstStyle/>
           <a:p>
             <a:r>
-              <a:rPr lang="en-US" smtClean="0"/>
+              <a:rPr lang="en-US"/>
               <a:t>Click to edit Master title style</a:t>
             </a:r>
-            <a:endParaRPr lang="en-US"/>
           </a:p>
         </p:txBody>
       </p:sp>
@@ -1712,6 +1687,7 @@
           <a:p>
             <a:fld id="{63A1C593-65D0-4073-BCC9-577B9352EA97}" type="datetimeFigureOut">
               <a:rPr lang="en-US" smtClean="0"/>
+              <a:t>11/15/2023</a:t>
             </a:fld>
             <a:endParaRPr lang="en-US"/>
           </a:p>
@@ -1753,6 +1729,7 @@
           <a:p>
             <a:fld id="{9B618960-8005-486C-9A75-10CB2AAC16F9}" type="slidenum">
               <a:rPr lang="en-US" smtClean="0"/>
+              <a:t>‹#›</a:t>
             </a:fld>
             <a:endParaRPr lang="en-US"/>
           </a:p>
@@ -1800,6 +1777,7 @@
           <a:p>
             <a:fld id="{63A1C593-65D0-4073-BCC9-577B9352EA97}" type="datetimeFigureOut">
               <a:rPr lang="en-US" smtClean="0"/>
+              <a:t>11/15/2023</a:t>
             </a:fld>
             <a:endParaRPr lang="en-US"/>
           </a:p>
@@ -1841,6 +1819,7 @@
           <a:p>
             <a:fld id="{9B618960-8005-486C-9A75-10CB2AAC16F9}" type="slidenum">
               <a:rPr lang="en-US" smtClean="0"/>
+              <a:t>‹#›</a:t>
             </a:fld>
             <a:endParaRPr lang="en-US"/>
           </a:p>
@@ -1896,10 +1875,9 @@
           </a:lstStyle>
           <a:p>
             <a:r>
-              <a:rPr lang="en-US" smtClean="0"/>
+              <a:rPr lang="en-US"/>
               <a:t>Click to edit Master title style</a:t>
             </a:r>
-            <a:endParaRPr lang="en-US"/>
           </a:p>
         </p:txBody>
       </p:sp>
@@ -1953,42 +1931,37 @@
           <a:p>
             <a:pPr lvl="0"/>
             <a:r>
-              <a:rPr lang="en-US" smtClean="0"/>
+              <a:rPr lang="en-US"/>
               <a:t>Click to edit Master text styles</a:t>
             </a:r>
-            <a:endParaRPr lang="en-US" smtClean="0"/>
           </a:p>
           <a:p>
             <a:pPr lvl="1"/>
             <a:r>
-              <a:rPr lang="en-US" smtClean="0"/>
+              <a:rPr lang="en-US"/>
               <a:t>Second level</a:t>
             </a:r>
-            <a:endParaRPr lang="en-US" smtClean="0"/>
           </a:p>
           <a:p>
             <a:pPr lvl="2"/>
             <a:r>
-              <a:rPr lang="en-US" smtClean="0"/>
+              <a:rPr lang="en-US"/>
               <a:t>Third level</a:t>
             </a:r>
-            <a:endParaRPr lang="en-US" smtClean="0"/>
           </a:p>
           <a:p>
             <a:pPr lvl="3"/>
             <a:r>
-              <a:rPr lang="en-US" smtClean="0"/>
+              <a:rPr lang="en-US"/>
               <a:t>Fourth level</a:t>
             </a:r>
-            <a:endParaRPr lang="en-US" smtClean="0"/>
           </a:p>
           <a:p>
             <a:pPr lvl="4"/>
             <a:r>
-              <a:rPr lang="en-US" smtClean="0"/>
+              <a:rPr lang="en-US"/>
               <a:t>Fifth level</a:t>
             </a:r>
-            <a:endParaRPr lang="en-US"/>
           </a:p>
         </p:txBody>
       </p:sp>
@@ -2051,10 +2024,9 @@
           <a:p>
             <a:pPr lvl="0"/>
             <a:r>
-              <a:rPr lang="en-US" smtClean="0"/>
+              <a:rPr lang="en-US"/>
               <a:t>Click to edit Master text styles</a:t>
             </a:r>
-            <a:endParaRPr lang="en-US" smtClean="0"/>
           </a:p>
         </p:txBody>
       </p:sp>
@@ -2075,6 +2047,7 @@
           <a:p>
             <a:fld id="{63A1C593-65D0-4073-BCC9-577B9352EA97}" type="datetimeFigureOut">
               <a:rPr lang="en-US" smtClean="0"/>
+              <a:t>11/15/2023</a:t>
             </a:fld>
             <a:endParaRPr lang="en-US"/>
           </a:p>
@@ -2116,6 +2089,7 @@
           <a:p>
             <a:fld id="{9B618960-8005-486C-9A75-10CB2AAC16F9}" type="slidenum">
               <a:rPr lang="en-US" smtClean="0"/>
+              <a:t>‹#›</a:t>
             </a:fld>
             <a:endParaRPr lang="en-US"/>
           </a:p>
@@ -2171,10 +2145,9 @@
           </a:lstStyle>
           <a:p>
             <a:r>
-              <a:rPr lang="en-US" smtClean="0"/>
+              <a:rPr lang="en-US"/>
               <a:t>Click to edit Master title style</a:t>
             </a:r>
-            <a:endParaRPr lang="en-US"/>
           </a:p>
         </p:txBody>
       </p:sp>
@@ -2298,10 +2271,9 @@
           <a:p>
             <a:pPr lvl="0"/>
             <a:r>
-              <a:rPr lang="en-US" smtClean="0"/>
+              <a:rPr lang="en-US"/>
               <a:t>Click to edit Master text styles</a:t>
             </a:r>
-            <a:endParaRPr lang="en-US" smtClean="0"/>
           </a:p>
         </p:txBody>
       </p:sp>
@@ -2322,6 +2294,7 @@
           <a:p>
             <a:fld id="{63A1C593-65D0-4073-BCC9-577B9352EA97}" type="datetimeFigureOut">
               <a:rPr lang="en-US" smtClean="0"/>
+              <a:t>11/15/2023</a:t>
             </a:fld>
             <a:endParaRPr lang="en-US"/>
           </a:p>
@@ -2363,6 +2336,7 @@
           <a:p>
             <a:fld id="{9B618960-8005-486C-9A75-10CB2AAC16F9}" type="slidenum">
               <a:rPr lang="en-US" smtClean="0"/>
+              <a:t>‹#›</a:t>
             </a:fld>
             <a:endParaRPr lang="en-US"/>
           </a:p>
@@ -2424,10 +2398,9 @@
           <a:lstStyle/>
           <a:p>
             <a:r>
-              <a:rPr lang="en-US" smtClean="0"/>
+              <a:rPr lang="en-US"/>
               <a:t>Click to edit Master title style</a:t>
             </a:r>
-            <a:endParaRPr lang="en-US"/>
           </a:p>
         </p:txBody>
       </p:sp>
@@ -2458,42 +2431,37 @@
           <a:p>
             <a:pPr lvl="0"/>
             <a:r>
-              <a:rPr lang="en-US" smtClean="0"/>
+              <a:rPr lang="en-US"/>
               <a:t>Click to edit Master text styles</a:t>
             </a:r>
-            <a:endParaRPr lang="en-US" smtClean="0"/>
           </a:p>
           <a:p>
             <a:pPr lvl="1"/>
             <a:r>
-              <a:rPr lang="en-US" smtClean="0"/>
+              <a:rPr lang="en-US"/>
               <a:t>Second level</a:t>
             </a:r>
-            <a:endParaRPr lang="en-US" smtClean="0"/>
           </a:p>
           <a:p>
             <a:pPr lvl="2"/>
             <a:r>
-              <a:rPr lang="en-US" smtClean="0"/>
+              <a:rPr lang="en-US"/>
               <a:t>Third level</a:t>
             </a:r>
-            <a:endParaRPr lang="en-US" smtClean="0"/>
           </a:p>
           <a:p>
             <a:pPr lvl="3"/>
             <a:r>
-              <a:rPr lang="en-US" smtClean="0"/>
+              <a:rPr lang="en-US"/>
               <a:t>Fourth level</a:t>
             </a:r>
-            <a:endParaRPr lang="en-US" smtClean="0"/>
           </a:p>
           <a:p>
             <a:pPr lvl="4"/>
             <a:r>
-              <a:rPr lang="en-US" smtClean="0"/>
+              <a:rPr lang="en-US"/>
               <a:t>Fifth level</a:t>
             </a:r>
-            <a:endParaRPr lang="en-US"/>
           </a:p>
         </p:txBody>
       </p:sp>
@@ -2532,6 +2500,7 @@
           <a:p>
             <a:fld id="{63A1C593-65D0-4073-BCC9-577B9352EA97}" type="datetimeFigureOut">
               <a:rPr lang="en-US" smtClean="0"/>
+              <a:t>11/15/2023</a:t>
             </a:fld>
             <a:endParaRPr lang="en-US"/>
           </a:p>
@@ -2609,6 +2578,7 @@
           <a:p>
             <a:fld id="{9B618960-8005-486C-9A75-10CB2AAC16F9}" type="slidenum">
               <a:rPr lang="en-US" smtClean="0"/>
+              <a:t>‹#›</a:t>
             </a:fld>
             <a:endParaRPr lang="en-US"/>
           </a:p>
@@ -2922,7 +2892,14 @@
         <p:cNvGrpSpPr/>
         <p:nvPr/>
       </p:nvGrpSpPr>
-      <p:grpSpPr/>
+      <p:grpSpPr>
+        <a:xfrm>
+          <a:off x="0" y="0"/>
+          <a:ext cx="0" cy="0"/>
+          <a:chOff x="0" y="0"/>
+          <a:chExt cx="0" cy="0"/>
+        </a:xfrm>
+      </p:grpSpPr>
       <p:sp>
         <p:nvSpPr>
           <p:cNvPr id="4" name="Rectangles 3"/>
@@ -2956,13 +2933,13 @@
         </p:style>
         <p:txBody>
           <a:bodyPr rtlCol="0" anchor="ctr"/>
+          <a:lstStyle/>
           <a:p>
             <a:pPr algn="ctr"/>
             <a:r>
               <a:rPr lang="zh-CN"/>
               <a:t>楼</a:t>
             </a:r>
-            <a:endParaRPr lang="zh-CN"/>
           </a:p>
           <a:p>
             <a:pPr algn="ctr"/>
@@ -2970,7 +2947,6 @@
               <a:rPr lang="en-US" altLang="zh-CN"/>
               <a:t>——————</a:t>
             </a:r>
-            <a:endParaRPr lang="en-US" altLang="zh-CN"/>
           </a:p>
           <a:p>
             <a:pPr algn="ctr"/>
@@ -2978,7 +2954,6 @@
               <a:rPr lang="zh-CN" altLang="en-US"/>
               <a:t>楼号</a:t>
             </a:r>
-            <a:endParaRPr lang="zh-CN" altLang="en-US"/>
           </a:p>
           <a:p>
             <a:pPr algn="ctr"/>
@@ -2986,7 +2961,6 @@
               <a:rPr lang="zh-CN" altLang="en-US"/>
               <a:t>楼名称</a:t>
             </a:r>
-            <a:endParaRPr lang="zh-CN" altLang="en-US"/>
           </a:p>
           <a:p>
             <a:pPr algn="ctr"/>
@@ -2994,7 +2968,6 @@
               <a:rPr lang="en-US" altLang="zh-CN"/>
               <a:t>——————</a:t>
             </a:r>
-            <a:endParaRPr lang="en-US" altLang="zh-CN"/>
           </a:p>
           <a:p>
             <a:pPr algn="ctr"/>
@@ -3002,7 +2975,6 @@
               <a:rPr lang="zh-CN" altLang="en-US"/>
               <a:t>进入楼</a:t>
             </a:r>
-            <a:endParaRPr lang="zh-CN" altLang="en-US"/>
           </a:p>
           <a:p>
             <a:pPr algn="ctr"/>
@@ -3010,7 +2982,6 @@
               <a:rPr lang="zh-CN" altLang="en-US"/>
               <a:t>离开楼</a:t>
             </a:r>
-            <a:endParaRPr lang="zh-CN" altLang="en-US"/>
           </a:p>
         </p:txBody>
       </p:sp>
@@ -3047,13 +3018,13 @@
         </p:style>
         <p:txBody>
           <a:bodyPr rtlCol="0" anchor="ctr"/>
+          <a:lstStyle/>
           <a:p>
             <a:pPr algn="ctr"/>
             <a:r>
               <a:rPr lang="zh-CN"/>
               <a:t>教室</a:t>
             </a:r>
-            <a:endParaRPr lang="zh-CN"/>
           </a:p>
           <a:p>
             <a:pPr algn="ctr"/>
@@ -3061,7 +3032,6 @@
               <a:rPr lang="en-US" altLang="zh-CN"/>
               <a:t>——————</a:t>
             </a:r>
-            <a:endParaRPr lang="en-US" altLang="zh-CN"/>
           </a:p>
           <a:p>
             <a:pPr algn="ctr"/>
@@ -3069,7 +3039,6 @@
               <a:rPr lang="zh-CN" altLang="en-US"/>
               <a:t>教室号</a:t>
             </a:r>
-            <a:endParaRPr lang="zh-CN" altLang="en-US"/>
           </a:p>
           <a:p>
             <a:pPr algn="ctr"/>
@@ -3083,7 +3052,6 @@
               <a:rPr lang="zh-CN" altLang="en-US"/>
               <a:t>名称</a:t>
             </a:r>
-            <a:endParaRPr lang="zh-CN" altLang="en-US"/>
           </a:p>
           <a:p>
             <a:pPr algn="ctr"/>
@@ -3091,7 +3059,6 @@
               <a:rPr lang="en-US" altLang="zh-CN"/>
               <a:t>——————</a:t>
             </a:r>
-            <a:endParaRPr lang="en-US" altLang="zh-CN"/>
           </a:p>
           <a:p>
             <a:pPr algn="ctr"/>
@@ -3119,9 +3086,6 @@
               </a:rPr>
               <a:t>教室</a:t>
             </a:r>
-            <a:endParaRPr lang="zh-CN" altLang="en-US">
-              <a:sym typeface="+mn-ea"/>
-            </a:endParaRPr>
           </a:p>
           <a:p>
             <a:pPr algn="ctr"/>
@@ -3129,7 +3093,6 @@
               <a:rPr lang="zh-CN" altLang="en-US"/>
               <a:t>进入讨论板</a:t>
             </a:r>
-            <a:endParaRPr lang="zh-CN" altLang="en-US"/>
           </a:p>
         </p:txBody>
       </p:sp>
@@ -3166,13 +3129,13 @@
         </p:style>
         <p:txBody>
           <a:bodyPr rtlCol="0" anchor="ctr"/>
+          <a:lstStyle/>
           <a:p>
             <a:pPr algn="ctr"/>
             <a:r>
               <a:rPr lang="zh-CN"/>
               <a:t>座位</a:t>
             </a:r>
-            <a:endParaRPr lang="zh-CN"/>
           </a:p>
           <a:p>
             <a:pPr algn="ctr"/>
@@ -3180,7 +3143,6 @@
               <a:rPr lang="en-US" altLang="zh-CN"/>
               <a:t>——————</a:t>
             </a:r>
-            <a:endParaRPr lang="en-US" altLang="zh-CN"/>
           </a:p>
           <a:p>
             <a:pPr algn="ctr"/>
@@ -3188,7 +3150,6 @@
               <a:rPr lang="zh-CN" altLang="en-US"/>
               <a:t>座位号</a:t>
             </a:r>
-            <a:endParaRPr lang="zh-CN" altLang="en-US"/>
           </a:p>
           <a:p>
             <a:pPr algn="ctr"/>
@@ -3200,7 +3161,6 @@
               <a:rPr lang="en-US" altLang="zh-CN"/>
               <a:t>——————</a:t>
             </a:r>
-            <a:endParaRPr lang="en-US" altLang="zh-CN"/>
           </a:p>
           <a:p>
             <a:pPr algn="ctr"/>
@@ -3208,7 +3168,6 @@
               <a:rPr lang="zh-CN" altLang="en-US"/>
               <a:t>座位入座</a:t>
             </a:r>
-            <a:endParaRPr lang="zh-CN" altLang="en-US"/>
           </a:p>
           <a:p>
             <a:pPr algn="ctr"/>
@@ -3259,13 +3218,13 @@
         </p:style>
         <p:txBody>
           <a:bodyPr rtlCol="0" anchor="ctr"/>
+          <a:lstStyle/>
           <a:p>
             <a:pPr algn="ctr"/>
             <a:r>
               <a:rPr lang="zh-CN"/>
               <a:t>学习计划</a:t>
             </a:r>
-            <a:endParaRPr lang="zh-CN"/>
           </a:p>
           <a:p>
             <a:pPr algn="ctr"/>
@@ -3273,7 +3232,6 @@
               <a:rPr lang="en-US" altLang="zh-CN"/>
               <a:t>————————</a:t>
             </a:r>
-            <a:endParaRPr lang="en-US" altLang="zh-CN"/>
           </a:p>
           <a:p>
             <a:pPr algn="ctr"/>
@@ -3281,7 +3239,6 @@
               <a:rPr lang="zh-CN" altLang="en-US"/>
               <a:t>自习时间</a:t>
             </a:r>
-            <a:endParaRPr lang="zh-CN" altLang="en-US"/>
           </a:p>
           <a:p>
             <a:pPr algn="ctr"/>
@@ -3289,7 +3246,6 @@
               <a:rPr lang="zh-CN" altLang="en-US"/>
               <a:t>休息时间</a:t>
             </a:r>
-            <a:endParaRPr lang="zh-CN" altLang="en-US"/>
           </a:p>
           <a:p>
             <a:pPr algn="ctr"/>
@@ -3297,7 +3253,6 @@
               <a:rPr lang="zh-CN" altLang="en-US"/>
               <a:t>周期数</a:t>
             </a:r>
-            <a:endParaRPr lang="zh-CN" altLang="en-US"/>
           </a:p>
           <a:p>
             <a:pPr algn="ctr"/>
@@ -3305,7 +3260,6 @@
               <a:rPr lang="en-US" altLang="zh-CN"/>
               <a:t>—————————</a:t>
             </a:r>
-            <a:endParaRPr lang="en-US" altLang="zh-CN"/>
           </a:p>
           <a:p>
             <a:pPr algn="ctr"/>
@@ -3313,7 +3267,6 @@
               <a:rPr lang="zh-CN" altLang="en-US"/>
               <a:t>设置计划信息</a:t>
             </a:r>
-            <a:endParaRPr lang="zh-CN" altLang="en-US"/>
           </a:p>
           <a:p>
             <a:pPr algn="ctr"/>
@@ -3321,7 +3274,6 @@
               <a:rPr lang="zh-CN" altLang="en-US"/>
               <a:t>开始自习</a:t>
             </a:r>
-            <a:endParaRPr lang="zh-CN" altLang="en-US"/>
           </a:p>
           <a:p>
             <a:pPr algn="ctr"/>
@@ -3329,7 +3281,6 @@
               <a:rPr lang="zh-CN" altLang="en-US"/>
               <a:t>结束自习</a:t>
             </a:r>
-            <a:endParaRPr lang="zh-CN" altLang="en-US"/>
           </a:p>
         </p:txBody>
       </p:sp>
@@ -3366,13 +3317,13 @@
         </p:style>
         <p:txBody>
           <a:bodyPr rtlCol="0" anchor="ctr"/>
+          <a:lstStyle/>
           <a:p>
             <a:pPr algn="ctr"/>
             <a:r>
               <a:rPr lang="zh-CN"/>
               <a:t>讨论板</a:t>
             </a:r>
-            <a:endParaRPr lang="zh-CN"/>
           </a:p>
           <a:p>
             <a:pPr algn="ctr"/>
@@ -3380,7 +3331,6 @@
               <a:rPr lang="en-US" altLang="zh-CN"/>
               <a:t>——————</a:t>
             </a:r>
-            <a:endParaRPr lang="en-US" altLang="zh-CN"/>
           </a:p>
           <a:p>
             <a:pPr algn="ctr"/>
@@ -3388,7 +3338,6 @@
               <a:rPr lang="zh-CN" altLang="en-US"/>
               <a:t>讨论板号</a:t>
             </a:r>
-            <a:endParaRPr lang="zh-CN" altLang="en-US"/>
           </a:p>
           <a:p>
             <a:pPr algn="ctr"/>
@@ -3396,7 +3345,6 @@
               <a:rPr lang="en-US" altLang="zh-CN"/>
               <a:t>——————</a:t>
             </a:r>
-            <a:endParaRPr lang="en-US" altLang="zh-CN"/>
           </a:p>
           <a:p>
             <a:pPr algn="ctr"/>
@@ -3404,7 +3352,6 @@
               <a:rPr lang="zh-CN" altLang="en-US"/>
               <a:t>搜索问题</a:t>
             </a:r>
-            <a:endParaRPr lang="zh-CN" altLang="en-US"/>
           </a:p>
           <a:p>
             <a:pPr algn="ctr"/>
@@ -3412,7 +3359,6 @@
               <a:rPr lang="zh-CN" altLang="en-US"/>
               <a:t>查看问题</a:t>
             </a:r>
-            <a:endParaRPr lang="zh-CN" altLang="en-US"/>
           </a:p>
           <a:p>
             <a:pPr algn="ctr"/>
@@ -3420,7 +3366,6 @@
               <a:rPr lang="zh-CN" altLang="en-US"/>
               <a:t>发布问题</a:t>
             </a:r>
-            <a:endParaRPr lang="zh-CN" altLang="en-US"/>
           </a:p>
           <a:p>
             <a:pPr algn="ctr"/>
@@ -3428,7 +3373,6 @@
               <a:rPr lang="zh-CN" altLang="en-US"/>
               <a:t>回答问题</a:t>
             </a:r>
-            <a:endParaRPr lang="zh-CN" altLang="en-US"/>
           </a:p>
         </p:txBody>
       </p:sp>
@@ -3512,6 +3456,7 @@
           </p:style>
           <p:txBody>
             <a:bodyPr rtlCol="0" anchor="ctr"/>
+            <a:lstStyle/>
             <a:p>
               <a:pPr algn="ctr"/>
               <a:endParaRPr lang="en-US"/>
@@ -3599,6 +3544,7 @@
           </p:style>
           <p:txBody>
             <a:bodyPr rtlCol="0" anchor="ctr"/>
+            <a:lstStyle/>
             <a:p>
               <a:pPr algn="ctr"/>
               <a:endParaRPr lang="en-US"/>
@@ -3686,6 +3632,7 @@
           </p:style>
           <p:txBody>
             <a:bodyPr rtlCol="0" anchor="ctr"/>
+            <a:lstStyle/>
             <a:p>
               <a:pPr algn="ctr"/>
               <a:endParaRPr lang="en-US"/>
@@ -3726,13 +3673,13 @@
         </p:style>
         <p:txBody>
           <a:bodyPr rtlCol="0" anchor="ctr"/>
+          <a:lstStyle/>
           <a:p>
             <a:pPr algn="ctr"/>
             <a:r>
               <a:rPr lang="zh-CN"/>
               <a:t>用户</a:t>
             </a:r>
-            <a:endParaRPr lang="zh-CN"/>
           </a:p>
           <a:p>
             <a:pPr algn="ctr"/>
@@ -3740,7 +3687,6 @@
               <a:rPr lang="en-US" altLang="zh-CN"/>
               <a:t>——————</a:t>
             </a:r>
-            <a:endParaRPr lang="en-US" altLang="zh-CN"/>
           </a:p>
           <a:p>
             <a:pPr algn="ctr"/>
@@ -3748,7 +3694,6 @@
               <a:rPr lang="zh-CN" altLang="en-US"/>
               <a:t>用户号</a:t>
             </a:r>
-            <a:endParaRPr lang="zh-CN" altLang="en-US"/>
           </a:p>
           <a:p>
             <a:pPr algn="ctr"/>
@@ -3756,7 +3701,6 @@
               <a:rPr lang="zh-CN" altLang="en-US"/>
               <a:t>用户名称</a:t>
             </a:r>
-            <a:endParaRPr lang="zh-CN" altLang="en-US"/>
           </a:p>
           <a:p>
             <a:pPr algn="ctr"/>
@@ -3764,7 +3708,6 @@
               <a:rPr lang="en-US" altLang="zh-CN"/>
               <a:t>——————</a:t>
             </a:r>
-            <a:endParaRPr lang="en-US" altLang="zh-CN"/>
           </a:p>
           <a:p>
             <a:pPr algn="ctr"/>
@@ -3772,7 +3715,6 @@
               <a:rPr lang="zh-CN" altLang="en-US"/>
               <a:t>退出登录</a:t>
             </a:r>
-            <a:endParaRPr lang="zh-CN" altLang="en-US"/>
           </a:p>
         </p:txBody>
       </p:sp>
@@ -3991,12 +3933,12 @@
           <a:bodyPr wrap="square" rtlCol="0">
             <a:spAutoFit/>
           </a:bodyPr>
+          <a:lstStyle/>
           <a:p>
             <a:r>
               <a:rPr lang="zh-CN" altLang="en-US" sz="2400"/>
               <a:t>类图</a:t>
             </a:r>
-            <a:endParaRPr lang="zh-CN" altLang="en-US" sz="2400"/>
           </a:p>
         </p:txBody>
       </p:sp>
@@ -4058,7 +4000,14 @@
         <p:cNvGrpSpPr/>
         <p:nvPr/>
       </p:nvGrpSpPr>
-      <p:grpSpPr/>
+      <p:grpSpPr>
+        <a:xfrm>
+          <a:off x="0" y="0"/>
+          <a:ext cx="0" cy="0"/>
+          <a:chOff x="0" y="0"/>
+          <a:chExt cx="0" cy="0"/>
+        </a:xfrm>
+      </p:grpSpPr>
       <p:grpSp>
         <p:nvGrpSpPr>
           <p:cNvPr id="6" name="Group 5"/>
@@ -4106,6 +4055,7 @@
           </p:style>
           <p:txBody>
             <a:bodyPr rtlCol="0" anchor="ctr"/>
+            <a:lstStyle/>
             <a:p>
               <a:pPr algn="ctr"/>
               <a:endParaRPr lang="en-US"/>
@@ -4135,6 +4085,7 @@
             <a:bodyPr wrap="none" rtlCol="0" anchor="t">
               <a:noAutofit/>
             </a:bodyPr>
+            <a:lstStyle/>
             <a:p>
               <a:pPr algn="ctr"/>
               <a:r>
@@ -4153,19 +4104,6 @@
                 </a:rPr>
                 <a:t>大</a:t>
               </a:r>
-              <a:endParaRPr lang="zh-CN" altLang="en-US" sz="2000" b="1">
-                <a:ln/>
-                <a:solidFill>
-                  <a:schemeClr val="accent1"/>
-                </a:solidFill>
-                <a:effectLst>
-                  <a:outerShdw blurRad="38100" dist="25400" dir="5400000" algn="ctr" rotWithShape="0">
-                    <a:srgbClr val="6E747A">
-                      <a:alpha val="43000"/>
-                    </a:srgbClr>
-                  </a:outerShdw>
-                </a:effectLst>
-              </a:endParaRPr>
             </a:p>
           </p:txBody>
         </p:sp>
@@ -4203,6 +4141,7 @@
         </p:style>
         <p:txBody>
           <a:bodyPr rtlCol="0" anchor="ctr"/>
+          <a:lstStyle/>
           <a:p>
             <a:pPr algn="ctr"/>
             <a:endParaRPr lang="en-US"/>
@@ -4242,13 +4181,13 @@
         </p:style>
         <p:txBody>
           <a:bodyPr rtlCol="0" anchor="ctr"/>
+          <a:lstStyle/>
           <a:p>
             <a:pPr algn="ctr"/>
             <a:r>
               <a:rPr lang="zh-CN" altLang="en-US"/>
               <a:t>楼</a:t>
             </a:r>
-            <a:endParaRPr lang="zh-CN" altLang="en-US"/>
           </a:p>
         </p:txBody>
       </p:sp>
@@ -4357,6 +4296,7 @@
         </p:style>
         <p:txBody>
           <a:bodyPr rtlCol="0" anchor="ctr"/>
+          <a:lstStyle/>
           <a:p>
             <a:pPr algn="ctr"/>
             <a:endParaRPr lang="en-US"/>
@@ -4429,13 +4369,13 @@
         </p:style>
         <p:txBody>
           <a:bodyPr rtlCol="0" anchor="ctr"/>
+          <a:lstStyle/>
           <a:p>
             <a:pPr algn="ctr"/>
             <a:r>
               <a:rPr lang="zh-CN" altLang="en-US"/>
               <a:t>教室</a:t>
             </a:r>
-            <a:endParaRPr lang="zh-CN" altLang="en-US"/>
           </a:p>
         </p:txBody>
       </p:sp>
@@ -4509,6 +4449,7 @@
         </p:style>
         <p:txBody>
           <a:bodyPr rtlCol="0" anchor="ctr"/>
+          <a:lstStyle/>
           <a:p>
             <a:pPr algn="ctr"/>
             <a:endParaRPr lang="en-US"/>
@@ -4548,13 +4489,13 @@
         </p:style>
         <p:txBody>
           <a:bodyPr rtlCol="0" anchor="ctr"/>
+          <a:lstStyle/>
           <a:p>
             <a:pPr algn="ctr"/>
             <a:r>
               <a:rPr lang="zh-CN" altLang="en-US"/>
               <a:t>座位</a:t>
             </a:r>
-            <a:endParaRPr lang="zh-CN" altLang="en-US"/>
           </a:p>
         </p:txBody>
       </p:sp>
@@ -4661,6 +4602,7 @@
         </p:style>
         <p:txBody>
           <a:bodyPr rtlCol="0" anchor="ctr"/>
+          <a:lstStyle/>
           <a:p>
             <a:pPr algn="ctr"/>
             <a:endParaRPr lang="en-US"/>
@@ -4811,13 +4753,13 @@
         </p:style>
         <p:txBody>
           <a:bodyPr rtlCol="0" anchor="ctr"/>
+          <a:lstStyle/>
           <a:p>
             <a:pPr algn="ctr"/>
             <a:r>
               <a:rPr lang="zh-CN" altLang="en-US"/>
               <a:t>学习计划</a:t>
             </a:r>
-            <a:endParaRPr lang="zh-CN" altLang="en-US"/>
           </a:p>
         </p:txBody>
       </p:sp>
@@ -4854,6 +4796,7 @@
         </p:style>
         <p:txBody>
           <a:bodyPr rtlCol="0" anchor="ctr"/>
+          <a:lstStyle/>
           <a:p>
             <a:pPr algn="ctr"/>
             <a:endParaRPr lang="en-US"/>
@@ -4923,6 +4866,7 @@
           <a:bodyPr wrap="none" rtlCol="0" anchor="t">
             <a:spAutoFit/>
           </a:bodyPr>
+          <a:lstStyle/>
           <a:p>
             <a:pPr algn="ctr"/>
             <a:r>
@@ -4941,19 +4885,6 @@
               </a:rPr>
               <a:t>X</a:t>
             </a:r>
-            <a:endParaRPr lang="en-US" altLang="zh-CN" sz="2800" b="1">
-              <a:ln/>
-              <a:solidFill>
-                <a:schemeClr val="accent1"/>
-              </a:solidFill>
-              <a:effectLst>
-                <a:outerShdw blurRad="38100" dist="25400" dir="5400000" algn="ctr" rotWithShape="0">
-                  <a:srgbClr val="6E747A">
-                    <a:alpha val="43000"/>
-                  </a:srgbClr>
-                </a:outerShdw>
-              </a:effectLst>
-            </a:endParaRPr>
           </a:p>
         </p:txBody>
       </p:sp>
@@ -5015,12 +4946,12 @@
           <a:bodyPr wrap="square" rtlCol="0">
             <a:spAutoFit/>
           </a:bodyPr>
+          <a:lstStyle/>
           <a:p>
             <a:r>
               <a:rPr lang="zh-CN" altLang="en-US" sz="1000"/>
               <a:t>进入楼</a:t>
             </a:r>
-            <a:endParaRPr lang="zh-CN" altLang="en-US" sz="1000"/>
           </a:p>
         </p:txBody>
       </p:sp>
@@ -5044,12 +4975,12 @@
           <a:bodyPr wrap="square" rtlCol="0">
             <a:spAutoFit/>
           </a:bodyPr>
+          <a:lstStyle/>
           <a:p>
             <a:r>
               <a:rPr lang="zh-CN" altLang="en-US" sz="1000"/>
               <a:t>进入教室</a:t>
             </a:r>
-            <a:endParaRPr lang="zh-CN" altLang="en-US" sz="1000"/>
           </a:p>
         </p:txBody>
       </p:sp>
@@ -5073,12 +5004,12 @@
           <a:bodyPr wrap="square" rtlCol="0">
             <a:spAutoFit/>
           </a:bodyPr>
+          <a:lstStyle/>
           <a:p>
             <a:r>
               <a:rPr lang="zh-CN" altLang="en-US" sz="1000"/>
               <a:t>座位入座</a:t>
             </a:r>
-            <a:endParaRPr lang="zh-CN" altLang="en-US" sz="1000"/>
           </a:p>
         </p:txBody>
       </p:sp>
@@ -5102,12 +5033,12 @@
           <a:bodyPr wrap="square" rtlCol="0">
             <a:spAutoFit/>
           </a:bodyPr>
+          <a:lstStyle/>
           <a:p>
             <a:r>
               <a:rPr lang="zh-CN" altLang="en-US" sz="1000"/>
               <a:t>制订学习计划</a:t>
             </a:r>
-            <a:endParaRPr lang="zh-CN" altLang="en-US" sz="1000"/>
           </a:p>
         </p:txBody>
       </p:sp>
@@ -5131,12 +5062,12 @@
           <a:bodyPr wrap="square" rtlCol="0">
             <a:spAutoFit/>
           </a:bodyPr>
+          <a:lstStyle/>
           <a:p>
             <a:r>
               <a:rPr lang="zh-CN" altLang="en-US" sz="2400"/>
               <a:t>顺序图</a:t>
             </a:r>
-            <a:endParaRPr lang="zh-CN" altLang="en-US" sz="2400"/>
           </a:p>
         </p:txBody>
       </p:sp>
@@ -5173,13 +5104,13 @@
         </p:style>
         <p:txBody>
           <a:bodyPr rtlCol="0" anchor="ctr"/>
+          <a:lstStyle/>
           <a:p>
             <a:pPr algn="ctr"/>
             <a:r>
               <a:rPr lang="zh-CN" altLang="en-US"/>
               <a:t>讨论板</a:t>
             </a:r>
-            <a:endParaRPr lang="zh-CN" altLang="en-US"/>
           </a:p>
         </p:txBody>
       </p:sp>
@@ -5286,6 +5217,7 @@
         </p:style>
         <p:txBody>
           <a:bodyPr rtlCol="0" anchor="ctr"/>
+          <a:lstStyle/>
           <a:p>
             <a:pPr algn="ctr"/>
             <a:endParaRPr lang="en-US"/>
@@ -5342,12 +5274,12 @@
           <a:bodyPr wrap="square" rtlCol="0">
             <a:spAutoFit/>
           </a:bodyPr>
+          <a:lstStyle/>
           <a:p>
             <a:r>
               <a:rPr lang="zh-CN" altLang="en-US" sz="1000"/>
               <a:t>进入讨论板</a:t>
             </a:r>
-            <a:endParaRPr lang="zh-CN" altLang="en-US" sz="1000"/>
           </a:p>
         </p:txBody>
       </p:sp>
@@ -5406,7 +5338,14 @@
         <p:cNvGrpSpPr/>
         <p:nvPr/>
       </p:nvGrpSpPr>
-      <p:grpSpPr/>
+      <p:grpSpPr>
+        <a:xfrm>
+          <a:off x="0" y="0"/>
+          <a:ext cx="0" cy="0"/>
+          <a:chOff x="0" y="0"/>
+          <a:chExt cx="0" cy="0"/>
+        </a:xfrm>
+      </p:grpSpPr>
       <p:sp>
         <p:nvSpPr>
           <p:cNvPr id="4" name="Text Box 3"/>
@@ -5427,12 +5366,12 @@
           <a:bodyPr wrap="square" rtlCol="0">
             <a:spAutoFit/>
           </a:bodyPr>
+          <a:lstStyle/>
           <a:p>
             <a:r>
               <a:rPr lang="zh-CN" altLang="en-US" sz="2400"/>
               <a:t>用户状态图</a:t>
             </a:r>
-            <a:endParaRPr lang="zh-CN" altLang="en-US" sz="2400"/>
           </a:p>
         </p:txBody>
       </p:sp>
@@ -5469,6 +5408,7 @@
         </p:style>
         <p:txBody>
           <a:bodyPr rtlCol="0" anchor="ctr"/>
+          <a:lstStyle/>
           <a:p>
             <a:pPr algn="ctr"/>
             <a:endParaRPr lang="en-US"/>
@@ -5508,13 +5448,13 @@
         </p:style>
         <p:txBody>
           <a:bodyPr rtlCol="0" anchor="ctr"/>
+          <a:lstStyle/>
           <a:p>
             <a:pPr algn="ctr"/>
             <a:r>
               <a:rPr lang="zh-CN" altLang="en-US"/>
               <a:t>处于主菜单</a:t>
             </a:r>
-            <a:endParaRPr lang="zh-CN" altLang="en-US"/>
           </a:p>
         </p:txBody>
       </p:sp>
@@ -5551,13 +5491,13 @@
         </p:style>
         <p:txBody>
           <a:bodyPr rtlCol="0" anchor="ctr"/>
+          <a:lstStyle/>
           <a:p>
             <a:pPr algn="ctr"/>
             <a:r>
               <a:rPr lang="zh-CN" altLang="en-US"/>
               <a:t>处于楼中</a:t>
             </a:r>
-            <a:endParaRPr lang="zh-CN" altLang="en-US"/>
           </a:p>
         </p:txBody>
       </p:sp>
@@ -5594,13 +5534,13 @@
         </p:style>
         <p:txBody>
           <a:bodyPr rtlCol="0" anchor="ctr"/>
+          <a:lstStyle/>
           <a:p>
             <a:pPr algn="ctr"/>
             <a:r>
               <a:rPr lang="zh-CN" altLang="en-US"/>
               <a:t>处于教室中</a:t>
             </a:r>
-            <a:endParaRPr lang="zh-CN" altLang="en-US"/>
           </a:p>
         </p:txBody>
       </p:sp>
@@ -5637,13 +5577,13 @@
         </p:style>
         <p:txBody>
           <a:bodyPr rtlCol="0" anchor="ctr"/>
+          <a:lstStyle/>
           <a:p>
             <a:pPr algn="ctr"/>
             <a:r>
               <a:rPr lang="zh-CN" altLang="en-US"/>
               <a:t>处于座位上</a:t>
             </a:r>
-            <a:endParaRPr lang="zh-CN" altLang="en-US"/>
           </a:p>
         </p:txBody>
       </p:sp>
@@ -5680,13 +5620,13 @@
         </p:style>
         <p:txBody>
           <a:bodyPr rtlCol="0" anchor="ctr"/>
+          <a:lstStyle/>
           <a:p>
             <a:pPr algn="ctr"/>
             <a:r>
               <a:rPr lang="zh-CN" altLang="en-US"/>
               <a:t>在自习</a:t>
             </a:r>
-            <a:endParaRPr lang="zh-CN" altLang="en-US"/>
           </a:p>
         </p:txBody>
       </p:sp>
@@ -6009,12 +5949,12 @@
           <a:bodyPr wrap="square" rtlCol="0">
             <a:spAutoFit/>
           </a:bodyPr>
+          <a:lstStyle/>
           <a:p>
             <a:r>
               <a:rPr lang="zh-CN" altLang="en-US" sz="1400"/>
               <a:t>进入楼</a:t>
             </a:r>
-            <a:endParaRPr lang="zh-CN" altLang="en-US" sz="1400"/>
           </a:p>
         </p:txBody>
       </p:sp>
@@ -6038,12 +5978,12 @@
           <a:bodyPr wrap="square" rtlCol="0">
             <a:spAutoFit/>
           </a:bodyPr>
+          <a:lstStyle/>
           <a:p>
             <a:r>
               <a:rPr lang="zh-CN" altLang="en-US" sz="1400"/>
               <a:t>离开楼</a:t>
             </a:r>
-            <a:endParaRPr lang="zh-CN" altLang="en-US" sz="1400"/>
           </a:p>
         </p:txBody>
       </p:sp>
@@ -6067,12 +6007,12 @@
           <a:bodyPr wrap="square" rtlCol="0">
             <a:spAutoFit/>
           </a:bodyPr>
+          <a:lstStyle/>
           <a:p>
             <a:r>
               <a:rPr lang="zh-CN" altLang="en-US" sz="1400"/>
               <a:t>离开教室</a:t>
             </a:r>
-            <a:endParaRPr lang="zh-CN" altLang="en-US" sz="1400"/>
           </a:p>
         </p:txBody>
       </p:sp>
@@ -6096,12 +6036,12 @@
           <a:bodyPr wrap="square" rtlCol="0">
             <a:spAutoFit/>
           </a:bodyPr>
+          <a:lstStyle/>
           <a:p>
             <a:r>
               <a:rPr lang="zh-CN" altLang="en-US" sz="1400"/>
               <a:t>进入教室</a:t>
             </a:r>
-            <a:endParaRPr lang="zh-CN" altLang="en-US" sz="1400"/>
           </a:p>
         </p:txBody>
       </p:sp>
@@ -6125,12 +6065,12 @@
           <a:bodyPr wrap="square" rtlCol="0">
             <a:spAutoFit/>
           </a:bodyPr>
+          <a:lstStyle/>
           <a:p>
             <a:r>
               <a:rPr lang="zh-CN" altLang="en-US" sz="1400"/>
               <a:t>座位入座</a:t>
             </a:r>
-            <a:endParaRPr lang="zh-CN" altLang="en-US" sz="1400"/>
           </a:p>
         </p:txBody>
       </p:sp>
@@ -6154,12 +6094,12 @@
           <a:bodyPr wrap="square" rtlCol="0">
             <a:spAutoFit/>
           </a:bodyPr>
+          <a:lstStyle/>
           <a:p>
             <a:r>
               <a:rPr lang="zh-CN" altLang="en-US" sz="1400"/>
               <a:t>离开座位</a:t>
             </a:r>
-            <a:endParaRPr lang="zh-CN" altLang="en-US" sz="1400"/>
           </a:p>
         </p:txBody>
       </p:sp>
@@ -6183,12 +6123,12 @@
           <a:bodyPr wrap="square" rtlCol="0">
             <a:spAutoFit/>
           </a:bodyPr>
+          <a:lstStyle/>
           <a:p>
             <a:r>
               <a:rPr lang="zh-CN" altLang="en-US" sz="1400"/>
               <a:t>结束自习</a:t>
             </a:r>
-            <a:endParaRPr lang="zh-CN" altLang="en-US" sz="1400"/>
           </a:p>
         </p:txBody>
       </p:sp>
@@ -6212,12 +6152,12 @@
           <a:bodyPr wrap="square" rtlCol="0">
             <a:spAutoFit/>
           </a:bodyPr>
+          <a:lstStyle/>
           <a:p>
             <a:r>
               <a:rPr lang="zh-CN" altLang="en-US" sz="1400"/>
               <a:t>开始自习</a:t>
             </a:r>
-            <a:endParaRPr lang="zh-CN" altLang="en-US" sz="1400"/>
           </a:p>
         </p:txBody>
       </p:sp>
@@ -6254,13 +6194,13 @@
         </p:style>
         <p:txBody>
           <a:bodyPr rtlCol="0" anchor="ctr"/>
+          <a:lstStyle/>
           <a:p>
             <a:pPr algn="ctr"/>
             <a:r>
               <a:rPr lang="zh-CN" altLang="en-US"/>
               <a:t>处于讨论板</a:t>
             </a:r>
-            <a:endParaRPr lang="zh-CN" altLang="en-US"/>
           </a:p>
         </p:txBody>
       </p:sp>
@@ -6350,12 +6290,12 @@
           <a:bodyPr wrap="square" rtlCol="0">
             <a:spAutoFit/>
           </a:bodyPr>
+          <a:lstStyle/>
           <a:p>
             <a:r>
               <a:rPr lang="zh-CN" altLang="en-US" sz="1400"/>
               <a:t>进入讨论板</a:t>
             </a:r>
-            <a:endParaRPr lang="zh-CN" altLang="en-US" sz="1400"/>
           </a:p>
         </p:txBody>
       </p:sp>
@@ -6379,12 +6319,12 @@
           <a:bodyPr wrap="square" rtlCol="0">
             <a:spAutoFit/>
           </a:bodyPr>
+          <a:lstStyle/>
           <a:p>
             <a:r>
               <a:rPr lang="zh-CN" altLang="en-US" sz="1400"/>
               <a:t>离开讨论板</a:t>
             </a:r>
-            <a:endParaRPr lang="zh-CN" altLang="en-US" sz="1400"/>
           </a:p>
         </p:txBody>
       </p:sp>
@@ -6405,7 +6345,14 @@
         <p:cNvGrpSpPr/>
         <p:nvPr/>
       </p:nvGrpSpPr>
-      <p:grpSpPr/>
+      <p:grpSpPr>
+        <a:xfrm>
+          <a:off x="0" y="0"/>
+          <a:ext cx="0" cy="0"/>
+          <a:chOff x="0" y="0"/>
+          <a:chExt cx="0" cy="0"/>
+        </a:xfrm>
+      </p:grpSpPr>
       <p:grpSp>
         <p:nvGrpSpPr>
           <p:cNvPr id="6" name="Group 5"/>
@@ -6463,6 +6410,7 @@
           </p:style>
           <p:txBody>
             <a:bodyPr rtlCol="0" anchor="ctr"/>
+            <a:lstStyle/>
             <a:p>
               <a:pPr algn="ctr"/>
               <a:r>
@@ -6476,14 +6424,6 @@
                 </a:rPr>
                 <a:t>用户</a:t>
               </a:r>
-              <a:endParaRPr lang="zh-CN" altLang="en-US">
-                <a:solidFill>
-                  <a:schemeClr val="tx1">
-                    <a:lumMod val="95000"/>
-                    <a:lumOff val="5000"/>
-                  </a:schemeClr>
-                </a:solidFill>
-              </a:endParaRPr>
             </a:p>
           </p:txBody>
         </p:sp>
@@ -6523,6 +6463,7 @@
           </p:style>
           <p:txBody>
             <a:bodyPr rtlCol="0" anchor="ctr"/>
+            <a:lstStyle/>
             <a:p>
               <a:pPr algn="ctr"/>
               <a:endParaRPr lang="zh-CN" altLang="en-US"/>
@@ -6550,12 +6491,12 @@
           <a:bodyPr wrap="square" rtlCol="0">
             <a:spAutoFit/>
           </a:bodyPr>
+          <a:lstStyle/>
           <a:p>
             <a:r>
               <a:rPr lang="zh-CN" altLang="en-US" sz="2400"/>
               <a:t>包图</a:t>
             </a:r>
-            <a:endParaRPr lang="zh-CN" altLang="en-US" sz="2400"/>
           </a:p>
         </p:txBody>
       </p:sp>
@@ -6616,6 +6557,7 @@
           </p:style>
           <p:txBody>
             <a:bodyPr rtlCol="0" anchor="ctr"/>
+            <a:lstStyle/>
             <a:p>
               <a:pPr algn="ctr"/>
               <a:r>
@@ -6629,14 +6571,6 @@
                 </a:rPr>
                 <a:t>自习系统</a:t>
               </a:r>
-              <a:endParaRPr lang="zh-CN" altLang="en-US">
-                <a:solidFill>
-                  <a:schemeClr val="tx1">
-                    <a:lumMod val="95000"/>
-                    <a:lumOff val="5000"/>
-                  </a:schemeClr>
-                </a:solidFill>
-              </a:endParaRPr>
             </a:p>
           </p:txBody>
         </p:sp>
@@ -6676,6 +6610,7 @@
           </p:style>
           <p:txBody>
             <a:bodyPr rtlCol="0" anchor="ctr"/>
+            <a:lstStyle/>
             <a:p>
               <a:pPr algn="ctr"/>
               <a:endParaRPr lang="zh-CN" altLang="en-US"/>
@@ -6740,6 +6675,7 @@
           </p:style>
           <p:txBody>
             <a:bodyPr rtlCol="0" anchor="ctr"/>
+            <a:lstStyle/>
             <a:p>
               <a:pPr algn="ctr"/>
               <a:r>
@@ -6753,14 +6689,6 @@
                 </a:rPr>
                 <a:t>楼</a:t>
               </a:r>
-              <a:endParaRPr lang="zh-CN" altLang="en-US">
-                <a:solidFill>
-                  <a:schemeClr val="tx1">
-                    <a:lumMod val="95000"/>
-                    <a:lumOff val="5000"/>
-                  </a:schemeClr>
-                </a:solidFill>
-              </a:endParaRPr>
             </a:p>
           </p:txBody>
         </p:sp>
@@ -6800,6 +6728,7 @@
           </p:style>
           <p:txBody>
             <a:bodyPr rtlCol="0" anchor="ctr"/>
+            <a:lstStyle/>
             <a:p>
               <a:pPr algn="ctr"/>
               <a:endParaRPr lang="zh-CN" altLang="en-US"/>
@@ -6864,6 +6793,7 @@
           </p:style>
           <p:txBody>
             <a:bodyPr rtlCol="0" anchor="ctr"/>
+            <a:lstStyle/>
             <a:p>
               <a:pPr algn="ctr"/>
               <a:r>
@@ -6877,14 +6807,6 @@
                 </a:rPr>
                 <a:t>教室</a:t>
               </a:r>
-              <a:endParaRPr lang="zh-CN" altLang="en-US">
-                <a:solidFill>
-                  <a:schemeClr val="tx1">
-                    <a:lumMod val="95000"/>
-                    <a:lumOff val="5000"/>
-                  </a:schemeClr>
-                </a:solidFill>
-              </a:endParaRPr>
             </a:p>
           </p:txBody>
         </p:sp>
@@ -6924,6 +6846,7 @@
           </p:style>
           <p:txBody>
             <a:bodyPr rtlCol="0" anchor="ctr"/>
+            <a:lstStyle/>
             <a:p>
               <a:pPr algn="ctr"/>
               <a:endParaRPr lang="zh-CN" altLang="en-US"/>
@@ -6988,6 +6911,7 @@
           </p:style>
           <p:txBody>
             <a:bodyPr rtlCol="0" anchor="ctr"/>
+            <a:lstStyle/>
             <a:p>
               <a:pPr algn="ctr"/>
               <a:r>
@@ -7001,14 +6925,6 @@
                 </a:rPr>
                 <a:t>座位</a:t>
               </a:r>
-              <a:endParaRPr lang="zh-CN" altLang="en-US">
-                <a:solidFill>
-                  <a:schemeClr val="tx1">
-                    <a:lumMod val="95000"/>
-                    <a:lumOff val="5000"/>
-                  </a:schemeClr>
-                </a:solidFill>
-              </a:endParaRPr>
             </a:p>
           </p:txBody>
         </p:sp>
@@ -7048,6 +6964,7 @@
           </p:style>
           <p:txBody>
             <a:bodyPr rtlCol="0" anchor="ctr"/>
+            <a:lstStyle/>
             <a:p>
               <a:pPr algn="ctr"/>
               <a:endParaRPr lang="zh-CN" altLang="en-US"/>
@@ -7112,6 +7029,7 @@
           </p:style>
           <p:txBody>
             <a:bodyPr rtlCol="0" anchor="ctr"/>
+            <a:lstStyle/>
             <a:p>
               <a:pPr algn="ctr"/>
               <a:r>
@@ -7125,14 +7043,6 @@
                 </a:rPr>
                 <a:t>讨论板</a:t>
               </a:r>
-              <a:endParaRPr lang="zh-CN" altLang="en-US">
-                <a:solidFill>
-                  <a:schemeClr val="tx1">
-                    <a:lumMod val="95000"/>
-                    <a:lumOff val="5000"/>
-                  </a:schemeClr>
-                </a:solidFill>
-              </a:endParaRPr>
             </a:p>
           </p:txBody>
         </p:sp>
@@ -7172,6 +7082,7 @@
           </p:style>
           <p:txBody>
             <a:bodyPr rtlCol="0" anchor="ctr"/>
+            <a:lstStyle/>
             <a:p>
               <a:pPr algn="ctr"/>
               <a:endParaRPr lang="zh-CN" altLang="en-US"/>
@@ -7236,6 +7147,7 @@
           </p:style>
           <p:txBody>
             <a:bodyPr rtlCol="0" anchor="ctr"/>
+            <a:lstStyle/>
             <a:p>
               <a:pPr algn="ctr"/>
               <a:r>
@@ -7249,14 +7161,6 @@
                 </a:rPr>
                 <a:t>学习计划</a:t>
               </a:r>
-              <a:endParaRPr lang="zh-CN" altLang="en-US">
-                <a:solidFill>
-                  <a:schemeClr val="tx1">
-                    <a:lumMod val="95000"/>
-                    <a:lumOff val="5000"/>
-                  </a:schemeClr>
-                </a:solidFill>
-              </a:endParaRPr>
             </a:p>
           </p:txBody>
         </p:sp>
@@ -7296,6 +7200,7 @@
           </p:style>
           <p:txBody>
             <a:bodyPr rtlCol="0" anchor="ctr"/>
+            <a:lstStyle/>
             <a:p>
               <a:pPr algn="ctr"/>
               <a:endParaRPr lang="zh-CN" altLang="en-US"/>
@@ -7361,12 +7266,12 @@
           <a:bodyPr wrap="square" rtlCol="0">
             <a:spAutoFit/>
           </a:bodyPr>
+          <a:lstStyle/>
           <a:p>
             <a:r>
               <a:rPr lang="en-US"/>
               <a:t>&lt;&lt;import&gt;&gt;</a:t>
             </a:r>
-            <a:endParaRPr lang="en-US"/>
           </a:p>
         </p:txBody>
       </p:sp>
@@ -7431,12 +7336,12 @@
           <a:bodyPr wrap="square" rtlCol="0">
             <a:spAutoFit/>
           </a:bodyPr>
+          <a:lstStyle/>
           <a:p>
             <a:r>
               <a:rPr lang="en-US"/>
               <a:t>&lt;&lt;import&gt;&gt;</a:t>
             </a:r>
-            <a:endParaRPr lang="en-US"/>
           </a:p>
         </p:txBody>
       </p:sp>
@@ -7460,12 +7365,12 @@
           <a:bodyPr wrap="square" rtlCol="0">
             <a:spAutoFit/>
           </a:bodyPr>
+          <a:lstStyle/>
           <a:p>
             <a:r>
               <a:rPr lang="en-US"/>
               <a:t>&lt;&lt;import&gt;&gt;</a:t>
             </a:r>
-            <a:endParaRPr lang="en-US"/>
           </a:p>
         </p:txBody>
       </p:sp>
@@ -7568,12 +7473,12 @@
           <a:bodyPr wrap="square" rtlCol="0">
             <a:spAutoFit/>
           </a:bodyPr>
+          <a:lstStyle/>
           <a:p>
             <a:r>
               <a:rPr lang="en-US"/>
               <a:t>&lt;&lt;import&gt;&gt;</a:t>
             </a:r>
-            <a:endParaRPr lang="en-US"/>
           </a:p>
         </p:txBody>
       </p:sp>
@@ -7638,12 +7543,12 @@
           <a:bodyPr wrap="square" rtlCol="0">
             <a:spAutoFit/>
           </a:bodyPr>
+          <a:lstStyle/>
           <a:p>
             <a:r>
               <a:rPr lang="en-US"/>
               <a:t>&lt;&lt;import&gt;&gt;</a:t>
             </a:r>
-            <a:endParaRPr lang="en-US"/>
           </a:p>
         </p:txBody>
       </p:sp>
@@ -7865,16 +7770,6765 @@
           <a:bodyPr wrap="square" rtlCol="0">
             <a:spAutoFit/>
           </a:bodyPr>
+          <a:lstStyle/>
           <a:p>
             <a:r>
               <a:rPr lang="en-US"/>
               <a:t>&lt;&lt;merge&gt;&gt;</a:t>
             </a:r>
-            <a:endParaRPr lang="en-US"/>
           </a:p>
         </p:txBody>
       </p:sp>
     </p:spTree>
+  </p:cSld>
+  <p:clrMapOvr>
+    <a:masterClrMapping/>
+  </p:clrMapOvr>
+</p:sld>
+</file>
+
+<file path=ppt/slides/slide5.xml><?xml version="1.0" encoding="utf-8"?>
+<p:sld xmlns:a="http://schemas.openxmlformats.org/drawingml/2006/main" xmlns:r="http://schemas.openxmlformats.org/officeDocument/2006/relationships" xmlns:p="http://schemas.openxmlformats.org/presentationml/2006/main">
+  <p:cSld>
+    <p:spTree>
+      <p:nvGrpSpPr>
+        <p:cNvPr id="1" name=""/>
+        <p:cNvGrpSpPr/>
+        <p:nvPr/>
+      </p:nvGrpSpPr>
+      <p:grpSpPr>
+        <a:xfrm>
+          <a:off x="0" y="0"/>
+          <a:ext cx="0" cy="0"/>
+          <a:chOff x="0" y="0"/>
+          <a:chExt cx="0" cy="0"/>
+        </a:xfrm>
+      </p:grpSpPr>
+      <p:sp>
+        <p:nvSpPr>
+          <p:cNvPr id="49" name="矩形 48">
+            <a:extLst>
+              <a:ext uri="{FF2B5EF4-FFF2-40B4-BE49-F238E27FC236}">
+                <a16:creationId xmlns:a16="http://schemas.microsoft.com/office/drawing/2014/main" id="{3C53C1EB-A404-5ECD-FF86-617F646700DF}"/>
+              </a:ext>
+            </a:extLst>
+          </p:cNvPr>
+          <p:cNvSpPr/>
+          <p:nvPr/>
+        </p:nvSpPr>
+        <p:spPr>
+          <a:xfrm>
+            <a:off x="9221737" y="4675766"/>
+            <a:ext cx="2197467" cy="1968961"/>
+          </a:xfrm>
+          <a:prstGeom prst="rect">
+            <a:avLst/>
+          </a:prstGeom>
+          <a:solidFill>
+            <a:schemeClr val="bg1"/>
+          </a:solidFill>
+          <a:ln w="28575">
+            <a:solidFill>
+              <a:srgbClr val="FF0000"/>
+            </a:solidFill>
+          </a:ln>
+        </p:spPr>
+        <p:style>
+          <a:lnRef idx="2">
+            <a:schemeClr val="accent1">
+              <a:shade val="15000"/>
+            </a:schemeClr>
+          </a:lnRef>
+          <a:fillRef idx="1">
+            <a:schemeClr val="accent1"/>
+          </a:fillRef>
+          <a:effectRef idx="0">
+            <a:schemeClr val="accent1"/>
+          </a:effectRef>
+          <a:fontRef idx="minor">
+            <a:schemeClr val="lt1"/>
+          </a:fontRef>
+        </p:style>
+        <p:txBody>
+          <a:bodyPr rtlCol="0" anchor="ctr"/>
+          <a:lstStyle/>
+          <a:p>
+            <a:pPr algn="ctr"/>
+            <a:endParaRPr lang="zh-CN" altLang="en-US"/>
+          </a:p>
+        </p:txBody>
+      </p:sp>
+      <p:sp>
+        <p:nvSpPr>
+          <p:cNvPr id="44" name="矩形 43">
+            <a:extLst>
+              <a:ext uri="{FF2B5EF4-FFF2-40B4-BE49-F238E27FC236}">
+                <a16:creationId xmlns:a16="http://schemas.microsoft.com/office/drawing/2014/main" id="{BFBE5702-65C6-A50B-2AF9-FC49B08F5FF2}"/>
+              </a:ext>
+            </a:extLst>
+          </p:cNvPr>
+          <p:cNvSpPr/>
+          <p:nvPr/>
+        </p:nvSpPr>
+        <p:spPr>
+          <a:xfrm>
+            <a:off x="2332401" y="4574927"/>
+            <a:ext cx="2904946" cy="1968961"/>
+          </a:xfrm>
+          <a:prstGeom prst="rect">
+            <a:avLst/>
+          </a:prstGeom>
+          <a:solidFill>
+            <a:schemeClr val="bg1"/>
+          </a:solidFill>
+          <a:ln w="28575">
+            <a:solidFill>
+              <a:srgbClr val="FF0000"/>
+            </a:solidFill>
+          </a:ln>
+        </p:spPr>
+        <p:style>
+          <a:lnRef idx="2">
+            <a:schemeClr val="accent1">
+              <a:shade val="15000"/>
+            </a:schemeClr>
+          </a:lnRef>
+          <a:fillRef idx="1">
+            <a:schemeClr val="accent1"/>
+          </a:fillRef>
+          <a:effectRef idx="0">
+            <a:schemeClr val="accent1"/>
+          </a:effectRef>
+          <a:fontRef idx="minor">
+            <a:schemeClr val="lt1"/>
+          </a:fontRef>
+        </p:style>
+        <p:txBody>
+          <a:bodyPr rtlCol="0" anchor="ctr"/>
+          <a:lstStyle/>
+          <a:p>
+            <a:pPr algn="ctr"/>
+            <a:endParaRPr lang="zh-CN" altLang="en-US"/>
+          </a:p>
+        </p:txBody>
+      </p:sp>
+      <p:sp>
+        <p:nvSpPr>
+          <p:cNvPr id="43" name="矩形 42">
+            <a:extLst>
+              <a:ext uri="{FF2B5EF4-FFF2-40B4-BE49-F238E27FC236}">
+                <a16:creationId xmlns:a16="http://schemas.microsoft.com/office/drawing/2014/main" id="{E0082EA7-CBE3-B58D-2300-FCE00B0ADA83}"/>
+              </a:ext>
+            </a:extLst>
+          </p:cNvPr>
+          <p:cNvSpPr/>
+          <p:nvPr/>
+        </p:nvSpPr>
+        <p:spPr>
+          <a:xfrm>
+            <a:off x="2687830" y="62145"/>
+            <a:ext cx="9110594" cy="2039531"/>
+          </a:xfrm>
+          <a:prstGeom prst="rect">
+            <a:avLst/>
+          </a:prstGeom>
+          <a:solidFill>
+            <a:schemeClr val="bg1"/>
+          </a:solidFill>
+          <a:ln w="28575">
+            <a:solidFill>
+              <a:srgbClr val="FF0000"/>
+            </a:solidFill>
+          </a:ln>
+        </p:spPr>
+        <p:style>
+          <a:lnRef idx="2">
+            <a:schemeClr val="accent1">
+              <a:shade val="15000"/>
+            </a:schemeClr>
+          </a:lnRef>
+          <a:fillRef idx="1">
+            <a:schemeClr val="accent1"/>
+          </a:fillRef>
+          <a:effectRef idx="0">
+            <a:schemeClr val="accent1"/>
+          </a:effectRef>
+          <a:fontRef idx="minor">
+            <a:schemeClr val="lt1"/>
+          </a:fontRef>
+        </p:style>
+        <p:txBody>
+          <a:bodyPr rtlCol="0" anchor="ctr"/>
+          <a:lstStyle/>
+          <a:p>
+            <a:pPr algn="ctr"/>
+            <a:endParaRPr lang="zh-CN" altLang="en-US"/>
+          </a:p>
+        </p:txBody>
+      </p:sp>
+      <p:sp>
+        <p:nvSpPr>
+          <p:cNvPr id="34" name="Text Box 33"/>
+          <p:cNvSpPr txBox="1"/>
+          <p:nvPr/>
+        </p:nvSpPr>
+        <p:spPr>
+          <a:xfrm>
+            <a:off x="109220" y="55245"/>
+            <a:ext cx="2015490" cy="460375"/>
+          </a:xfrm>
+          <a:prstGeom prst="rect">
+            <a:avLst/>
+          </a:prstGeom>
+          <a:noFill/>
+        </p:spPr>
+        <p:txBody>
+          <a:bodyPr wrap="square" rtlCol="0">
+            <a:spAutoFit/>
+          </a:bodyPr>
+          <a:lstStyle/>
+          <a:p>
+            <a:r>
+              <a:rPr lang="zh-CN" altLang="en-US" sz="2400"/>
+              <a:t>人机交互部分</a:t>
+            </a:r>
+          </a:p>
+        </p:txBody>
+      </p:sp>
+      <p:grpSp>
+        <p:nvGrpSpPr>
+          <p:cNvPr id="2" name="组合 1">
+            <a:extLst>
+              <a:ext uri="{FF2B5EF4-FFF2-40B4-BE49-F238E27FC236}">
+                <a16:creationId xmlns:a16="http://schemas.microsoft.com/office/drawing/2014/main" id="{C2BD57A8-BC28-3F3A-48E2-02DCCB802D0F}"/>
+              </a:ext>
+            </a:extLst>
+          </p:cNvPr>
+          <p:cNvGrpSpPr/>
+          <p:nvPr/>
+        </p:nvGrpSpPr>
+        <p:grpSpPr>
+          <a:xfrm>
+            <a:off x="3282735" y="2746621"/>
+            <a:ext cx="8054050" cy="3619685"/>
+            <a:chOff x="841375" y="819150"/>
+            <a:chExt cx="10853420" cy="5675630"/>
+          </a:xfrm>
+        </p:grpSpPr>
+        <p:sp>
+          <p:nvSpPr>
+            <p:cNvPr id="4" name="Rectangles 3"/>
+            <p:cNvSpPr/>
+            <p:nvPr/>
+          </p:nvSpPr>
+          <p:spPr>
+            <a:xfrm>
+              <a:off x="841375" y="819150"/>
+              <a:ext cx="1430020" cy="2349500"/>
+            </a:xfrm>
+            <a:prstGeom prst="rect">
+              <a:avLst/>
+            </a:prstGeom>
+          </p:spPr>
+          <p:style>
+            <a:lnRef idx="2">
+              <a:schemeClr val="accent1">
+                <a:lumMod val="75000"/>
+              </a:schemeClr>
+            </a:lnRef>
+            <a:fillRef idx="1">
+              <a:schemeClr val="accent1"/>
+            </a:fillRef>
+            <a:effectRef idx="0">
+              <a:srgbClr val="FFFFFF"/>
+            </a:effectRef>
+            <a:fontRef idx="minor">
+              <a:schemeClr val="lt1"/>
+            </a:fontRef>
+          </p:style>
+          <p:txBody>
+            <a:bodyPr rtlCol="0" anchor="ctr"/>
+            <a:lstStyle/>
+            <a:p>
+              <a:pPr algn="ctr"/>
+              <a:r>
+                <a:rPr lang="zh-CN" sz="1100"/>
+                <a:t>楼</a:t>
+              </a:r>
+            </a:p>
+            <a:p>
+              <a:pPr algn="ctr"/>
+              <a:r>
+                <a:rPr lang="en-US" altLang="zh-CN" sz="1100"/>
+                <a:t>——————</a:t>
+              </a:r>
+            </a:p>
+            <a:p>
+              <a:pPr algn="ctr"/>
+              <a:r>
+                <a:rPr lang="zh-CN" altLang="en-US" sz="1100"/>
+                <a:t>楼号</a:t>
+              </a:r>
+            </a:p>
+            <a:p>
+              <a:pPr algn="ctr"/>
+              <a:r>
+                <a:rPr lang="zh-CN" altLang="en-US" sz="1100"/>
+                <a:t>楼名称</a:t>
+              </a:r>
+            </a:p>
+            <a:p>
+              <a:pPr algn="ctr"/>
+              <a:r>
+                <a:rPr lang="en-US" altLang="zh-CN" sz="1100"/>
+                <a:t>——————</a:t>
+              </a:r>
+            </a:p>
+            <a:p>
+              <a:pPr algn="ctr"/>
+              <a:r>
+                <a:rPr lang="zh-CN" altLang="en-US" sz="1100"/>
+                <a:t>进入楼</a:t>
+              </a:r>
+            </a:p>
+            <a:p>
+              <a:pPr algn="ctr"/>
+              <a:r>
+                <a:rPr lang="zh-CN" altLang="en-US" sz="1100"/>
+                <a:t>离开楼</a:t>
+              </a:r>
+            </a:p>
+          </p:txBody>
+        </p:sp>
+        <p:sp>
+          <p:nvSpPr>
+            <p:cNvPr id="5" name="Rectangles 4"/>
+            <p:cNvSpPr/>
+            <p:nvPr/>
+          </p:nvSpPr>
+          <p:spPr>
+            <a:xfrm>
+              <a:off x="3835400" y="819150"/>
+              <a:ext cx="1430020" cy="2349500"/>
+            </a:xfrm>
+            <a:prstGeom prst="rect">
+              <a:avLst/>
+            </a:prstGeom>
+          </p:spPr>
+          <p:style>
+            <a:lnRef idx="2">
+              <a:schemeClr val="accent1">
+                <a:lumMod val="75000"/>
+              </a:schemeClr>
+            </a:lnRef>
+            <a:fillRef idx="1">
+              <a:schemeClr val="accent1"/>
+            </a:fillRef>
+            <a:effectRef idx="0">
+              <a:srgbClr val="FFFFFF"/>
+            </a:effectRef>
+            <a:fontRef idx="minor">
+              <a:schemeClr val="lt1"/>
+            </a:fontRef>
+          </p:style>
+          <p:txBody>
+            <a:bodyPr rtlCol="0" anchor="ctr"/>
+            <a:lstStyle/>
+            <a:p>
+              <a:pPr algn="ctr"/>
+              <a:r>
+                <a:rPr lang="zh-CN" sz="1100"/>
+                <a:t>教室</a:t>
+              </a:r>
+            </a:p>
+            <a:p>
+              <a:pPr algn="ctr"/>
+              <a:r>
+                <a:rPr lang="en-US" altLang="zh-CN" sz="1100"/>
+                <a:t>——————</a:t>
+              </a:r>
+            </a:p>
+            <a:p>
+              <a:pPr algn="ctr"/>
+              <a:r>
+                <a:rPr lang="zh-CN" altLang="en-US" sz="1100"/>
+                <a:t>教室号</a:t>
+              </a:r>
+            </a:p>
+            <a:p>
+              <a:pPr algn="ctr"/>
+              <a:r>
+                <a:rPr lang="zh-CN" altLang="en-US" sz="1100">
+                  <a:sym typeface="+mn-ea"/>
+                </a:rPr>
+                <a:t>教室</a:t>
+              </a:r>
+              <a:r>
+                <a:rPr lang="zh-CN" altLang="en-US" sz="1100"/>
+                <a:t>名称</a:t>
+              </a:r>
+            </a:p>
+            <a:p>
+              <a:pPr algn="ctr"/>
+              <a:r>
+                <a:rPr lang="en-US" altLang="zh-CN" sz="1100"/>
+                <a:t>——————</a:t>
+              </a:r>
+            </a:p>
+            <a:p>
+              <a:pPr algn="ctr"/>
+              <a:r>
+                <a:rPr lang="zh-CN" altLang="en-US" sz="1100"/>
+                <a:t>进入</a:t>
+              </a:r>
+              <a:r>
+                <a:rPr lang="zh-CN" altLang="en-US" sz="1100">
+                  <a:sym typeface="+mn-ea"/>
+                </a:rPr>
+                <a:t>教室</a:t>
+              </a:r>
+              <a:endParaRPr lang="zh-CN" altLang="en-US" sz="1100"/>
+            </a:p>
+            <a:p>
+              <a:pPr algn="ctr"/>
+              <a:r>
+                <a:rPr lang="zh-CN" altLang="en-US" sz="1100"/>
+                <a:t>离开</a:t>
+              </a:r>
+              <a:r>
+                <a:rPr lang="zh-CN" altLang="en-US" sz="1100">
+                  <a:sym typeface="+mn-ea"/>
+                </a:rPr>
+                <a:t>教室</a:t>
+              </a:r>
+            </a:p>
+            <a:p>
+              <a:pPr algn="ctr"/>
+              <a:r>
+                <a:rPr lang="zh-CN" altLang="en-US" sz="1100"/>
+                <a:t>进入讨论板</a:t>
+              </a:r>
+            </a:p>
+          </p:txBody>
+        </p:sp>
+        <p:sp>
+          <p:nvSpPr>
+            <p:cNvPr id="6" name="Rectangles 5"/>
+            <p:cNvSpPr/>
+            <p:nvPr/>
+          </p:nvSpPr>
+          <p:spPr>
+            <a:xfrm>
+              <a:off x="6829425" y="819150"/>
+              <a:ext cx="1430020" cy="2349500"/>
+            </a:xfrm>
+            <a:prstGeom prst="rect">
+              <a:avLst/>
+            </a:prstGeom>
+          </p:spPr>
+          <p:style>
+            <a:lnRef idx="2">
+              <a:schemeClr val="accent1">
+                <a:lumMod val="75000"/>
+              </a:schemeClr>
+            </a:lnRef>
+            <a:fillRef idx="1">
+              <a:schemeClr val="accent1"/>
+            </a:fillRef>
+            <a:effectRef idx="0">
+              <a:srgbClr val="FFFFFF"/>
+            </a:effectRef>
+            <a:fontRef idx="minor">
+              <a:schemeClr val="lt1"/>
+            </a:fontRef>
+          </p:style>
+          <p:txBody>
+            <a:bodyPr rtlCol="0" anchor="ctr"/>
+            <a:lstStyle/>
+            <a:p>
+              <a:pPr algn="ctr"/>
+              <a:r>
+                <a:rPr lang="zh-CN" sz="1100"/>
+                <a:t>座位</a:t>
+              </a:r>
+            </a:p>
+            <a:p>
+              <a:pPr algn="ctr"/>
+              <a:r>
+                <a:rPr lang="en-US" altLang="zh-CN" sz="1100"/>
+                <a:t>——————</a:t>
+              </a:r>
+            </a:p>
+            <a:p>
+              <a:pPr algn="ctr"/>
+              <a:r>
+                <a:rPr lang="zh-CN" altLang="en-US" sz="1100"/>
+                <a:t>座位号</a:t>
+              </a:r>
+            </a:p>
+            <a:p>
+              <a:pPr algn="ctr"/>
+              <a:endParaRPr lang="zh-CN" altLang="en-US" sz="1100"/>
+            </a:p>
+            <a:p>
+              <a:pPr algn="ctr"/>
+              <a:r>
+                <a:rPr lang="en-US" altLang="zh-CN" sz="1100"/>
+                <a:t>——————</a:t>
+              </a:r>
+            </a:p>
+            <a:p>
+              <a:pPr algn="ctr"/>
+              <a:r>
+                <a:rPr lang="zh-CN" altLang="en-US" sz="1100"/>
+                <a:t>座位入座</a:t>
+              </a:r>
+            </a:p>
+            <a:p>
+              <a:pPr algn="ctr"/>
+              <a:r>
+                <a:rPr lang="zh-CN" altLang="en-US" sz="1100"/>
+                <a:t>离开</a:t>
+              </a:r>
+              <a:r>
+                <a:rPr lang="zh-CN" altLang="en-US" sz="1100">
+                  <a:sym typeface="+mn-ea"/>
+                </a:rPr>
+                <a:t>座位</a:t>
+              </a:r>
+              <a:endParaRPr lang="zh-CN" altLang="en-US" sz="1100"/>
+            </a:p>
+          </p:txBody>
+        </p:sp>
+        <p:sp>
+          <p:nvSpPr>
+            <p:cNvPr id="7" name="Rectangles 6"/>
+            <p:cNvSpPr/>
+            <p:nvPr/>
+          </p:nvSpPr>
+          <p:spPr>
+            <a:xfrm>
+              <a:off x="9596120" y="819150"/>
+              <a:ext cx="2098675" cy="2540000"/>
+            </a:xfrm>
+            <a:prstGeom prst="rect">
+              <a:avLst/>
+            </a:prstGeom>
+          </p:spPr>
+          <p:style>
+            <a:lnRef idx="2">
+              <a:schemeClr val="accent1">
+                <a:lumMod val="75000"/>
+              </a:schemeClr>
+            </a:lnRef>
+            <a:fillRef idx="1">
+              <a:schemeClr val="accent1"/>
+            </a:fillRef>
+            <a:effectRef idx="0">
+              <a:srgbClr val="FFFFFF"/>
+            </a:effectRef>
+            <a:fontRef idx="minor">
+              <a:schemeClr val="lt1"/>
+            </a:fontRef>
+          </p:style>
+          <p:txBody>
+            <a:bodyPr rtlCol="0" anchor="ctr"/>
+            <a:lstStyle/>
+            <a:p>
+              <a:pPr algn="ctr"/>
+              <a:r>
+                <a:rPr lang="zh-CN" sz="1100"/>
+                <a:t>学习计划</a:t>
+              </a:r>
+            </a:p>
+            <a:p>
+              <a:pPr algn="ctr"/>
+              <a:r>
+                <a:rPr lang="en-US" altLang="zh-CN" sz="1100"/>
+                <a:t>————————</a:t>
+              </a:r>
+            </a:p>
+            <a:p>
+              <a:pPr algn="ctr"/>
+              <a:r>
+                <a:rPr lang="zh-CN" altLang="en-US" sz="1100"/>
+                <a:t>自习时间</a:t>
+              </a:r>
+            </a:p>
+            <a:p>
+              <a:pPr algn="ctr"/>
+              <a:r>
+                <a:rPr lang="zh-CN" altLang="en-US" sz="1100"/>
+                <a:t>休息时间</a:t>
+              </a:r>
+            </a:p>
+            <a:p>
+              <a:pPr algn="ctr"/>
+              <a:r>
+                <a:rPr lang="zh-CN" altLang="en-US" sz="1100"/>
+                <a:t>周期数</a:t>
+              </a:r>
+            </a:p>
+            <a:p>
+              <a:pPr algn="ctr"/>
+              <a:r>
+                <a:rPr lang="en-US" altLang="zh-CN" sz="1100"/>
+                <a:t>—————————</a:t>
+              </a:r>
+            </a:p>
+            <a:p>
+              <a:pPr algn="ctr"/>
+              <a:r>
+                <a:rPr lang="zh-CN" altLang="en-US" sz="1100"/>
+                <a:t>设置计划信息</a:t>
+              </a:r>
+            </a:p>
+            <a:p>
+              <a:pPr algn="ctr"/>
+              <a:r>
+                <a:rPr lang="zh-CN" altLang="en-US" sz="1100"/>
+                <a:t>开始自习</a:t>
+              </a:r>
+            </a:p>
+            <a:p>
+              <a:pPr algn="ctr"/>
+              <a:r>
+                <a:rPr lang="zh-CN" altLang="en-US" sz="1100"/>
+                <a:t>结束自习</a:t>
+              </a:r>
+            </a:p>
+          </p:txBody>
+        </p:sp>
+        <p:sp>
+          <p:nvSpPr>
+            <p:cNvPr id="8" name="Rectangles 7"/>
+            <p:cNvSpPr/>
+            <p:nvPr/>
+          </p:nvSpPr>
+          <p:spPr>
+            <a:xfrm>
+              <a:off x="3835400" y="4135120"/>
+              <a:ext cx="1430020" cy="2359660"/>
+            </a:xfrm>
+            <a:prstGeom prst="rect">
+              <a:avLst/>
+            </a:prstGeom>
+          </p:spPr>
+          <p:style>
+            <a:lnRef idx="2">
+              <a:schemeClr val="accent1">
+                <a:lumMod val="75000"/>
+              </a:schemeClr>
+            </a:lnRef>
+            <a:fillRef idx="1">
+              <a:schemeClr val="accent1"/>
+            </a:fillRef>
+            <a:effectRef idx="0">
+              <a:srgbClr val="FFFFFF"/>
+            </a:effectRef>
+            <a:fontRef idx="minor">
+              <a:schemeClr val="lt1"/>
+            </a:fontRef>
+          </p:style>
+          <p:txBody>
+            <a:bodyPr rtlCol="0" anchor="ctr"/>
+            <a:lstStyle/>
+            <a:p>
+              <a:pPr algn="ctr"/>
+              <a:r>
+                <a:rPr lang="zh-CN" sz="1100"/>
+                <a:t>讨论板</a:t>
+              </a:r>
+            </a:p>
+            <a:p>
+              <a:pPr algn="ctr"/>
+              <a:r>
+                <a:rPr lang="en-US" altLang="zh-CN" sz="1100"/>
+                <a:t>——————</a:t>
+              </a:r>
+            </a:p>
+            <a:p>
+              <a:pPr algn="ctr"/>
+              <a:r>
+                <a:rPr lang="zh-CN" altLang="en-US" sz="1100"/>
+                <a:t>讨论板号</a:t>
+              </a:r>
+            </a:p>
+            <a:p>
+              <a:pPr algn="ctr"/>
+              <a:r>
+                <a:rPr lang="en-US" altLang="zh-CN" sz="1100"/>
+                <a:t>——————</a:t>
+              </a:r>
+            </a:p>
+            <a:p>
+              <a:pPr algn="ctr"/>
+              <a:r>
+                <a:rPr lang="zh-CN" altLang="en-US" sz="1100"/>
+                <a:t>搜索问题</a:t>
+              </a:r>
+            </a:p>
+            <a:p>
+              <a:pPr algn="ctr"/>
+              <a:r>
+                <a:rPr lang="zh-CN" altLang="en-US" sz="1100"/>
+                <a:t>查看问题</a:t>
+              </a:r>
+            </a:p>
+            <a:p>
+              <a:pPr algn="ctr"/>
+              <a:r>
+                <a:rPr lang="zh-CN" altLang="en-US" sz="1100"/>
+                <a:t>发布问题</a:t>
+              </a:r>
+            </a:p>
+            <a:p>
+              <a:pPr algn="ctr"/>
+              <a:r>
+                <a:rPr lang="zh-CN" altLang="en-US" sz="1100"/>
+                <a:t>回答问题</a:t>
+              </a:r>
+            </a:p>
+          </p:txBody>
+        </p:sp>
+        <p:grpSp>
+          <p:nvGrpSpPr>
+            <p:cNvPr id="12" name="Group 11"/>
+            <p:cNvGrpSpPr/>
+            <p:nvPr/>
+          </p:nvGrpSpPr>
+          <p:grpSpPr>
+            <a:xfrm>
+              <a:off x="2271395" y="1809115"/>
+              <a:ext cx="1579245" cy="120015"/>
+              <a:chOff x="13194" y="7713"/>
+              <a:chExt cx="2487" cy="189"/>
+            </a:xfrm>
+          </p:grpSpPr>
+          <p:cxnSp>
+            <p:nvCxnSpPr>
+              <p:cNvPr id="9" name="Straight Connector 8"/>
+              <p:cNvCxnSpPr/>
+              <p:nvPr/>
+            </p:nvCxnSpPr>
+            <p:spPr>
+              <a:xfrm flipV="1">
+                <a:off x="13464" y="7807"/>
+                <a:ext cx="2217" cy="1"/>
+              </a:xfrm>
+              <a:prstGeom prst="line">
+                <a:avLst/>
+              </a:prstGeom>
+            </p:spPr>
+            <p:style>
+              <a:lnRef idx="2">
+                <a:schemeClr val="accent1"/>
+              </a:lnRef>
+              <a:fillRef idx="0">
+                <a:srgbClr val="FFFFFF"/>
+              </a:fillRef>
+              <a:effectRef idx="0">
+                <a:srgbClr val="FFFFFF"/>
+              </a:effectRef>
+              <a:fontRef idx="minor">
+                <a:schemeClr val="tx1"/>
+              </a:fontRef>
+            </p:style>
+          </p:cxnSp>
+          <p:sp>
+            <p:nvSpPr>
+              <p:cNvPr id="11" name="Parallelogram 10"/>
+              <p:cNvSpPr/>
+              <p:nvPr/>
+            </p:nvSpPr>
+            <p:spPr>
+              <a:xfrm rot="2280000">
+                <a:off x="13194" y="7713"/>
+                <a:ext cx="237" cy="189"/>
+              </a:xfrm>
+              <a:prstGeom prst="parallelogram">
+                <a:avLst/>
+              </a:prstGeom>
+              <a:solidFill>
+                <a:schemeClr val="bg1"/>
+              </a:solidFill>
+            </p:spPr>
+            <p:style>
+              <a:lnRef idx="2">
+                <a:schemeClr val="accent1">
+                  <a:lumMod val="75000"/>
+                </a:schemeClr>
+              </a:lnRef>
+              <a:fillRef idx="1">
+                <a:schemeClr val="accent1"/>
+              </a:fillRef>
+              <a:effectRef idx="0">
+                <a:srgbClr val="FFFFFF"/>
+              </a:effectRef>
+              <a:fontRef idx="minor">
+                <a:schemeClr val="lt1"/>
+              </a:fontRef>
+            </p:style>
+            <p:txBody>
+              <a:bodyPr rtlCol="0" anchor="ctr"/>
+              <a:lstStyle/>
+              <a:p>
+                <a:pPr algn="ctr"/>
+                <a:endParaRPr lang="en-US"/>
+              </a:p>
+            </p:txBody>
+          </p:sp>
+        </p:grpSp>
+        <p:grpSp>
+          <p:nvGrpSpPr>
+            <p:cNvPr id="13" name="Group 12"/>
+            <p:cNvGrpSpPr/>
+            <p:nvPr/>
+          </p:nvGrpSpPr>
+          <p:grpSpPr>
+            <a:xfrm>
+              <a:off x="5265420" y="1809750"/>
+              <a:ext cx="1584325" cy="120015"/>
+              <a:chOff x="13194" y="7713"/>
+              <a:chExt cx="2495" cy="189"/>
+            </a:xfrm>
+          </p:grpSpPr>
+          <p:cxnSp>
+            <p:nvCxnSpPr>
+              <p:cNvPr id="14" name="Straight Connector 13"/>
+              <p:cNvCxnSpPr/>
+              <p:nvPr/>
+            </p:nvCxnSpPr>
+            <p:spPr>
+              <a:xfrm>
+                <a:off x="13464" y="7808"/>
+                <a:ext cx="2225" cy="14"/>
+              </a:xfrm>
+              <a:prstGeom prst="line">
+                <a:avLst/>
+              </a:prstGeom>
+            </p:spPr>
+            <p:style>
+              <a:lnRef idx="2">
+                <a:schemeClr val="accent1"/>
+              </a:lnRef>
+              <a:fillRef idx="0">
+                <a:srgbClr val="FFFFFF"/>
+              </a:fillRef>
+              <a:effectRef idx="0">
+                <a:srgbClr val="FFFFFF"/>
+              </a:effectRef>
+              <a:fontRef idx="minor">
+                <a:schemeClr val="tx1"/>
+              </a:fontRef>
+            </p:style>
+          </p:cxnSp>
+          <p:sp>
+            <p:nvSpPr>
+              <p:cNvPr id="15" name="Parallelogram 14"/>
+              <p:cNvSpPr/>
+              <p:nvPr/>
+            </p:nvSpPr>
+            <p:spPr>
+              <a:xfrm rot="2280000">
+                <a:off x="13194" y="7713"/>
+                <a:ext cx="237" cy="189"/>
+              </a:xfrm>
+              <a:prstGeom prst="parallelogram">
+                <a:avLst/>
+              </a:prstGeom>
+              <a:solidFill>
+                <a:schemeClr val="bg1"/>
+              </a:solidFill>
+            </p:spPr>
+            <p:style>
+              <a:lnRef idx="2">
+                <a:schemeClr val="accent1">
+                  <a:lumMod val="75000"/>
+                </a:schemeClr>
+              </a:lnRef>
+              <a:fillRef idx="1">
+                <a:schemeClr val="accent1"/>
+              </a:fillRef>
+              <a:effectRef idx="0">
+                <a:srgbClr val="FFFFFF"/>
+              </a:effectRef>
+              <a:fontRef idx="minor">
+                <a:schemeClr val="lt1"/>
+              </a:fontRef>
+            </p:style>
+            <p:txBody>
+              <a:bodyPr rtlCol="0" anchor="ctr"/>
+              <a:lstStyle/>
+              <a:p>
+                <a:pPr algn="ctr"/>
+                <a:endParaRPr lang="en-US"/>
+              </a:p>
+            </p:txBody>
+          </p:sp>
+        </p:grpSp>
+        <p:grpSp>
+          <p:nvGrpSpPr>
+            <p:cNvPr id="16" name="Group 15"/>
+            <p:cNvGrpSpPr/>
+            <p:nvPr/>
+          </p:nvGrpSpPr>
+          <p:grpSpPr>
+            <a:xfrm>
+              <a:off x="8273415" y="1776095"/>
+              <a:ext cx="1309370" cy="120015"/>
+              <a:chOff x="13194" y="7713"/>
+              <a:chExt cx="2062" cy="189"/>
+            </a:xfrm>
+          </p:grpSpPr>
+          <p:cxnSp>
+            <p:nvCxnSpPr>
+              <p:cNvPr id="17" name="Straight Connector 16"/>
+              <p:cNvCxnSpPr/>
+              <p:nvPr/>
+            </p:nvCxnSpPr>
+            <p:spPr>
+              <a:xfrm>
+                <a:off x="13464" y="7808"/>
+                <a:ext cx="1792" cy="14"/>
+              </a:xfrm>
+              <a:prstGeom prst="line">
+                <a:avLst/>
+              </a:prstGeom>
+            </p:spPr>
+            <p:style>
+              <a:lnRef idx="2">
+                <a:schemeClr val="accent1"/>
+              </a:lnRef>
+              <a:fillRef idx="0">
+                <a:srgbClr val="FFFFFF"/>
+              </a:fillRef>
+              <a:effectRef idx="0">
+                <a:srgbClr val="FFFFFF"/>
+              </a:effectRef>
+              <a:fontRef idx="minor">
+                <a:schemeClr val="tx1"/>
+              </a:fontRef>
+            </p:style>
+          </p:cxnSp>
+          <p:sp>
+            <p:nvSpPr>
+              <p:cNvPr id="18" name="Parallelogram 17"/>
+              <p:cNvSpPr/>
+              <p:nvPr/>
+            </p:nvSpPr>
+            <p:spPr>
+              <a:xfrm rot="2280000">
+                <a:off x="13194" y="7713"/>
+                <a:ext cx="237" cy="189"/>
+              </a:xfrm>
+              <a:prstGeom prst="parallelogram">
+                <a:avLst/>
+              </a:prstGeom>
+              <a:solidFill>
+                <a:schemeClr val="bg1"/>
+              </a:solidFill>
+            </p:spPr>
+            <p:style>
+              <a:lnRef idx="2">
+                <a:schemeClr val="accent1">
+                  <a:lumMod val="75000"/>
+                </a:schemeClr>
+              </a:lnRef>
+              <a:fillRef idx="1">
+                <a:schemeClr val="accent1"/>
+              </a:fillRef>
+              <a:effectRef idx="0">
+                <a:srgbClr val="FFFFFF"/>
+              </a:effectRef>
+              <a:fontRef idx="minor">
+                <a:schemeClr val="lt1"/>
+              </a:fontRef>
+            </p:style>
+            <p:txBody>
+              <a:bodyPr rtlCol="0" anchor="ctr"/>
+              <a:lstStyle/>
+              <a:p>
+                <a:pPr algn="ctr"/>
+                <a:endParaRPr lang="en-US"/>
+              </a:p>
+            </p:txBody>
+          </p:sp>
+        </p:grpSp>
+        <p:sp>
+          <p:nvSpPr>
+            <p:cNvPr id="22" name="Rectangles 21"/>
+            <p:cNvSpPr/>
+            <p:nvPr/>
+          </p:nvSpPr>
+          <p:spPr>
+            <a:xfrm>
+              <a:off x="6849745" y="4135120"/>
+              <a:ext cx="1430020" cy="2349500"/>
+            </a:xfrm>
+            <a:prstGeom prst="rect">
+              <a:avLst/>
+            </a:prstGeom>
+          </p:spPr>
+          <p:style>
+            <a:lnRef idx="2">
+              <a:schemeClr val="accent1">
+                <a:lumMod val="75000"/>
+              </a:schemeClr>
+            </a:lnRef>
+            <a:fillRef idx="1">
+              <a:schemeClr val="accent1"/>
+            </a:fillRef>
+            <a:effectRef idx="0">
+              <a:srgbClr val="FFFFFF"/>
+            </a:effectRef>
+            <a:fontRef idx="minor">
+              <a:schemeClr val="lt1"/>
+            </a:fontRef>
+          </p:style>
+          <p:txBody>
+            <a:bodyPr rtlCol="0" anchor="ctr"/>
+            <a:lstStyle/>
+            <a:p>
+              <a:pPr algn="ctr"/>
+              <a:r>
+                <a:rPr lang="zh-CN" sz="1100"/>
+                <a:t>用户</a:t>
+              </a:r>
+            </a:p>
+            <a:p>
+              <a:pPr algn="ctr"/>
+              <a:r>
+                <a:rPr lang="en-US" altLang="zh-CN" sz="1100"/>
+                <a:t>——————</a:t>
+              </a:r>
+            </a:p>
+            <a:p>
+              <a:pPr algn="ctr"/>
+              <a:r>
+                <a:rPr lang="zh-CN" altLang="en-US" sz="1100"/>
+                <a:t>用户号</a:t>
+              </a:r>
+            </a:p>
+            <a:p>
+              <a:pPr algn="ctr"/>
+              <a:r>
+                <a:rPr lang="zh-CN" altLang="en-US" sz="1100"/>
+                <a:t>用户名称</a:t>
+              </a:r>
+            </a:p>
+            <a:p>
+              <a:pPr algn="ctr"/>
+              <a:r>
+                <a:rPr lang="en-US" altLang="zh-CN" sz="1100"/>
+                <a:t>——————</a:t>
+              </a:r>
+            </a:p>
+            <a:p>
+              <a:pPr algn="ctr"/>
+              <a:r>
+                <a:rPr lang="zh-CN" altLang="en-US" sz="1100"/>
+                <a:t>退出登录</a:t>
+              </a:r>
+            </a:p>
+          </p:txBody>
+        </p:sp>
+        <p:cxnSp>
+          <p:nvCxnSpPr>
+            <p:cNvPr id="23" name="Straight Arrow Connector 22"/>
+            <p:cNvCxnSpPr/>
+            <p:nvPr/>
+          </p:nvCxnSpPr>
+          <p:spPr>
+            <a:xfrm flipH="1" flipV="1">
+              <a:off x="2281555" y="2998470"/>
+              <a:ext cx="4538345" cy="1249680"/>
+            </a:xfrm>
+            <a:prstGeom prst="straightConnector1">
+              <a:avLst/>
+            </a:prstGeom>
+            <a:ln w="6350" cap="flat" cmpd="sng" algn="ctr">
+              <a:solidFill>
+                <a:schemeClr val="accent1"/>
+              </a:solidFill>
+              <a:prstDash val="dash"/>
+              <a:miter lim="800000"/>
+              <a:tailEnd type="arrow" w="med" len="med"/>
+            </a:ln>
+          </p:spPr>
+          <p:style>
+            <a:lnRef idx="0">
+              <a:schemeClr val="accent1"/>
+            </a:lnRef>
+            <a:fillRef idx="0">
+              <a:srgbClr val="FFFFFF"/>
+            </a:fillRef>
+            <a:effectRef idx="0">
+              <a:srgbClr val="FFFFFF"/>
+            </a:effectRef>
+            <a:fontRef idx="minor">
+              <a:schemeClr val="tx1"/>
+            </a:fontRef>
+          </p:style>
+        </p:cxnSp>
+        <p:cxnSp>
+          <p:nvCxnSpPr>
+            <p:cNvPr id="24" name="Straight Arrow Connector 23"/>
+            <p:cNvCxnSpPr/>
+            <p:nvPr/>
+          </p:nvCxnSpPr>
+          <p:spPr>
+            <a:xfrm flipH="1" flipV="1">
+              <a:off x="5270500" y="2978785"/>
+              <a:ext cx="1639570" cy="1319530"/>
+            </a:xfrm>
+            <a:prstGeom prst="straightConnector1">
+              <a:avLst/>
+            </a:prstGeom>
+            <a:ln w="6350" cap="flat" cmpd="sng" algn="ctr">
+              <a:solidFill>
+                <a:schemeClr val="accent1"/>
+              </a:solidFill>
+              <a:prstDash val="dash"/>
+              <a:miter lim="800000"/>
+              <a:tailEnd type="arrow" w="med" len="med"/>
+            </a:ln>
+          </p:spPr>
+          <p:style>
+            <a:lnRef idx="0">
+              <a:schemeClr val="accent1"/>
+            </a:lnRef>
+            <a:fillRef idx="0">
+              <a:srgbClr val="FFFFFF"/>
+            </a:fillRef>
+            <a:effectRef idx="0">
+              <a:srgbClr val="FFFFFF"/>
+            </a:effectRef>
+            <a:fontRef idx="minor">
+              <a:schemeClr val="tx1"/>
+            </a:fontRef>
+          </p:style>
+        </p:cxnSp>
+        <p:cxnSp>
+          <p:nvCxnSpPr>
+            <p:cNvPr id="25" name="Straight Arrow Connector 24"/>
+            <p:cNvCxnSpPr/>
+            <p:nvPr/>
+          </p:nvCxnSpPr>
+          <p:spPr>
+            <a:xfrm flipH="1">
+              <a:off x="5280660" y="4298315"/>
+              <a:ext cx="1609090" cy="489585"/>
+            </a:xfrm>
+            <a:prstGeom prst="straightConnector1">
+              <a:avLst/>
+            </a:prstGeom>
+            <a:ln w="6350" cap="flat" cmpd="sng" algn="ctr">
+              <a:solidFill>
+                <a:schemeClr val="accent1"/>
+              </a:solidFill>
+              <a:prstDash val="dash"/>
+              <a:miter lim="800000"/>
+              <a:tailEnd type="arrow" w="med" len="med"/>
+            </a:ln>
+          </p:spPr>
+          <p:style>
+            <a:lnRef idx="0">
+              <a:schemeClr val="accent1"/>
+            </a:lnRef>
+            <a:fillRef idx="0">
+              <a:srgbClr val="FFFFFF"/>
+            </a:fillRef>
+            <a:effectRef idx="0">
+              <a:srgbClr val="FFFFFF"/>
+            </a:effectRef>
+            <a:fontRef idx="minor">
+              <a:schemeClr val="tx1"/>
+            </a:fontRef>
+          </p:style>
+        </p:cxnSp>
+        <p:cxnSp>
+          <p:nvCxnSpPr>
+            <p:cNvPr id="26" name="Straight Arrow Connector 25"/>
+            <p:cNvCxnSpPr>
+              <a:stCxn id="22" idx="0"/>
+              <a:endCxn id="6" idx="2"/>
+            </p:cNvCxnSpPr>
+            <p:nvPr/>
+          </p:nvCxnSpPr>
+          <p:spPr>
+            <a:xfrm flipH="1" flipV="1">
+              <a:off x="7544435" y="3168650"/>
+              <a:ext cx="20320" cy="966470"/>
+            </a:xfrm>
+            <a:prstGeom prst="straightConnector1">
+              <a:avLst/>
+            </a:prstGeom>
+            <a:ln w="6350" cap="flat" cmpd="sng" algn="ctr">
+              <a:solidFill>
+                <a:schemeClr val="accent1"/>
+              </a:solidFill>
+              <a:prstDash val="dash"/>
+              <a:miter lim="800000"/>
+              <a:tailEnd type="arrow" w="med" len="med"/>
+            </a:ln>
+          </p:spPr>
+          <p:style>
+            <a:lnRef idx="0">
+              <a:schemeClr val="accent1"/>
+            </a:lnRef>
+            <a:fillRef idx="0">
+              <a:srgbClr val="FFFFFF"/>
+            </a:fillRef>
+            <a:effectRef idx="0">
+              <a:srgbClr val="FFFFFF"/>
+            </a:effectRef>
+            <a:fontRef idx="minor">
+              <a:schemeClr val="tx1"/>
+            </a:fontRef>
+          </p:style>
+        </p:cxnSp>
+        <p:cxnSp>
+          <p:nvCxnSpPr>
+            <p:cNvPr id="27" name="Straight Arrow Connector 26"/>
+            <p:cNvCxnSpPr>
+              <a:endCxn id="7" idx="2"/>
+            </p:cNvCxnSpPr>
+            <p:nvPr/>
+          </p:nvCxnSpPr>
+          <p:spPr>
+            <a:xfrm flipV="1">
+              <a:off x="7609840" y="3359150"/>
+              <a:ext cx="3035935" cy="749300"/>
+            </a:xfrm>
+            <a:prstGeom prst="straightConnector1">
+              <a:avLst/>
+            </a:prstGeom>
+            <a:ln w="6350" cap="flat" cmpd="sng" algn="ctr">
+              <a:solidFill>
+                <a:schemeClr val="accent1"/>
+              </a:solidFill>
+              <a:prstDash val="dash"/>
+              <a:miter lim="800000"/>
+              <a:tailEnd type="arrow" w="med" len="med"/>
+            </a:ln>
+          </p:spPr>
+          <p:style>
+            <a:lnRef idx="0">
+              <a:schemeClr val="accent1"/>
+            </a:lnRef>
+            <a:fillRef idx="0">
+              <a:srgbClr val="FFFFFF"/>
+            </a:fillRef>
+            <a:effectRef idx="0">
+              <a:srgbClr val="FFFFFF"/>
+            </a:effectRef>
+            <a:fontRef idx="minor">
+              <a:schemeClr val="tx1"/>
+            </a:fontRef>
+          </p:style>
+        </p:cxnSp>
+        <p:cxnSp>
+          <p:nvCxnSpPr>
+            <p:cNvPr id="28" name="Straight Arrow Connector 27"/>
+            <p:cNvCxnSpPr>
+              <a:stCxn id="5" idx="2"/>
+              <a:endCxn id="8" idx="0"/>
+            </p:cNvCxnSpPr>
+            <p:nvPr/>
+          </p:nvCxnSpPr>
+          <p:spPr>
+            <a:xfrm>
+              <a:off x="4550410" y="3168650"/>
+              <a:ext cx="0" cy="966470"/>
+            </a:xfrm>
+            <a:prstGeom prst="straightConnector1">
+              <a:avLst/>
+            </a:prstGeom>
+            <a:ln w="6350" cap="flat" cmpd="sng" algn="ctr">
+              <a:solidFill>
+                <a:schemeClr val="accent1"/>
+              </a:solidFill>
+              <a:prstDash val="dash"/>
+              <a:miter lim="800000"/>
+              <a:tailEnd type="arrow" w="med" len="med"/>
+            </a:ln>
+          </p:spPr>
+          <p:style>
+            <a:lnRef idx="0">
+              <a:schemeClr val="accent1"/>
+            </a:lnRef>
+            <a:fillRef idx="0">
+              <a:srgbClr val="FFFFFF"/>
+            </a:fillRef>
+            <a:effectRef idx="0">
+              <a:srgbClr val="FFFFFF"/>
+            </a:effectRef>
+            <a:fontRef idx="minor">
+              <a:schemeClr val="tx1"/>
+            </a:fontRef>
+          </p:style>
+        </p:cxnSp>
+      </p:grpSp>
+      <p:sp>
+        <p:nvSpPr>
+          <p:cNvPr id="3" name="Rectangles 3">
+            <a:extLst>
+              <a:ext uri="{FF2B5EF4-FFF2-40B4-BE49-F238E27FC236}">
+                <a16:creationId xmlns:a16="http://schemas.microsoft.com/office/drawing/2014/main" id="{488FB045-2879-A206-CD1C-C7771DC1A473}"/>
+              </a:ext>
+            </a:extLst>
+          </p:cNvPr>
+          <p:cNvSpPr/>
+          <p:nvPr/>
+        </p:nvSpPr>
+        <p:spPr>
+          <a:xfrm>
+            <a:off x="3325018" y="196452"/>
+            <a:ext cx="1061182" cy="1498415"/>
+          </a:xfrm>
+          <a:prstGeom prst="rect">
+            <a:avLst/>
+          </a:prstGeom>
+        </p:spPr>
+        <p:style>
+          <a:lnRef idx="2">
+            <a:schemeClr val="accent1">
+              <a:lumMod val="75000"/>
+            </a:schemeClr>
+          </a:lnRef>
+          <a:fillRef idx="1">
+            <a:schemeClr val="accent1"/>
+          </a:fillRef>
+          <a:effectRef idx="0">
+            <a:srgbClr val="FFFFFF"/>
+          </a:effectRef>
+          <a:fontRef idx="minor">
+            <a:schemeClr val="lt1"/>
+          </a:fontRef>
+        </p:style>
+        <p:txBody>
+          <a:bodyPr rtlCol="0" anchor="ctr"/>
+          <a:lstStyle/>
+          <a:p>
+            <a:pPr algn="ctr"/>
+            <a:r>
+              <a:rPr lang="zh-CN" sz="1100"/>
+              <a:t>楼</a:t>
+            </a:r>
+            <a:r>
+              <a:rPr lang="zh-CN" altLang="en-US" sz="1100"/>
+              <a:t>内部界面</a:t>
+            </a:r>
+            <a:endParaRPr lang="zh-CN" sz="1100"/>
+          </a:p>
+          <a:p>
+            <a:pPr algn="ctr"/>
+            <a:r>
+              <a:rPr lang="en-US" altLang="zh-CN" sz="1100"/>
+              <a:t>——————</a:t>
+            </a:r>
+          </a:p>
+          <a:p>
+            <a:pPr algn="ctr"/>
+            <a:r>
+              <a:rPr lang="zh-CN" altLang="en-US" sz="1100"/>
+              <a:t>楼名称</a:t>
+            </a:r>
+          </a:p>
+          <a:p>
+            <a:pPr algn="ctr"/>
+            <a:r>
+              <a:rPr lang="en-US" altLang="zh-CN" sz="1100"/>
+              <a:t>——————</a:t>
+            </a:r>
+            <a:endParaRPr lang="zh-CN" altLang="en-US" sz="1100"/>
+          </a:p>
+          <a:p>
+            <a:pPr algn="ctr"/>
+            <a:r>
+              <a:rPr lang="zh-CN" altLang="en-US" sz="1100"/>
+              <a:t>离开楼</a:t>
+            </a:r>
+          </a:p>
+        </p:txBody>
+      </p:sp>
+      <p:sp>
+        <p:nvSpPr>
+          <p:cNvPr id="10" name="Rectangles 3">
+            <a:extLst>
+              <a:ext uri="{FF2B5EF4-FFF2-40B4-BE49-F238E27FC236}">
+                <a16:creationId xmlns:a16="http://schemas.microsoft.com/office/drawing/2014/main" id="{E90B939D-96D1-BB65-2EC2-AD1F8CCC3626}"/>
+              </a:ext>
+            </a:extLst>
+          </p:cNvPr>
+          <p:cNvSpPr/>
+          <p:nvPr/>
+        </p:nvSpPr>
+        <p:spPr>
+          <a:xfrm>
+            <a:off x="5504526" y="171141"/>
+            <a:ext cx="1061182" cy="1498415"/>
+          </a:xfrm>
+          <a:prstGeom prst="rect">
+            <a:avLst/>
+          </a:prstGeom>
+        </p:spPr>
+        <p:style>
+          <a:lnRef idx="2">
+            <a:schemeClr val="accent1">
+              <a:lumMod val="75000"/>
+            </a:schemeClr>
+          </a:lnRef>
+          <a:fillRef idx="1">
+            <a:schemeClr val="accent1"/>
+          </a:fillRef>
+          <a:effectRef idx="0">
+            <a:srgbClr val="FFFFFF"/>
+          </a:effectRef>
+          <a:fontRef idx="minor">
+            <a:schemeClr val="lt1"/>
+          </a:fontRef>
+        </p:style>
+        <p:txBody>
+          <a:bodyPr rtlCol="0" anchor="ctr"/>
+          <a:lstStyle/>
+          <a:p>
+            <a:pPr algn="ctr"/>
+            <a:r>
+              <a:rPr lang="zh-CN" altLang="en-US" sz="1100"/>
+              <a:t>教室内部界面</a:t>
+            </a:r>
+            <a:endParaRPr lang="zh-CN" sz="1100"/>
+          </a:p>
+          <a:p>
+            <a:pPr algn="ctr"/>
+            <a:r>
+              <a:rPr lang="en-US" altLang="zh-CN" sz="1100"/>
+              <a:t>——————</a:t>
+            </a:r>
+            <a:endParaRPr lang="zh-CN" altLang="en-US" sz="1100"/>
+          </a:p>
+          <a:p>
+            <a:pPr algn="ctr"/>
+            <a:r>
+              <a:rPr lang="zh-CN" altLang="en-US" sz="1100"/>
+              <a:t>教室名称</a:t>
+            </a:r>
+          </a:p>
+          <a:p>
+            <a:pPr algn="ctr"/>
+            <a:r>
+              <a:rPr lang="en-US" altLang="zh-CN" sz="1100"/>
+              <a:t>——————</a:t>
+            </a:r>
+          </a:p>
+          <a:p>
+            <a:pPr algn="ctr"/>
+            <a:r>
+              <a:rPr lang="zh-CN" altLang="en-US" sz="1100"/>
+              <a:t>进入</a:t>
+            </a:r>
+            <a:r>
+              <a:rPr lang="zh-CN" altLang="en-US" sz="1100">
+                <a:sym typeface="+mn-ea"/>
+              </a:rPr>
+              <a:t>教室</a:t>
+            </a:r>
+            <a:endParaRPr lang="zh-CN" altLang="en-US" sz="1100"/>
+          </a:p>
+          <a:p>
+            <a:pPr algn="ctr"/>
+            <a:r>
+              <a:rPr lang="zh-CN" altLang="en-US" sz="1100"/>
+              <a:t>离开</a:t>
+            </a:r>
+            <a:r>
+              <a:rPr lang="zh-CN" altLang="en-US" sz="1100">
+                <a:sym typeface="+mn-ea"/>
+              </a:rPr>
+              <a:t>教室</a:t>
+            </a:r>
+          </a:p>
+          <a:p>
+            <a:pPr algn="ctr"/>
+            <a:r>
+              <a:rPr lang="zh-CN" altLang="en-US" sz="1100"/>
+              <a:t>进入讨论板</a:t>
+            </a:r>
+          </a:p>
+        </p:txBody>
+      </p:sp>
+      <p:sp>
+        <p:nvSpPr>
+          <p:cNvPr id="19" name="Rectangles 3">
+            <a:extLst>
+              <a:ext uri="{FF2B5EF4-FFF2-40B4-BE49-F238E27FC236}">
+                <a16:creationId xmlns:a16="http://schemas.microsoft.com/office/drawing/2014/main" id="{539CC62E-25BA-6ED6-6593-02BD57142D65}"/>
+              </a:ext>
+            </a:extLst>
+          </p:cNvPr>
+          <p:cNvSpPr/>
+          <p:nvPr/>
+        </p:nvSpPr>
+        <p:spPr>
+          <a:xfrm>
+            <a:off x="7860087" y="131498"/>
+            <a:ext cx="1061182" cy="1498415"/>
+          </a:xfrm>
+          <a:prstGeom prst="rect">
+            <a:avLst/>
+          </a:prstGeom>
+        </p:spPr>
+        <p:style>
+          <a:lnRef idx="2">
+            <a:schemeClr val="accent1">
+              <a:lumMod val="75000"/>
+            </a:schemeClr>
+          </a:lnRef>
+          <a:fillRef idx="1">
+            <a:schemeClr val="accent1"/>
+          </a:fillRef>
+          <a:effectRef idx="0">
+            <a:srgbClr val="FFFFFF"/>
+          </a:effectRef>
+          <a:fontRef idx="minor">
+            <a:schemeClr val="lt1"/>
+          </a:fontRef>
+        </p:style>
+        <p:txBody>
+          <a:bodyPr rtlCol="0" anchor="ctr"/>
+          <a:lstStyle/>
+          <a:p>
+            <a:pPr algn="ctr"/>
+            <a:r>
+              <a:rPr lang="zh-CN" altLang="en-US" sz="1100"/>
+              <a:t>座位界面</a:t>
+            </a:r>
+            <a:endParaRPr lang="zh-CN" sz="1100"/>
+          </a:p>
+          <a:p>
+            <a:pPr algn="ctr"/>
+            <a:r>
+              <a:rPr lang="en-US" altLang="zh-CN" sz="1100"/>
+              <a:t>——————</a:t>
+            </a:r>
+          </a:p>
+          <a:p>
+            <a:pPr algn="ctr"/>
+            <a:r>
+              <a:rPr lang="zh-CN" altLang="en-US" sz="1100"/>
+              <a:t>座位号</a:t>
+            </a:r>
+          </a:p>
+          <a:p>
+            <a:pPr algn="ctr"/>
+            <a:r>
+              <a:rPr lang="en-US" altLang="zh-CN" sz="1100"/>
+              <a:t>——————</a:t>
+            </a:r>
+          </a:p>
+          <a:p>
+            <a:pPr algn="ctr"/>
+            <a:r>
+              <a:rPr lang="zh-CN" altLang="en-US" sz="1100"/>
+              <a:t>离开</a:t>
+            </a:r>
+            <a:r>
+              <a:rPr lang="zh-CN" altLang="en-US" sz="1100">
+                <a:sym typeface="+mn-ea"/>
+              </a:rPr>
+              <a:t>座位</a:t>
+            </a:r>
+            <a:endParaRPr lang="zh-CN" altLang="en-US" sz="1100"/>
+          </a:p>
+        </p:txBody>
+      </p:sp>
+      <p:sp>
+        <p:nvSpPr>
+          <p:cNvPr id="20" name="Rectangles 3">
+            <a:extLst>
+              <a:ext uri="{FF2B5EF4-FFF2-40B4-BE49-F238E27FC236}">
+                <a16:creationId xmlns:a16="http://schemas.microsoft.com/office/drawing/2014/main" id="{CCCC31E5-E66B-2EBB-0E6B-4850E3E62303}"/>
+              </a:ext>
+            </a:extLst>
+          </p:cNvPr>
+          <p:cNvSpPr/>
+          <p:nvPr/>
+        </p:nvSpPr>
+        <p:spPr>
+          <a:xfrm>
+            <a:off x="10027507" y="126472"/>
+            <a:ext cx="1061182" cy="1543084"/>
+          </a:xfrm>
+          <a:prstGeom prst="rect">
+            <a:avLst/>
+          </a:prstGeom>
+        </p:spPr>
+        <p:style>
+          <a:lnRef idx="2">
+            <a:schemeClr val="accent1">
+              <a:lumMod val="75000"/>
+            </a:schemeClr>
+          </a:lnRef>
+          <a:fillRef idx="1">
+            <a:schemeClr val="accent1"/>
+          </a:fillRef>
+          <a:effectRef idx="0">
+            <a:srgbClr val="FFFFFF"/>
+          </a:effectRef>
+          <a:fontRef idx="minor">
+            <a:schemeClr val="lt1"/>
+          </a:fontRef>
+        </p:style>
+        <p:txBody>
+          <a:bodyPr rtlCol="0" anchor="ctr"/>
+          <a:lstStyle/>
+          <a:p>
+            <a:pPr algn="ctr"/>
+            <a:r>
+              <a:rPr lang="zh-CN" altLang="en-US" sz="1100"/>
+              <a:t>专注自习界面</a:t>
+            </a:r>
+            <a:endParaRPr lang="zh-CN" sz="1100"/>
+          </a:p>
+          <a:p>
+            <a:pPr algn="ctr"/>
+            <a:r>
+              <a:rPr lang="en-US" altLang="zh-CN" sz="1100"/>
+              <a:t>——————</a:t>
+            </a:r>
+          </a:p>
+          <a:p>
+            <a:pPr algn="ctr"/>
+            <a:r>
+              <a:rPr lang="zh-CN" altLang="en-US" sz="1100"/>
+              <a:t>自习时间</a:t>
+            </a:r>
+            <a:endParaRPr lang="en-US" altLang="zh-CN" sz="1100"/>
+          </a:p>
+          <a:p>
+            <a:pPr algn="ctr"/>
+            <a:r>
+              <a:rPr lang="zh-CN" altLang="en-US" sz="1100"/>
+              <a:t>休息时间</a:t>
+            </a:r>
+            <a:endParaRPr lang="en-US" altLang="zh-CN" sz="1100"/>
+          </a:p>
+          <a:p>
+            <a:pPr algn="ctr"/>
+            <a:r>
+              <a:rPr lang="zh-CN" altLang="en-US" sz="1100"/>
+              <a:t>周期数</a:t>
+            </a:r>
+            <a:endParaRPr lang="en-US" altLang="zh-CN" sz="1100"/>
+          </a:p>
+          <a:p>
+            <a:pPr algn="ctr"/>
+            <a:r>
+              <a:rPr lang="en-US" altLang="zh-CN" sz="1100"/>
+              <a:t>——————</a:t>
+            </a:r>
+          </a:p>
+          <a:p>
+            <a:pPr algn="ctr"/>
+            <a:r>
+              <a:rPr lang="zh-CN" altLang="en-US" sz="1100"/>
+              <a:t>设置计划信息</a:t>
+            </a:r>
+          </a:p>
+          <a:p>
+            <a:pPr algn="ctr"/>
+            <a:r>
+              <a:rPr lang="zh-CN" altLang="en-US" sz="1100"/>
+              <a:t>开始自习</a:t>
+            </a:r>
+          </a:p>
+          <a:p>
+            <a:pPr algn="ctr"/>
+            <a:r>
+              <a:rPr lang="zh-CN" altLang="en-US" sz="1100"/>
+              <a:t>结束自习</a:t>
+            </a:r>
+          </a:p>
+        </p:txBody>
+      </p:sp>
+      <p:sp>
+        <p:nvSpPr>
+          <p:cNvPr id="21" name="Rectangles 3">
+            <a:extLst>
+              <a:ext uri="{FF2B5EF4-FFF2-40B4-BE49-F238E27FC236}">
+                <a16:creationId xmlns:a16="http://schemas.microsoft.com/office/drawing/2014/main" id="{B3EA2B5A-F290-3332-12F9-ABD34DE9F47C}"/>
+              </a:ext>
+            </a:extLst>
+          </p:cNvPr>
+          <p:cNvSpPr/>
+          <p:nvPr/>
+        </p:nvSpPr>
+        <p:spPr>
+          <a:xfrm>
+            <a:off x="3466510" y="4844402"/>
+            <a:ext cx="1061182" cy="1498415"/>
+          </a:xfrm>
+          <a:prstGeom prst="rect">
+            <a:avLst/>
+          </a:prstGeom>
+        </p:spPr>
+        <p:style>
+          <a:lnRef idx="2">
+            <a:schemeClr val="accent1">
+              <a:lumMod val="75000"/>
+            </a:schemeClr>
+          </a:lnRef>
+          <a:fillRef idx="1">
+            <a:schemeClr val="accent1"/>
+          </a:fillRef>
+          <a:effectRef idx="0">
+            <a:srgbClr val="FFFFFF"/>
+          </a:effectRef>
+          <a:fontRef idx="minor">
+            <a:schemeClr val="lt1"/>
+          </a:fontRef>
+        </p:style>
+        <p:txBody>
+          <a:bodyPr rtlCol="0" anchor="ctr"/>
+          <a:lstStyle/>
+          <a:p>
+            <a:pPr algn="ctr"/>
+            <a:r>
+              <a:rPr lang="zh-CN" altLang="en-US" sz="1100"/>
+              <a:t>讨论板界面</a:t>
+            </a:r>
+            <a:endParaRPr lang="zh-CN" sz="1100"/>
+          </a:p>
+          <a:p>
+            <a:pPr algn="ctr"/>
+            <a:r>
+              <a:rPr lang="en-US" altLang="zh-CN" sz="1100"/>
+              <a:t>——————</a:t>
+            </a:r>
+          </a:p>
+          <a:p>
+            <a:pPr algn="ctr"/>
+            <a:r>
+              <a:rPr lang="zh-CN" altLang="en-US" sz="1100"/>
+              <a:t>楼号</a:t>
+            </a:r>
+          </a:p>
+          <a:p>
+            <a:pPr algn="ctr"/>
+            <a:r>
+              <a:rPr lang="zh-CN" altLang="en-US" sz="1100"/>
+              <a:t>楼名称</a:t>
+            </a:r>
+          </a:p>
+          <a:p>
+            <a:pPr algn="ctr"/>
+            <a:r>
+              <a:rPr lang="en-US" altLang="zh-CN" sz="1100"/>
+              <a:t>——————</a:t>
+            </a:r>
+          </a:p>
+          <a:p>
+            <a:pPr algn="ctr"/>
+            <a:r>
+              <a:rPr lang="zh-CN" altLang="en-US" sz="1100"/>
+              <a:t>离开讨论板</a:t>
+            </a:r>
+          </a:p>
+        </p:txBody>
+      </p:sp>
+      <p:cxnSp>
+        <p:nvCxnSpPr>
+          <p:cNvPr id="29" name="Straight Arrow Connector 22">
+            <a:extLst>
+              <a:ext uri="{FF2B5EF4-FFF2-40B4-BE49-F238E27FC236}">
+                <a16:creationId xmlns:a16="http://schemas.microsoft.com/office/drawing/2014/main" id="{23082550-ED32-5A6A-BAE1-1343BCD17030}"/>
+              </a:ext>
+            </a:extLst>
+          </p:cNvPr>
+          <p:cNvCxnSpPr>
+            <a:cxnSpLocks/>
+            <a:stCxn id="3" idx="2"/>
+            <a:endCxn id="4" idx="0"/>
+          </p:cNvCxnSpPr>
+          <p:nvPr/>
+        </p:nvCxnSpPr>
+        <p:spPr>
+          <a:xfrm flipH="1">
+            <a:off x="3813326" y="1694867"/>
+            <a:ext cx="42283" cy="1051754"/>
+          </a:xfrm>
+          <a:prstGeom prst="straightConnector1">
+            <a:avLst/>
+          </a:prstGeom>
+          <a:ln w="6350" cap="flat" cmpd="sng" algn="ctr">
+            <a:solidFill>
+              <a:schemeClr val="accent1"/>
+            </a:solidFill>
+            <a:prstDash val="dash"/>
+            <a:miter lim="800000"/>
+            <a:tailEnd type="arrow" w="med" len="med"/>
+          </a:ln>
+        </p:spPr>
+        <p:style>
+          <a:lnRef idx="0">
+            <a:schemeClr val="accent1"/>
+          </a:lnRef>
+          <a:fillRef idx="0">
+            <a:srgbClr val="FFFFFF"/>
+          </a:fillRef>
+          <a:effectRef idx="0">
+            <a:srgbClr val="FFFFFF"/>
+          </a:effectRef>
+          <a:fontRef idx="minor">
+            <a:schemeClr val="tx1"/>
+          </a:fontRef>
+        </p:style>
+      </p:cxnSp>
+      <p:cxnSp>
+        <p:nvCxnSpPr>
+          <p:cNvPr id="35" name="Straight Arrow Connector 22">
+            <a:extLst>
+              <a:ext uri="{FF2B5EF4-FFF2-40B4-BE49-F238E27FC236}">
+                <a16:creationId xmlns:a16="http://schemas.microsoft.com/office/drawing/2014/main" id="{F2475247-0D59-CC93-11F3-569DC2BD45E9}"/>
+              </a:ext>
+            </a:extLst>
+          </p:cNvPr>
+          <p:cNvCxnSpPr>
+            <a:cxnSpLocks/>
+          </p:cNvCxnSpPr>
+          <p:nvPr/>
+        </p:nvCxnSpPr>
+        <p:spPr>
+          <a:xfrm flipH="1">
+            <a:off x="6053717" y="1716417"/>
+            <a:ext cx="42283" cy="1051754"/>
+          </a:xfrm>
+          <a:prstGeom prst="straightConnector1">
+            <a:avLst/>
+          </a:prstGeom>
+          <a:ln w="6350" cap="flat" cmpd="sng" algn="ctr">
+            <a:solidFill>
+              <a:schemeClr val="accent1"/>
+            </a:solidFill>
+            <a:prstDash val="dash"/>
+            <a:miter lim="800000"/>
+            <a:tailEnd type="arrow" w="med" len="med"/>
+          </a:ln>
+        </p:spPr>
+        <p:style>
+          <a:lnRef idx="0">
+            <a:schemeClr val="accent1"/>
+          </a:lnRef>
+          <a:fillRef idx="0">
+            <a:srgbClr val="FFFFFF"/>
+          </a:fillRef>
+          <a:effectRef idx="0">
+            <a:srgbClr val="FFFFFF"/>
+          </a:effectRef>
+          <a:fontRef idx="minor">
+            <a:schemeClr val="tx1"/>
+          </a:fontRef>
+        </p:style>
+      </p:cxnSp>
+      <p:cxnSp>
+        <p:nvCxnSpPr>
+          <p:cNvPr id="36" name="Straight Arrow Connector 22">
+            <a:extLst>
+              <a:ext uri="{FF2B5EF4-FFF2-40B4-BE49-F238E27FC236}">
+                <a16:creationId xmlns:a16="http://schemas.microsoft.com/office/drawing/2014/main" id="{4C085770-9723-5BFD-1F6B-AE04F8973041}"/>
+              </a:ext>
+            </a:extLst>
+          </p:cNvPr>
+          <p:cNvCxnSpPr>
+            <a:cxnSpLocks/>
+            <a:stCxn id="19" idx="2"/>
+          </p:cNvCxnSpPr>
+          <p:nvPr/>
+        </p:nvCxnSpPr>
+        <p:spPr>
+          <a:xfrm flipH="1">
+            <a:off x="8263160" y="1629913"/>
+            <a:ext cx="127518" cy="1123826"/>
+          </a:xfrm>
+          <a:prstGeom prst="straightConnector1">
+            <a:avLst/>
+          </a:prstGeom>
+          <a:ln w="6350" cap="flat" cmpd="sng" algn="ctr">
+            <a:solidFill>
+              <a:schemeClr val="accent1"/>
+            </a:solidFill>
+            <a:prstDash val="dash"/>
+            <a:miter lim="800000"/>
+            <a:tailEnd type="arrow" w="med" len="med"/>
+          </a:ln>
+        </p:spPr>
+        <p:style>
+          <a:lnRef idx="0">
+            <a:schemeClr val="accent1"/>
+          </a:lnRef>
+          <a:fillRef idx="0">
+            <a:srgbClr val="FFFFFF"/>
+          </a:fillRef>
+          <a:effectRef idx="0">
+            <a:srgbClr val="FFFFFF"/>
+          </a:effectRef>
+          <a:fontRef idx="minor">
+            <a:schemeClr val="tx1"/>
+          </a:fontRef>
+        </p:style>
+      </p:cxnSp>
+      <p:cxnSp>
+        <p:nvCxnSpPr>
+          <p:cNvPr id="38" name="Straight Arrow Connector 22">
+            <a:extLst>
+              <a:ext uri="{FF2B5EF4-FFF2-40B4-BE49-F238E27FC236}">
+                <a16:creationId xmlns:a16="http://schemas.microsoft.com/office/drawing/2014/main" id="{94F846B2-455F-2681-5715-D1964CC7DDEE}"/>
+              </a:ext>
+            </a:extLst>
+          </p:cNvPr>
+          <p:cNvCxnSpPr>
+            <a:cxnSpLocks/>
+            <a:stCxn id="20" idx="2"/>
+          </p:cNvCxnSpPr>
+          <p:nvPr/>
+        </p:nvCxnSpPr>
+        <p:spPr>
+          <a:xfrm flipH="1">
+            <a:off x="10536696" y="1669556"/>
+            <a:ext cx="21402" cy="1084183"/>
+          </a:xfrm>
+          <a:prstGeom prst="straightConnector1">
+            <a:avLst/>
+          </a:prstGeom>
+          <a:ln w="6350" cap="flat" cmpd="sng" algn="ctr">
+            <a:solidFill>
+              <a:schemeClr val="accent1"/>
+            </a:solidFill>
+            <a:prstDash val="dash"/>
+            <a:miter lim="800000"/>
+            <a:tailEnd type="arrow" w="med" len="med"/>
+          </a:ln>
+        </p:spPr>
+        <p:style>
+          <a:lnRef idx="0">
+            <a:schemeClr val="accent1"/>
+          </a:lnRef>
+          <a:fillRef idx="0">
+            <a:srgbClr val="FFFFFF"/>
+          </a:fillRef>
+          <a:effectRef idx="0">
+            <a:srgbClr val="FFFFFF"/>
+          </a:effectRef>
+          <a:fontRef idx="minor">
+            <a:schemeClr val="tx1"/>
+          </a:fontRef>
+        </p:style>
+      </p:cxnSp>
+      <p:cxnSp>
+        <p:nvCxnSpPr>
+          <p:cNvPr id="40" name="Straight Arrow Connector 22">
+            <a:extLst>
+              <a:ext uri="{FF2B5EF4-FFF2-40B4-BE49-F238E27FC236}">
+                <a16:creationId xmlns:a16="http://schemas.microsoft.com/office/drawing/2014/main" id="{8EA3F7E5-2F64-5D2D-C54C-B095D6545AF5}"/>
+              </a:ext>
+            </a:extLst>
+          </p:cNvPr>
+          <p:cNvCxnSpPr>
+            <a:cxnSpLocks/>
+            <a:stCxn id="21" idx="3"/>
+            <a:endCxn id="8" idx="1"/>
+          </p:cNvCxnSpPr>
+          <p:nvPr/>
+        </p:nvCxnSpPr>
+        <p:spPr>
+          <a:xfrm>
+            <a:off x="4527692" y="5593610"/>
+            <a:ext cx="976834" cy="20249"/>
+          </a:xfrm>
+          <a:prstGeom prst="straightConnector1">
+            <a:avLst/>
+          </a:prstGeom>
+          <a:ln w="6350" cap="flat" cmpd="sng" algn="ctr">
+            <a:solidFill>
+              <a:schemeClr val="accent1"/>
+            </a:solidFill>
+            <a:prstDash val="dash"/>
+            <a:miter lim="800000"/>
+            <a:tailEnd type="arrow" w="med" len="med"/>
+          </a:ln>
+        </p:spPr>
+        <p:style>
+          <a:lnRef idx="0">
+            <a:schemeClr val="accent1"/>
+          </a:lnRef>
+          <a:fillRef idx="0">
+            <a:srgbClr val="FFFFFF"/>
+          </a:fillRef>
+          <a:effectRef idx="0">
+            <a:srgbClr val="FFFFFF"/>
+          </a:effectRef>
+          <a:fontRef idx="minor">
+            <a:schemeClr val="tx1"/>
+          </a:fontRef>
+        </p:style>
+      </p:cxnSp>
+      <p:sp>
+        <p:nvSpPr>
+          <p:cNvPr id="45" name="Rectangles 3">
+            <a:extLst>
+              <a:ext uri="{FF2B5EF4-FFF2-40B4-BE49-F238E27FC236}">
+                <a16:creationId xmlns:a16="http://schemas.microsoft.com/office/drawing/2014/main" id="{EAF57833-459A-197B-E8C5-E99A07050CD1}"/>
+              </a:ext>
+            </a:extLst>
+          </p:cNvPr>
+          <p:cNvSpPr/>
+          <p:nvPr/>
+        </p:nvSpPr>
+        <p:spPr>
+          <a:xfrm>
+            <a:off x="9738303" y="4860488"/>
+            <a:ext cx="1061182" cy="1498415"/>
+          </a:xfrm>
+          <a:prstGeom prst="rect">
+            <a:avLst/>
+          </a:prstGeom>
+        </p:spPr>
+        <p:style>
+          <a:lnRef idx="2">
+            <a:schemeClr val="accent1">
+              <a:lumMod val="75000"/>
+            </a:schemeClr>
+          </a:lnRef>
+          <a:fillRef idx="1">
+            <a:schemeClr val="accent1"/>
+          </a:fillRef>
+          <a:effectRef idx="0">
+            <a:srgbClr val="FFFFFF"/>
+          </a:effectRef>
+          <a:fontRef idx="minor">
+            <a:schemeClr val="lt1"/>
+          </a:fontRef>
+        </p:style>
+        <p:txBody>
+          <a:bodyPr rtlCol="0" anchor="ctr"/>
+          <a:lstStyle/>
+          <a:p>
+            <a:pPr algn="ctr"/>
+            <a:r>
+              <a:rPr lang="zh-CN" altLang="en-US" sz="1100"/>
+              <a:t>用户信息界面</a:t>
+            </a:r>
+            <a:endParaRPr lang="zh-CN" sz="1100"/>
+          </a:p>
+          <a:p>
+            <a:pPr algn="ctr"/>
+            <a:r>
+              <a:rPr lang="en-US" altLang="zh-CN" sz="1100"/>
+              <a:t>——————</a:t>
+            </a:r>
+          </a:p>
+          <a:p>
+            <a:pPr algn="ctr"/>
+            <a:endParaRPr lang="en-US" altLang="zh-CN" sz="1100"/>
+          </a:p>
+          <a:p>
+            <a:pPr algn="ctr"/>
+            <a:r>
+              <a:rPr lang="en-US" altLang="zh-CN" sz="1100"/>
+              <a:t>——————</a:t>
+            </a:r>
+          </a:p>
+          <a:p>
+            <a:pPr algn="ctr"/>
+            <a:r>
+              <a:rPr lang="zh-CN" altLang="en-US" sz="1100"/>
+              <a:t>离开用户信息界面</a:t>
+            </a:r>
+          </a:p>
+        </p:txBody>
+      </p:sp>
+      <p:cxnSp>
+        <p:nvCxnSpPr>
+          <p:cNvPr id="46" name="Straight Arrow Connector 22">
+            <a:extLst>
+              <a:ext uri="{FF2B5EF4-FFF2-40B4-BE49-F238E27FC236}">
+                <a16:creationId xmlns:a16="http://schemas.microsoft.com/office/drawing/2014/main" id="{445F69FA-9451-EC14-CA4E-119B564759A3}"/>
+              </a:ext>
+            </a:extLst>
+          </p:cNvPr>
+          <p:cNvCxnSpPr>
+            <a:cxnSpLocks/>
+            <a:stCxn id="45" idx="1"/>
+            <a:endCxn id="22" idx="3"/>
+          </p:cNvCxnSpPr>
+          <p:nvPr/>
+        </p:nvCxnSpPr>
+        <p:spPr>
+          <a:xfrm flipH="1">
+            <a:off x="8802577" y="5609696"/>
+            <a:ext cx="935726" cy="923"/>
+          </a:xfrm>
+          <a:prstGeom prst="straightConnector1">
+            <a:avLst/>
+          </a:prstGeom>
+          <a:ln w="6350" cap="flat" cmpd="sng" algn="ctr">
+            <a:solidFill>
+              <a:schemeClr val="accent1"/>
+            </a:solidFill>
+            <a:prstDash val="dash"/>
+            <a:miter lim="800000"/>
+            <a:tailEnd type="arrow" w="med" len="med"/>
+          </a:ln>
+        </p:spPr>
+        <p:style>
+          <a:lnRef idx="0">
+            <a:schemeClr val="accent1"/>
+          </a:lnRef>
+          <a:fillRef idx="0">
+            <a:srgbClr val="FFFFFF"/>
+          </a:fillRef>
+          <a:effectRef idx="0">
+            <a:srgbClr val="FFFFFF"/>
+          </a:effectRef>
+          <a:fontRef idx="minor">
+            <a:schemeClr val="tx1"/>
+          </a:fontRef>
+        </p:style>
+      </p:cxnSp>
+      <p:sp>
+        <p:nvSpPr>
+          <p:cNvPr id="51" name="文本框 50">
+            <a:extLst>
+              <a:ext uri="{FF2B5EF4-FFF2-40B4-BE49-F238E27FC236}">
+                <a16:creationId xmlns:a16="http://schemas.microsoft.com/office/drawing/2014/main" id="{67280381-26C6-C156-ED30-9388B0B9D284}"/>
+              </a:ext>
+            </a:extLst>
+          </p:cNvPr>
+          <p:cNvSpPr txBox="1"/>
+          <p:nvPr/>
+        </p:nvSpPr>
+        <p:spPr>
+          <a:xfrm>
+            <a:off x="391197" y="1286594"/>
+            <a:ext cx="2181803" cy="646331"/>
+          </a:xfrm>
+          <a:prstGeom prst="rect">
+            <a:avLst/>
+          </a:prstGeom>
+          <a:noFill/>
+        </p:spPr>
+        <p:txBody>
+          <a:bodyPr wrap="square" rtlCol="0">
+            <a:spAutoFit/>
+          </a:bodyPr>
+          <a:lstStyle/>
+          <a:p>
+            <a:r>
+              <a:rPr lang="zh-CN" altLang="en-US"/>
+              <a:t>为每个场景以及用户信息都提供界面</a:t>
+            </a:r>
+          </a:p>
+        </p:txBody>
+      </p:sp>
+    </p:spTree>
+    <p:extLst>
+      <p:ext uri="{BB962C8B-B14F-4D97-AF65-F5344CB8AC3E}">
+        <p14:creationId xmlns:p14="http://schemas.microsoft.com/office/powerpoint/2010/main" val="2162785718"/>
+      </p:ext>
+    </p:extLst>
+  </p:cSld>
+  <p:clrMapOvr>
+    <a:masterClrMapping/>
+  </p:clrMapOvr>
+</p:sld>
+</file>
+
+<file path=ppt/slides/slide6.xml><?xml version="1.0" encoding="utf-8"?>
+<p:sld xmlns:a="http://schemas.openxmlformats.org/drawingml/2006/main" xmlns:r="http://schemas.openxmlformats.org/officeDocument/2006/relationships" xmlns:p="http://schemas.openxmlformats.org/presentationml/2006/main">
+  <p:cSld>
+    <p:spTree>
+      <p:nvGrpSpPr>
+        <p:cNvPr id="1" name=""/>
+        <p:cNvGrpSpPr/>
+        <p:nvPr/>
+      </p:nvGrpSpPr>
+      <p:grpSpPr>
+        <a:xfrm>
+          <a:off x="0" y="0"/>
+          <a:ext cx="0" cy="0"/>
+          <a:chOff x="0" y="0"/>
+          <a:chExt cx="0" cy="0"/>
+        </a:xfrm>
+      </p:grpSpPr>
+      <p:sp>
+        <p:nvSpPr>
+          <p:cNvPr id="33" name="矩形 32">
+            <a:extLst>
+              <a:ext uri="{FF2B5EF4-FFF2-40B4-BE49-F238E27FC236}">
+                <a16:creationId xmlns:a16="http://schemas.microsoft.com/office/drawing/2014/main" id="{301F1C87-3C25-2979-CCDE-7B2142BAB0AD}"/>
+              </a:ext>
+            </a:extLst>
+          </p:cNvPr>
+          <p:cNvSpPr/>
+          <p:nvPr/>
+        </p:nvSpPr>
+        <p:spPr>
+          <a:xfrm>
+            <a:off x="7572700" y="4651898"/>
+            <a:ext cx="1455890" cy="1933499"/>
+          </a:xfrm>
+          <a:prstGeom prst="rect">
+            <a:avLst/>
+          </a:prstGeom>
+          <a:solidFill>
+            <a:schemeClr val="bg1"/>
+          </a:solidFill>
+          <a:ln w="28575">
+            <a:solidFill>
+              <a:srgbClr val="FF0000"/>
+            </a:solidFill>
+          </a:ln>
+        </p:spPr>
+        <p:style>
+          <a:lnRef idx="2">
+            <a:schemeClr val="accent1">
+              <a:shade val="15000"/>
+            </a:schemeClr>
+          </a:lnRef>
+          <a:fillRef idx="1">
+            <a:schemeClr val="accent1"/>
+          </a:fillRef>
+          <a:effectRef idx="0">
+            <a:schemeClr val="accent1"/>
+          </a:effectRef>
+          <a:fontRef idx="minor">
+            <a:schemeClr val="lt1"/>
+          </a:fontRef>
+        </p:style>
+        <p:txBody>
+          <a:bodyPr rtlCol="0" anchor="ctr"/>
+          <a:lstStyle/>
+          <a:p>
+            <a:pPr algn="ctr"/>
+            <a:endParaRPr lang="zh-CN" altLang="en-US"/>
+          </a:p>
+        </p:txBody>
+      </p:sp>
+      <p:sp>
+        <p:nvSpPr>
+          <p:cNvPr id="34" name="Text Box 33"/>
+          <p:cNvSpPr txBox="1"/>
+          <p:nvPr/>
+        </p:nvSpPr>
+        <p:spPr>
+          <a:xfrm>
+            <a:off x="109220" y="55245"/>
+            <a:ext cx="2015490" cy="460375"/>
+          </a:xfrm>
+          <a:prstGeom prst="rect">
+            <a:avLst/>
+          </a:prstGeom>
+          <a:noFill/>
+        </p:spPr>
+        <p:txBody>
+          <a:bodyPr wrap="square" rtlCol="0">
+            <a:spAutoFit/>
+          </a:bodyPr>
+          <a:lstStyle/>
+          <a:p>
+            <a:r>
+              <a:rPr lang="zh-CN" altLang="en-US" sz="2400"/>
+              <a:t>控制驱动部分</a:t>
+            </a:r>
+          </a:p>
+        </p:txBody>
+      </p:sp>
+      <p:grpSp>
+        <p:nvGrpSpPr>
+          <p:cNvPr id="2" name="组合 1">
+            <a:extLst>
+              <a:ext uri="{FF2B5EF4-FFF2-40B4-BE49-F238E27FC236}">
+                <a16:creationId xmlns:a16="http://schemas.microsoft.com/office/drawing/2014/main" id="{C2BD57A8-BC28-3F3A-48E2-02DCCB802D0F}"/>
+              </a:ext>
+            </a:extLst>
+          </p:cNvPr>
+          <p:cNvGrpSpPr/>
+          <p:nvPr/>
+        </p:nvGrpSpPr>
+        <p:grpSpPr>
+          <a:xfrm>
+            <a:off x="3282735" y="2746621"/>
+            <a:ext cx="8054050" cy="3619685"/>
+            <a:chOff x="841375" y="819150"/>
+            <a:chExt cx="10853420" cy="5675630"/>
+          </a:xfrm>
+        </p:grpSpPr>
+        <p:sp>
+          <p:nvSpPr>
+            <p:cNvPr id="4" name="Rectangles 3"/>
+            <p:cNvSpPr/>
+            <p:nvPr/>
+          </p:nvSpPr>
+          <p:spPr>
+            <a:xfrm>
+              <a:off x="841375" y="819150"/>
+              <a:ext cx="1430020" cy="2349500"/>
+            </a:xfrm>
+            <a:prstGeom prst="rect">
+              <a:avLst/>
+            </a:prstGeom>
+          </p:spPr>
+          <p:style>
+            <a:lnRef idx="2">
+              <a:schemeClr val="accent1">
+                <a:lumMod val="75000"/>
+              </a:schemeClr>
+            </a:lnRef>
+            <a:fillRef idx="1">
+              <a:schemeClr val="accent1"/>
+            </a:fillRef>
+            <a:effectRef idx="0">
+              <a:srgbClr val="FFFFFF"/>
+            </a:effectRef>
+            <a:fontRef idx="minor">
+              <a:schemeClr val="lt1"/>
+            </a:fontRef>
+          </p:style>
+          <p:txBody>
+            <a:bodyPr rtlCol="0" anchor="ctr"/>
+            <a:lstStyle/>
+            <a:p>
+              <a:pPr algn="ctr"/>
+              <a:r>
+                <a:rPr lang="zh-CN" sz="1100"/>
+                <a:t>楼</a:t>
+              </a:r>
+            </a:p>
+            <a:p>
+              <a:pPr algn="ctr"/>
+              <a:r>
+                <a:rPr lang="en-US" altLang="zh-CN" sz="1100"/>
+                <a:t>——————</a:t>
+              </a:r>
+            </a:p>
+            <a:p>
+              <a:pPr algn="ctr"/>
+              <a:r>
+                <a:rPr lang="zh-CN" altLang="en-US" sz="1100"/>
+                <a:t>楼号</a:t>
+              </a:r>
+            </a:p>
+            <a:p>
+              <a:pPr algn="ctr"/>
+              <a:r>
+                <a:rPr lang="zh-CN" altLang="en-US" sz="1100"/>
+                <a:t>楼名称</a:t>
+              </a:r>
+            </a:p>
+            <a:p>
+              <a:pPr algn="ctr"/>
+              <a:r>
+                <a:rPr lang="en-US" altLang="zh-CN" sz="1100"/>
+                <a:t>——————</a:t>
+              </a:r>
+            </a:p>
+            <a:p>
+              <a:pPr algn="ctr"/>
+              <a:r>
+                <a:rPr lang="zh-CN" altLang="en-US" sz="1100"/>
+                <a:t>进入楼</a:t>
+              </a:r>
+            </a:p>
+            <a:p>
+              <a:pPr algn="ctr"/>
+              <a:r>
+                <a:rPr lang="zh-CN" altLang="en-US" sz="1100"/>
+                <a:t>离开楼</a:t>
+              </a:r>
+            </a:p>
+          </p:txBody>
+        </p:sp>
+        <p:sp>
+          <p:nvSpPr>
+            <p:cNvPr id="5" name="Rectangles 4"/>
+            <p:cNvSpPr/>
+            <p:nvPr/>
+          </p:nvSpPr>
+          <p:spPr>
+            <a:xfrm>
+              <a:off x="3835400" y="819150"/>
+              <a:ext cx="1430020" cy="2349500"/>
+            </a:xfrm>
+            <a:prstGeom prst="rect">
+              <a:avLst/>
+            </a:prstGeom>
+          </p:spPr>
+          <p:style>
+            <a:lnRef idx="2">
+              <a:schemeClr val="accent1">
+                <a:lumMod val="75000"/>
+              </a:schemeClr>
+            </a:lnRef>
+            <a:fillRef idx="1">
+              <a:schemeClr val="accent1"/>
+            </a:fillRef>
+            <a:effectRef idx="0">
+              <a:srgbClr val="FFFFFF"/>
+            </a:effectRef>
+            <a:fontRef idx="minor">
+              <a:schemeClr val="lt1"/>
+            </a:fontRef>
+          </p:style>
+          <p:txBody>
+            <a:bodyPr rtlCol="0" anchor="ctr"/>
+            <a:lstStyle/>
+            <a:p>
+              <a:pPr algn="ctr"/>
+              <a:r>
+                <a:rPr lang="zh-CN" sz="1100"/>
+                <a:t>教室</a:t>
+              </a:r>
+            </a:p>
+            <a:p>
+              <a:pPr algn="ctr"/>
+              <a:r>
+                <a:rPr lang="en-US" altLang="zh-CN" sz="1100"/>
+                <a:t>——————</a:t>
+              </a:r>
+            </a:p>
+            <a:p>
+              <a:pPr algn="ctr"/>
+              <a:r>
+                <a:rPr lang="zh-CN" altLang="en-US" sz="1100"/>
+                <a:t>教室号</a:t>
+              </a:r>
+            </a:p>
+            <a:p>
+              <a:pPr algn="ctr"/>
+              <a:r>
+                <a:rPr lang="zh-CN" altLang="en-US" sz="1100">
+                  <a:sym typeface="+mn-ea"/>
+                </a:rPr>
+                <a:t>教室</a:t>
+              </a:r>
+              <a:r>
+                <a:rPr lang="zh-CN" altLang="en-US" sz="1100"/>
+                <a:t>名称</a:t>
+              </a:r>
+            </a:p>
+            <a:p>
+              <a:pPr algn="ctr"/>
+              <a:r>
+                <a:rPr lang="en-US" altLang="zh-CN" sz="1100"/>
+                <a:t>——————</a:t>
+              </a:r>
+            </a:p>
+            <a:p>
+              <a:pPr algn="ctr"/>
+              <a:r>
+                <a:rPr lang="zh-CN" altLang="en-US" sz="1100"/>
+                <a:t>进入</a:t>
+              </a:r>
+              <a:r>
+                <a:rPr lang="zh-CN" altLang="en-US" sz="1100">
+                  <a:sym typeface="+mn-ea"/>
+                </a:rPr>
+                <a:t>教室</a:t>
+              </a:r>
+              <a:endParaRPr lang="zh-CN" altLang="en-US" sz="1100"/>
+            </a:p>
+            <a:p>
+              <a:pPr algn="ctr"/>
+              <a:r>
+                <a:rPr lang="zh-CN" altLang="en-US" sz="1100"/>
+                <a:t>离开</a:t>
+              </a:r>
+              <a:r>
+                <a:rPr lang="zh-CN" altLang="en-US" sz="1100">
+                  <a:sym typeface="+mn-ea"/>
+                </a:rPr>
+                <a:t>教室</a:t>
+              </a:r>
+            </a:p>
+            <a:p>
+              <a:pPr algn="ctr"/>
+              <a:r>
+                <a:rPr lang="zh-CN" altLang="en-US" sz="1100"/>
+                <a:t>进入讨论板</a:t>
+              </a:r>
+            </a:p>
+          </p:txBody>
+        </p:sp>
+        <p:sp>
+          <p:nvSpPr>
+            <p:cNvPr id="6" name="Rectangles 5"/>
+            <p:cNvSpPr/>
+            <p:nvPr/>
+          </p:nvSpPr>
+          <p:spPr>
+            <a:xfrm>
+              <a:off x="6829425" y="819150"/>
+              <a:ext cx="1430020" cy="2349500"/>
+            </a:xfrm>
+            <a:prstGeom prst="rect">
+              <a:avLst/>
+            </a:prstGeom>
+          </p:spPr>
+          <p:style>
+            <a:lnRef idx="2">
+              <a:schemeClr val="accent1">
+                <a:lumMod val="75000"/>
+              </a:schemeClr>
+            </a:lnRef>
+            <a:fillRef idx="1">
+              <a:schemeClr val="accent1"/>
+            </a:fillRef>
+            <a:effectRef idx="0">
+              <a:srgbClr val="FFFFFF"/>
+            </a:effectRef>
+            <a:fontRef idx="minor">
+              <a:schemeClr val="lt1"/>
+            </a:fontRef>
+          </p:style>
+          <p:txBody>
+            <a:bodyPr rtlCol="0" anchor="ctr"/>
+            <a:lstStyle/>
+            <a:p>
+              <a:pPr algn="ctr"/>
+              <a:r>
+                <a:rPr lang="zh-CN" sz="1100"/>
+                <a:t>座位</a:t>
+              </a:r>
+            </a:p>
+            <a:p>
+              <a:pPr algn="ctr"/>
+              <a:r>
+                <a:rPr lang="en-US" altLang="zh-CN" sz="1100"/>
+                <a:t>——————</a:t>
+              </a:r>
+            </a:p>
+            <a:p>
+              <a:pPr algn="ctr"/>
+              <a:r>
+                <a:rPr lang="zh-CN" altLang="en-US" sz="1100"/>
+                <a:t>座位号</a:t>
+              </a:r>
+            </a:p>
+            <a:p>
+              <a:pPr algn="ctr"/>
+              <a:endParaRPr lang="zh-CN" altLang="en-US" sz="1100"/>
+            </a:p>
+            <a:p>
+              <a:pPr algn="ctr"/>
+              <a:r>
+                <a:rPr lang="en-US" altLang="zh-CN" sz="1100"/>
+                <a:t>——————</a:t>
+              </a:r>
+            </a:p>
+            <a:p>
+              <a:pPr algn="ctr"/>
+              <a:r>
+                <a:rPr lang="zh-CN" altLang="en-US" sz="1100"/>
+                <a:t>座位入座</a:t>
+              </a:r>
+            </a:p>
+            <a:p>
+              <a:pPr algn="ctr"/>
+              <a:r>
+                <a:rPr lang="zh-CN" altLang="en-US" sz="1100"/>
+                <a:t>离开</a:t>
+              </a:r>
+              <a:r>
+                <a:rPr lang="zh-CN" altLang="en-US" sz="1100">
+                  <a:sym typeface="+mn-ea"/>
+                </a:rPr>
+                <a:t>座位</a:t>
+              </a:r>
+              <a:endParaRPr lang="zh-CN" altLang="en-US" sz="1100"/>
+            </a:p>
+          </p:txBody>
+        </p:sp>
+        <p:sp>
+          <p:nvSpPr>
+            <p:cNvPr id="7" name="Rectangles 6"/>
+            <p:cNvSpPr/>
+            <p:nvPr/>
+          </p:nvSpPr>
+          <p:spPr>
+            <a:xfrm>
+              <a:off x="9596120" y="819150"/>
+              <a:ext cx="2098675" cy="2540000"/>
+            </a:xfrm>
+            <a:prstGeom prst="rect">
+              <a:avLst/>
+            </a:prstGeom>
+          </p:spPr>
+          <p:style>
+            <a:lnRef idx="2">
+              <a:schemeClr val="accent1">
+                <a:lumMod val="75000"/>
+              </a:schemeClr>
+            </a:lnRef>
+            <a:fillRef idx="1">
+              <a:schemeClr val="accent1"/>
+            </a:fillRef>
+            <a:effectRef idx="0">
+              <a:srgbClr val="FFFFFF"/>
+            </a:effectRef>
+            <a:fontRef idx="minor">
+              <a:schemeClr val="lt1"/>
+            </a:fontRef>
+          </p:style>
+          <p:txBody>
+            <a:bodyPr rtlCol="0" anchor="ctr"/>
+            <a:lstStyle/>
+            <a:p>
+              <a:pPr algn="ctr"/>
+              <a:r>
+                <a:rPr lang="zh-CN" sz="1100"/>
+                <a:t>学习计划</a:t>
+              </a:r>
+            </a:p>
+            <a:p>
+              <a:pPr algn="ctr"/>
+              <a:r>
+                <a:rPr lang="en-US" altLang="zh-CN" sz="1100"/>
+                <a:t>————————</a:t>
+              </a:r>
+            </a:p>
+            <a:p>
+              <a:pPr algn="ctr"/>
+              <a:r>
+                <a:rPr lang="zh-CN" altLang="en-US" sz="1100"/>
+                <a:t>自习时间</a:t>
+              </a:r>
+            </a:p>
+            <a:p>
+              <a:pPr algn="ctr"/>
+              <a:r>
+                <a:rPr lang="zh-CN" altLang="en-US" sz="1100"/>
+                <a:t>休息时间</a:t>
+              </a:r>
+            </a:p>
+            <a:p>
+              <a:pPr algn="ctr"/>
+              <a:r>
+                <a:rPr lang="zh-CN" altLang="en-US" sz="1100"/>
+                <a:t>周期数</a:t>
+              </a:r>
+            </a:p>
+            <a:p>
+              <a:pPr algn="ctr"/>
+              <a:r>
+                <a:rPr lang="en-US" altLang="zh-CN" sz="1100"/>
+                <a:t>—————————</a:t>
+              </a:r>
+            </a:p>
+            <a:p>
+              <a:pPr algn="ctr"/>
+              <a:r>
+                <a:rPr lang="zh-CN" altLang="en-US" sz="1100"/>
+                <a:t>设置计划信息</a:t>
+              </a:r>
+            </a:p>
+            <a:p>
+              <a:pPr algn="ctr"/>
+              <a:r>
+                <a:rPr lang="zh-CN" altLang="en-US" sz="1100"/>
+                <a:t>开始自习</a:t>
+              </a:r>
+            </a:p>
+            <a:p>
+              <a:pPr algn="ctr"/>
+              <a:r>
+                <a:rPr lang="zh-CN" altLang="en-US" sz="1100"/>
+                <a:t>结束自习</a:t>
+              </a:r>
+            </a:p>
+          </p:txBody>
+        </p:sp>
+        <p:sp>
+          <p:nvSpPr>
+            <p:cNvPr id="8" name="Rectangles 7"/>
+            <p:cNvSpPr/>
+            <p:nvPr/>
+          </p:nvSpPr>
+          <p:spPr>
+            <a:xfrm>
+              <a:off x="3835400" y="4135120"/>
+              <a:ext cx="1430020" cy="2359660"/>
+            </a:xfrm>
+            <a:prstGeom prst="rect">
+              <a:avLst/>
+            </a:prstGeom>
+          </p:spPr>
+          <p:style>
+            <a:lnRef idx="2">
+              <a:schemeClr val="accent1">
+                <a:lumMod val="75000"/>
+              </a:schemeClr>
+            </a:lnRef>
+            <a:fillRef idx="1">
+              <a:schemeClr val="accent1"/>
+            </a:fillRef>
+            <a:effectRef idx="0">
+              <a:srgbClr val="FFFFFF"/>
+            </a:effectRef>
+            <a:fontRef idx="minor">
+              <a:schemeClr val="lt1"/>
+            </a:fontRef>
+          </p:style>
+          <p:txBody>
+            <a:bodyPr rtlCol="0" anchor="ctr"/>
+            <a:lstStyle/>
+            <a:p>
+              <a:pPr algn="ctr"/>
+              <a:r>
+                <a:rPr lang="zh-CN" sz="1100"/>
+                <a:t>讨论板</a:t>
+              </a:r>
+            </a:p>
+            <a:p>
+              <a:pPr algn="ctr"/>
+              <a:r>
+                <a:rPr lang="en-US" altLang="zh-CN" sz="1100"/>
+                <a:t>——————</a:t>
+              </a:r>
+            </a:p>
+            <a:p>
+              <a:pPr algn="ctr"/>
+              <a:r>
+                <a:rPr lang="zh-CN" altLang="en-US" sz="1100"/>
+                <a:t>讨论板号</a:t>
+              </a:r>
+            </a:p>
+            <a:p>
+              <a:pPr algn="ctr"/>
+              <a:r>
+                <a:rPr lang="en-US" altLang="zh-CN" sz="1100"/>
+                <a:t>——————</a:t>
+              </a:r>
+            </a:p>
+            <a:p>
+              <a:pPr algn="ctr"/>
+              <a:r>
+                <a:rPr lang="zh-CN" altLang="en-US" sz="1100"/>
+                <a:t>搜索问题</a:t>
+              </a:r>
+            </a:p>
+            <a:p>
+              <a:pPr algn="ctr"/>
+              <a:r>
+                <a:rPr lang="zh-CN" altLang="en-US" sz="1100"/>
+                <a:t>查看问题</a:t>
+              </a:r>
+            </a:p>
+            <a:p>
+              <a:pPr algn="ctr"/>
+              <a:r>
+                <a:rPr lang="zh-CN" altLang="en-US" sz="1100"/>
+                <a:t>发布问题</a:t>
+              </a:r>
+            </a:p>
+            <a:p>
+              <a:pPr algn="ctr"/>
+              <a:r>
+                <a:rPr lang="zh-CN" altLang="en-US" sz="1100"/>
+                <a:t>回答问题</a:t>
+              </a:r>
+            </a:p>
+          </p:txBody>
+        </p:sp>
+        <p:grpSp>
+          <p:nvGrpSpPr>
+            <p:cNvPr id="12" name="Group 11"/>
+            <p:cNvGrpSpPr/>
+            <p:nvPr/>
+          </p:nvGrpSpPr>
+          <p:grpSpPr>
+            <a:xfrm>
+              <a:off x="2271395" y="1809115"/>
+              <a:ext cx="1579245" cy="120015"/>
+              <a:chOff x="13194" y="7713"/>
+              <a:chExt cx="2487" cy="189"/>
+            </a:xfrm>
+          </p:grpSpPr>
+          <p:cxnSp>
+            <p:nvCxnSpPr>
+              <p:cNvPr id="9" name="Straight Connector 8"/>
+              <p:cNvCxnSpPr/>
+              <p:nvPr/>
+            </p:nvCxnSpPr>
+            <p:spPr>
+              <a:xfrm flipV="1">
+                <a:off x="13464" y="7807"/>
+                <a:ext cx="2217" cy="1"/>
+              </a:xfrm>
+              <a:prstGeom prst="line">
+                <a:avLst/>
+              </a:prstGeom>
+            </p:spPr>
+            <p:style>
+              <a:lnRef idx="2">
+                <a:schemeClr val="accent1"/>
+              </a:lnRef>
+              <a:fillRef idx="0">
+                <a:srgbClr val="FFFFFF"/>
+              </a:fillRef>
+              <a:effectRef idx="0">
+                <a:srgbClr val="FFFFFF"/>
+              </a:effectRef>
+              <a:fontRef idx="minor">
+                <a:schemeClr val="tx1"/>
+              </a:fontRef>
+            </p:style>
+          </p:cxnSp>
+          <p:sp>
+            <p:nvSpPr>
+              <p:cNvPr id="11" name="Parallelogram 10"/>
+              <p:cNvSpPr/>
+              <p:nvPr/>
+            </p:nvSpPr>
+            <p:spPr>
+              <a:xfrm rot="2280000">
+                <a:off x="13194" y="7713"/>
+                <a:ext cx="237" cy="189"/>
+              </a:xfrm>
+              <a:prstGeom prst="parallelogram">
+                <a:avLst/>
+              </a:prstGeom>
+              <a:solidFill>
+                <a:schemeClr val="bg1"/>
+              </a:solidFill>
+            </p:spPr>
+            <p:style>
+              <a:lnRef idx="2">
+                <a:schemeClr val="accent1">
+                  <a:lumMod val="75000"/>
+                </a:schemeClr>
+              </a:lnRef>
+              <a:fillRef idx="1">
+                <a:schemeClr val="accent1"/>
+              </a:fillRef>
+              <a:effectRef idx="0">
+                <a:srgbClr val="FFFFFF"/>
+              </a:effectRef>
+              <a:fontRef idx="minor">
+                <a:schemeClr val="lt1"/>
+              </a:fontRef>
+            </p:style>
+            <p:txBody>
+              <a:bodyPr rtlCol="0" anchor="ctr"/>
+              <a:lstStyle/>
+              <a:p>
+                <a:pPr algn="ctr"/>
+                <a:endParaRPr lang="en-US"/>
+              </a:p>
+            </p:txBody>
+          </p:sp>
+        </p:grpSp>
+        <p:grpSp>
+          <p:nvGrpSpPr>
+            <p:cNvPr id="13" name="Group 12"/>
+            <p:cNvGrpSpPr/>
+            <p:nvPr/>
+          </p:nvGrpSpPr>
+          <p:grpSpPr>
+            <a:xfrm>
+              <a:off x="5265420" y="1809750"/>
+              <a:ext cx="1584325" cy="120015"/>
+              <a:chOff x="13194" y="7713"/>
+              <a:chExt cx="2495" cy="189"/>
+            </a:xfrm>
+          </p:grpSpPr>
+          <p:cxnSp>
+            <p:nvCxnSpPr>
+              <p:cNvPr id="14" name="Straight Connector 13"/>
+              <p:cNvCxnSpPr/>
+              <p:nvPr/>
+            </p:nvCxnSpPr>
+            <p:spPr>
+              <a:xfrm>
+                <a:off x="13464" y="7808"/>
+                <a:ext cx="2225" cy="14"/>
+              </a:xfrm>
+              <a:prstGeom prst="line">
+                <a:avLst/>
+              </a:prstGeom>
+            </p:spPr>
+            <p:style>
+              <a:lnRef idx="2">
+                <a:schemeClr val="accent1"/>
+              </a:lnRef>
+              <a:fillRef idx="0">
+                <a:srgbClr val="FFFFFF"/>
+              </a:fillRef>
+              <a:effectRef idx="0">
+                <a:srgbClr val="FFFFFF"/>
+              </a:effectRef>
+              <a:fontRef idx="minor">
+                <a:schemeClr val="tx1"/>
+              </a:fontRef>
+            </p:style>
+          </p:cxnSp>
+          <p:sp>
+            <p:nvSpPr>
+              <p:cNvPr id="15" name="Parallelogram 14"/>
+              <p:cNvSpPr/>
+              <p:nvPr/>
+            </p:nvSpPr>
+            <p:spPr>
+              <a:xfrm rot="2280000">
+                <a:off x="13194" y="7713"/>
+                <a:ext cx="237" cy="189"/>
+              </a:xfrm>
+              <a:prstGeom prst="parallelogram">
+                <a:avLst/>
+              </a:prstGeom>
+              <a:solidFill>
+                <a:schemeClr val="bg1"/>
+              </a:solidFill>
+            </p:spPr>
+            <p:style>
+              <a:lnRef idx="2">
+                <a:schemeClr val="accent1">
+                  <a:lumMod val="75000"/>
+                </a:schemeClr>
+              </a:lnRef>
+              <a:fillRef idx="1">
+                <a:schemeClr val="accent1"/>
+              </a:fillRef>
+              <a:effectRef idx="0">
+                <a:srgbClr val="FFFFFF"/>
+              </a:effectRef>
+              <a:fontRef idx="minor">
+                <a:schemeClr val="lt1"/>
+              </a:fontRef>
+            </p:style>
+            <p:txBody>
+              <a:bodyPr rtlCol="0" anchor="ctr"/>
+              <a:lstStyle/>
+              <a:p>
+                <a:pPr algn="ctr"/>
+                <a:endParaRPr lang="en-US"/>
+              </a:p>
+            </p:txBody>
+          </p:sp>
+        </p:grpSp>
+        <p:grpSp>
+          <p:nvGrpSpPr>
+            <p:cNvPr id="16" name="Group 15"/>
+            <p:cNvGrpSpPr/>
+            <p:nvPr/>
+          </p:nvGrpSpPr>
+          <p:grpSpPr>
+            <a:xfrm>
+              <a:off x="8273415" y="1776095"/>
+              <a:ext cx="1309370" cy="120015"/>
+              <a:chOff x="13194" y="7713"/>
+              <a:chExt cx="2062" cy="189"/>
+            </a:xfrm>
+          </p:grpSpPr>
+          <p:cxnSp>
+            <p:nvCxnSpPr>
+              <p:cNvPr id="17" name="Straight Connector 16"/>
+              <p:cNvCxnSpPr/>
+              <p:nvPr/>
+            </p:nvCxnSpPr>
+            <p:spPr>
+              <a:xfrm>
+                <a:off x="13464" y="7808"/>
+                <a:ext cx="1792" cy="14"/>
+              </a:xfrm>
+              <a:prstGeom prst="line">
+                <a:avLst/>
+              </a:prstGeom>
+            </p:spPr>
+            <p:style>
+              <a:lnRef idx="2">
+                <a:schemeClr val="accent1"/>
+              </a:lnRef>
+              <a:fillRef idx="0">
+                <a:srgbClr val="FFFFFF"/>
+              </a:fillRef>
+              <a:effectRef idx="0">
+                <a:srgbClr val="FFFFFF"/>
+              </a:effectRef>
+              <a:fontRef idx="minor">
+                <a:schemeClr val="tx1"/>
+              </a:fontRef>
+            </p:style>
+          </p:cxnSp>
+          <p:sp>
+            <p:nvSpPr>
+              <p:cNvPr id="18" name="Parallelogram 17"/>
+              <p:cNvSpPr/>
+              <p:nvPr/>
+            </p:nvSpPr>
+            <p:spPr>
+              <a:xfrm rot="2280000">
+                <a:off x="13194" y="7713"/>
+                <a:ext cx="237" cy="189"/>
+              </a:xfrm>
+              <a:prstGeom prst="parallelogram">
+                <a:avLst/>
+              </a:prstGeom>
+              <a:solidFill>
+                <a:schemeClr val="bg1"/>
+              </a:solidFill>
+            </p:spPr>
+            <p:style>
+              <a:lnRef idx="2">
+                <a:schemeClr val="accent1">
+                  <a:lumMod val="75000"/>
+                </a:schemeClr>
+              </a:lnRef>
+              <a:fillRef idx="1">
+                <a:schemeClr val="accent1"/>
+              </a:fillRef>
+              <a:effectRef idx="0">
+                <a:srgbClr val="FFFFFF"/>
+              </a:effectRef>
+              <a:fontRef idx="minor">
+                <a:schemeClr val="lt1"/>
+              </a:fontRef>
+            </p:style>
+            <p:txBody>
+              <a:bodyPr rtlCol="0" anchor="ctr"/>
+              <a:lstStyle/>
+              <a:p>
+                <a:pPr algn="ctr"/>
+                <a:endParaRPr lang="en-US"/>
+              </a:p>
+            </p:txBody>
+          </p:sp>
+        </p:grpSp>
+        <p:sp>
+          <p:nvSpPr>
+            <p:cNvPr id="22" name="Rectangles 21"/>
+            <p:cNvSpPr/>
+            <p:nvPr/>
+          </p:nvSpPr>
+          <p:spPr>
+            <a:xfrm>
+              <a:off x="6849745" y="4135120"/>
+              <a:ext cx="1430020" cy="2349500"/>
+            </a:xfrm>
+            <a:prstGeom prst="rect">
+              <a:avLst/>
+            </a:prstGeom>
+          </p:spPr>
+          <p:style>
+            <a:lnRef idx="2">
+              <a:schemeClr val="accent1">
+                <a:lumMod val="75000"/>
+              </a:schemeClr>
+            </a:lnRef>
+            <a:fillRef idx="1">
+              <a:schemeClr val="accent1"/>
+            </a:fillRef>
+            <a:effectRef idx="0">
+              <a:srgbClr val="FFFFFF"/>
+            </a:effectRef>
+            <a:fontRef idx="minor">
+              <a:schemeClr val="lt1"/>
+            </a:fontRef>
+          </p:style>
+          <p:txBody>
+            <a:bodyPr rtlCol="0" anchor="ctr"/>
+            <a:lstStyle/>
+            <a:p>
+              <a:pPr algn="ctr"/>
+              <a:r>
+                <a:rPr lang="zh-CN" sz="1100"/>
+                <a:t>用户</a:t>
+              </a:r>
+            </a:p>
+            <a:p>
+              <a:pPr algn="ctr"/>
+              <a:r>
+                <a:rPr lang="en-US" altLang="zh-CN" sz="1100"/>
+                <a:t>——————</a:t>
+              </a:r>
+            </a:p>
+            <a:p>
+              <a:pPr algn="ctr"/>
+              <a:r>
+                <a:rPr lang="zh-CN" altLang="en-US" sz="1100"/>
+                <a:t>用户号</a:t>
+              </a:r>
+            </a:p>
+            <a:p>
+              <a:pPr algn="ctr"/>
+              <a:r>
+                <a:rPr lang="zh-CN" altLang="en-US" sz="1100"/>
+                <a:t>用户名称</a:t>
+              </a:r>
+            </a:p>
+            <a:p>
+              <a:pPr algn="ctr"/>
+              <a:r>
+                <a:rPr lang="en-US" altLang="zh-CN" sz="1100"/>
+                <a:t>——————</a:t>
+              </a:r>
+            </a:p>
+            <a:p>
+              <a:pPr algn="ctr"/>
+              <a:r>
+                <a:rPr lang="zh-CN" altLang="en-US" sz="1100"/>
+                <a:t>退出登录</a:t>
+              </a:r>
+            </a:p>
+          </p:txBody>
+        </p:sp>
+        <p:cxnSp>
+          <p:nvCxnSpPr>
+            <p:cNvPr id="23" name="Straight Arrow Connector 22"/>
+            <p:cNvCxnSpPr/>
+            <p:nvPr/>
+          </p:nvCxnSpPr>
+          <p:spPr>
+            <a:xfrm flipH="1" flipV="1">
+              <a:off x="2281555" y="2998470"/>
+              <a:ext cx="4538345" cy="1249680"/>
+            </a:xfrm>
+            <a:prstGeom prst="straightConnector1">
+              <a:avLst/>
+            </a:prstGeom>
+            <a:ln w="6350" cap="flat" cmpd="sng" algn="ctr">
+              <a:solidFill>
+                <a:schemeClr val="accent1"/>
+              </a:solidFill>
+              <a:prstDash val="dash"/>
+              <a:miter lim="800000"/>
+              <a:tailEnd type="arrow" w="med" len="med"/>
+            </a:ln>
+          </p:spPr>
+          <p:style>
+            <a:lnRef idx="0">
+              <a:schemeClr val="accent1"/>
+            </a:lnRef>
+            <a:fillRef idx="0">
+              <a:srgbClr val="FFFFFF"/>
+            </a:fillRef>
+            <a:effectRef idx="0">
+              <a:srgbClr val="FFFFFF"/>
+            </a:effectRef>
+            <a:fontRef idx="minor">
+              <a:schemeClr val="tx1"/>
+            </a:fontRef>
+          </p:style>
+        </p:cxnSp>
+        <p:cxnSp>
+          <p:nvCxnSpPr>
+            <p:cNvPr id="24" name="Straight Arrow Connector 23"/>
+            <p:cNvCxnSpPr/>
+            <p:nvPr/>
+          </p:nvCxnSpPr>
+          <p:spPr>
+            <a:xfrm flipH="1" flipV="1">
+              <a:off x="5270500" y="2978785"/>
+              <a:ext cx="1639570" cy="1319530"/>
+            </a:xfrm>
+            <a:prstGeom prst="straightConnector1">
+              <a:avLst/>
+            </a:prstGeom>
+            <a:ln w="6350" cap="flat" cmpd="sng" algn="ctr">
+              <a:solidFill>
+                <a:schemeClr val="accent1"/>
+              </a:solidFill>
+              <a:prstDash val="dash"/>
+              <a:miter lim="800000"/>
+              <a:tailEnd type="arrow" w="med" len="med"/>
+            </a:ln>
+          </p:spPr>
+          <p:style>
+            <a:lnRef idx="0">
+              <a:schemeClr val="accent1"/>
+            </a:lnRef>
+            <a:fillRef idx="0">
+              <a:srgbClr val="FFFFFF"/>
+            </a:fillRef>
+            <a:effectRef idx="0">
+              <a:srgbClr val="FFFFFF"/>
+            </a:effectRef>
+            <a:fontRef idx="minor">
+              <a:schemeClr val="tx1"/>
+            </a:fontRef>
+          </p:style>
+        </p:cxnSp>
+        <p:cxnSp>
+          <p:nvCxnSpPr>
+            <p:cNvPr id="25" name="Straight Arrow Connector 24"/>
+            <p:cNvCxnSpPr/>
+            <p:nvPr/>
+          </p:nvCxnSpPr>
+          <p:spPr>
+            <a:xfrm flipH="1">
+              <a:off x="5280660" y="4298315"/>
+              <a:ext cx="1609090" cy="489585"/>
+            </a:xfrm>
+            <a:prstGeom prst="straightConnector1">
+              <a:avLst/>
+            </a:prstGeom>
+            <a:ln w="6350" cap="flat" cmpd="sng" algn="ctr">
+              <a:solidFill>
+                <a:schemeClr val="accent1"/>
+              </a:solidFill>
+              <a:prstDash val="dash"/>
+              <a:miter lim="800000"/>
+              <a:tailEnd type="arrow" w="med" len="med"/>
+            </a:ln>
+          </p:spPr>
+          <p:style>
+            <a:lnRef idx="0">
+              <a:schemeClr val="accent1"/>
+            </a:lnRef>
+            <a:fillRef idx="0">
+              <a:srgbClr val="FFFFFF"/>
+            </a:fillRef>
+            <a:effectRef idx="0">
+              <a:srgbClr val="FFFFFF"/>
+            </a:effectRef>
+            <a:fontRef idx="minor">
+              <a:schemeClr val="tx1"/>
+            </a:fontRef>
+          </p:style>
+        </p:cxnSp>
+        <p:cxnSp>
+          <p:nvCxnSpPr>
+            <p:cNvPr id="26" name="Straight Arrow Connector 25"/>
+            <p:cNvCxnSpPr>
+              <a:stCxn id="22" idx="0"/>
+              <a:endCxn id="6" idx="2"/>
+            </p:cNvCxnSpPr>
+            <p:nvPr/>
+          </p:nvCxnSpPr>
+          <p:spPr>
+            <a:xfrm flipH="1" flipV="1">
+              <a:off x="7544435" y="3168650"/>
+              <a:ext cx="20320" cy="966470"/>
+            </a:xfrm>
+            <a:prstGeom prst="straightConnector1">
+              <a:avLst/>
+            </a:prstGeom>
+            <a:ln w="6350" cap="flat" cmpd="sng" algn="ctr">
+              <a:solidFill>
+                <a:schemeClr val="accent1"/>
+              </a:solidFill>
+              <a:prstDash val="dash"/>
+              <a:miter lim="800000"/>
+              <a:tailEnd type="arrow" w="med" len="med"/>
+            </a:ln>
+          </p:spPr>
+          <p:style>
+            <a:lnRef idx="0">
+              <a:schemeClr val="accent1"/>
+            </a:lnRef>
+            <a:fillRef idx="0">
+              <a:srgbClr val="FFFFFF"/>
+            </a:fillRef>
+            <a:effectRef idx="0">
+              <a:srgbClr val="FFFFFF"/>
+            </a:effectRef>
+            <a:fontRef idx="minor">
+              <a:schemeClr val="tx1"/>
+            </a:fontRef>
+          </p:style>
+        </p:cxnSp>
+        <p:cxnSp>
+          <p:nvCxnSpPr>
+            <p:cNvPr id="27" name="Straight Arrow Connector 26"/>
+            <p:cNvCxnSpPr>
+              <a:endCxn id="7" idx="2"/>
+            </p:cNvCxnSpPr>
+            <p:nvPr/>
+          </p:nvCxnSpPr>
+          <p:spPr>
+            <a:xfrm flipV="1">
+              <a:off x="7609840" y="3359150"/>
+              <a:ext cx="3035935" cy="749300"/>
+            </a:xfrm>
+            <a:prstGeom prst="straightConnector1">
+              <a:avLst/>
+            </a:prstGeom>
+            <a:ln w="6350" cap="flat" cmpd="sng" algn="ctr">
+              <a:solidFill>
+                <a:schemeClr val="accent1"/>
+              </a:solidFill>
+              <a:prstDash val="dash"/>
+              <a:miter lim="800000"/>
+              <a:tailEnd type="arrow" w="med" len="med"/>
+            </a:ln>
+          </p:spPr>
+          <p:style>
+            <a:lnRef idx="0">
+              <a:schemeClr val="accent1"/>
+            </a:lnRef>
+            <a:fillRef idx="0">
+              <a:srgbClr val="FFFFFF"/>
+            </a:fillRef>
+            <a:effectRef idx="0">
+              <a:srgbClr val="FFFFFF"/>
+            </a:effectRef>
+            <a:fontRef idx="minor">
+              <a:schemeClr val="tx1"/>
+            </a:fontRef>
+          </p:style>
+        </p:cxnSp>
+        <p:cxnSp>
+          <p:nvCxnSpPr>
+            <p:cNvPr id="28" name="Straight Arrow Connector 27"/>
+            <p:cNvCxnSpPr>
+              <a:stCxn id="5" idx="2"/>
+              <a:endCxn id="8" idx="0"/>
+            </p:cNvCxnSpPr>
+            <p:nvPr/>
+          </p:nvCxnSpPr>
+          <p:spPr>
+            <a:xfrm>
+              <a:off x="4550410" y="3168650"/>
+              <a:ext cx="0" cy="966470"/>
+            </a:xfrm>
+            <a:prstGeom prst="straightConnector1">
+              <a:avLst/>
+            </a:prstGeom>
+            <a:ln w="6350" cap="flat" cmpd="sng" algn="ctr">
+              <a:solidFill>
+                <a:schemeClr val="accent1"/>
+              </a:solidFill>
+              <a:prstDash val="dash"/>
+              <a:miter lim="800000"/>
+              <a:tailEnd type="arrow" w="med" len="med"/>
+            </a:ln>
+          </p:spPr>
+          <p:style>
+            <a:lnRef idx="0">
+              <a:schemeClr val="accent1"/>
+            </a:lnRef>
+            <a:fillRef idx="0">
+              <a:srgbClr val="FFFFFF"/>
+            </a:fillRef>
+            <a:effectRef idx="0">
+              <a:srgbClr val="FFFFFF"/>
+            </a:effectRef>
+            <a:fontRef idx="minor">
+              <a:schemeClr val="tx1"/>
+            </a:fontRef>
+          </p:style>
+        </p:cxnSp>
+      </p:grpSp>
+      <p:sp>
+        <p:nvSpPr>
+          <p:cNvPr id="3" name="Rectangles 3">
+            <a:extLst>
+              <a:ext uri="{FF2B5EF4-FFF2-40B4-BE49-F238E27FC236}">
+                <a16:creationId xmlns:a16="http://schemas.microsoft.com/office/drawing/2014/main" id="{488FB045-2879-A206-CD1C-C7771DC1A473}"/>
+              </a:ext>
+            </a:extLst>
+          </p:cNvPr>
+          <p:cNvSpPr/>
+          <p:nvPr/>
+        </p:nvSpPr>
+        <p:spPr>
+          <a:xfrm>
+            <a:off x="3325018" y="196452"/>
+            <a:ext cx="1061182" cy="1498415"/>
+          </a:xfrm>
+          <a:prstGeom prst="rect">
+            <a:avLst/>
+          </a:prstGeom>
+        </p:spPr>
+        <p:style>
+          <a:lnRef idx="2">
+            <a:schemeClr val="accent1">
+              <a:lumMod val="75000"/>
+            </a:schemeClr>
+          </a:lnRef>
+          <a:fillRef idx="1">
+            <a:schemeClr val="accent1"/>
+          </a:fillRef>
+          <a:effectRef idx="0">
+            <a:srgbClr val="FFFFFF"/>
+          </a:effectRef>
+          <a:fontRef idx="minor">
+            <a:schemeClr val="lt1"/>
+          </a:fontRef>
+        </p:style>
+        <p:txBody>
+          <a:bodyPr rtlCol="0" anchor="ctr"/>
+          <a:lstStyle/>
+          <a:p>
+            <a:pPr algn="ctr"/>
+            <a:r>
+              <a:rPr lang="zh-CN" sz="1100"/>
+              <a:t>楼</a:t>
+            </a:r>
+            <a:r>
+              <a:rPr lang="zh-CN" altLang="en-US" sz="1100"/>
+              <a:t>内部界面</a:t>
+            </a:r>
+            <a:endParaRPr lang="zh-CN" sz="1100"/>
+          </a:p>
+          <a:p>
+            <a:pPr algn="ctr"/>
+            <a:r>
+              <a:rPr lang="en-US" altLang="zh-CN" sz="1100"/>
+              <a:t>——————</a:t>
+            </a:r>
+          </a:p>
+          <a:p>
+            <a:pPr algn="ctr"/>
+            <a:r>
+              <a:rPr lang="zh-CN" altLang="en-US" sz="1100"/>
+              <a:t>楼名称</a:t>
+            </a:r>
+          </a:p>
+          <a:p>
+            <a:pPr algn="ctr"/>
+            <a:r>
+              <a:rPr lang="en-US" altLang="zh-CN" sz="1100"/>
+              <a:t>——————</a:t>
+            </a:r>
+            <a:endParaRPr lang="zh-CN" altLang="en-US" sz="1100"/>
+          </a:p>
+          <a:p>
+            <a:pPr algn="ctr"/>
+            <a:r>
+              <a:rPr lang="zh-CN" altLang="en-US" sz="1100"/>
+              <a:t>离开楼</a:t>
+            </a:r>
+          </a:p>
+        </p:txBody>
+      </p:sp>
+      <p:sp>
+        <p:nvSpPr>
+          <p:cNvPr id="10" name="Rectangles 3">
+            <a:extLst>
+              <a:ext uri="{FF2B5EF4-FFF2-40B4-BE49-F238E27FC236}">
+                <a16:creationId xmlns:a16="http://schemas.microsoft.com/office/drawing/2014/main" id="{E90B939D-96D1-BB65-2EC2-AD1F8CCC3626}"/>
+              </a:ext>
+            </a:extLst>
+          </p:cNvPr>
+          <p:cNvSpPr/>
+          <p:nvPr/>
+        </p:nvSpPr>
+        <p:spPr>
+          <a:xfrm>
+            <a:off x="5504526" y="171141"/>
+            <a:ext cx="1061182" cy="1498415"/>
+          </a:xfrm>
+          <a:prstGeom prst="rect">
+            <a:avLst/>
+          </a:prstGeom>
+        </p:spPr>
+        <p:style>
+          <a:lnRef idx="2">
+            <a:schemeClr val="accent1">
+              <a:lumMod val="75000"/>
+            </a:schemeClr>
+          </a:lnRef>
+          <a:fillRef idx="1">
+            <a:schemeClr val="accent1"/>
+          </a:fillRef>
+          <a:effectRef idx="0">
+            <a:srgbClr val="FFFFFF"/>
+          </a:effectRef>
+          <a:fontRef idx="minor">
+            <a:schemeClr val="lt1"/>
+          </a:fontRef>
+        </p:style>
+        <p:txBody>
+          <a:bodyPr rtlCol="0" anchor="ctr"/>
+          <a:lstStyle/>
+          <a:p>
+            <a:pPr algn="ctr"/>
+            <a:r>
+              <a:rPr lang="zh-CN" altLang="en-US" sz="1100"/>
+              <a:t>教室内部界面</a:t>
+            </a:r>
+            <a:endParaRPr lang="zh-CN" sz="1100"/>
+          </a:p>
+          <a:p>
+            <a:pPr algn="ctr"/>
+            <a:r>
+              <a:rPr lang="en-US" altLang="zh-CN" sz="1100"/>
+              <a:t>——————</a:t>
+            </a:r>
+            <a:endParaRPr lang="zh-CN" altLang="en-US" sz="1100"/>
+          </a:p>
+          <a:p>
+            <a:pPr algn="ctr"/>
+            <a:r>
+              <a:rPr lang="zh-CN" altLang="en-US" sz="1100"/>
+              <a:t>教室名称</a:t>
+            </a:r>
+          </a:p>
+          <a:p>
+            <a:pPr algn="ctr"/>
+            <a:r>
+              <a:rPr lang="en-US" altLang="zh-CN" sz="1100"/>
+              <a:t>——————</a:t>
+            </a:r>
+          </a:p>
+          <a:p>
+            <a:pPr algn="ctr"/>
+            <a:r>
+              <a:rPr lang="zh-CN" altLang="en-US" sz="1100"/>
+              <a:t>进入</a:t>
+            </a:r>
+            <a:r>
+              <a:rPr lang="zh-CN" altLang="en-US" sz="1100">
+                <a:sym typeface="+mn-ea"/>
+              </a:rPr>
+              <a:t>教室</a:t>
+            </a:r>
+            <a:endParaRPr lang="zh-CN" altLang="en-US" sz="1100"/>
+          </a:p>
+          <a:p>
+            <a:pPr algn="ctr"/>
+            <a:r>
+              <a:rPr lang="zh-CN" altLang="en-US" sz="1100"/>
+              <a:t>离开</a:t>
+            </a:r>
+            <a:r>
+              <a:rPr lang="zh-CN" altLang="en-US" sz="1100">
+                <a:sym typeface="+mn-ea"/>
+              </a:rPr>
+              <a:t>教室</a:t>
+            </a:r>
+          </a:p>
+          <a:p>
+            <a:pPr algn="ctr"/>
+            <a:r>
+              <a:rPr lang="zh-CN" altLang="en-US" sz="1100"/>
+              <a:t>进入讨论板</a:t>
+            </a:r>
+          </a:p>
+        </p:txBody>
+      </p:sp>
+      <p:sp>
+        <p:nvSpPr>
+          <p:cNvPr id="19" name="Rectangles 3">
+            <a:extLst>
+              <a:ext uri="{FF2B5EF4-FFF2-40B4-BE49-F238E27FC236}">
+                <a16:creationId xmlns:a16="http://schemas.microsoft.com/office/drawing/2014/main" id="{539CC62E-25BA-6ED6-6593-02BD57142D65}"/>
+              </a:ext>
+            </a:extLst>
+          </p:cNvPr>
+          <p:cNvSpPr/>
+          <p:nvPr/>
+        </p:nvSpPr>
+        <p:spPr>
+          <a:xfrm>
+            <a:off x="7860087" y="131498"/>
+            <a:ext cx="1061182" cy="1498415"/>
+          </a:xfrm>
+          <a:prstGeom prst="rect">
+            <a:avLst/>
+          </a:prstGeom>
+        </p:spPr>
+        <p:style>
+          <a:lnRef idx="2">
+            <a:schemeClr val="accent1">
+              <a:lumMod val="75000"/>
+            </a:schemeClr>
+          </a:lnRef>
+          <a:fillRef idx="1">
+            <a:schemeClr val="accent1"/>
+          </a:fillRef>
+          <a:effectRef idx="0">
+            <a:srgbClr val="FFFFFF"/>
+          </a:effectRef>
+          <a:fontRef idx="minor">
+            <a:schemeClr val="lt1"/>
+          </a:fontRef>
+        </p:style>
+        <p:txBody>
+          <a:bodyPr rtlCol="0" anchor="ctr"/>
+          <a:lstStyle/>
+          <a:p>
+            <a:pPr algn="ctr"/>
+            <a:r>
+              <a:rPr lang="zh-CN" altLang="en-US" sz="1100"/>
+              <a:t>座位界面</a:t>
+            </a:r>
+            <a:endParaRPr lang="zh-CN" sz="1100"/>
+          </a:p>
+          <a:p>
+            <a:pPr algn="ctr"/>
+            <a:r>
+              <a:rPr lang="en-US" altLang="zh-CN" sz="1100"/>
+              <a:t>——————</a:t>
+            </a:r>
+          </a:p>
+          <a:p>
+            <a:pPr algn="ctr"/>
+            <a:r>
+              <a:rPr lang="zh-CN" altLang="en-US" sz="1100"/>
+              <a:t>座位号</a:t>
+            </a:r>
+          </a:p>
+          <a:p>
+            <a:pPr algn="ctr"/>
+            <a:r>
+              <a:rPr lang="en-US" altLang="zh-CN" sz="1100"/>
+              <a:t>——————</a:t>
+            </a:r>
+          </a:p>
+          <a:p>
+            <a:pPr algn="ctr"/>
+            <a:r>
+              <a:rPr lang="zh-CN" altLang="en-US" sz="1100"/>
+              <a:t>离开</a:t>
+            </a:r>
+            <a:r>
+              <a:rPr lang="zh-CN" altLang="en-US" sz="1100">
+                <a:sym typeface="+mn-ea"/>
+              </a:rPr>
+              <a:t>座位</a:t>
+            </a:r>
+            <a:endParaRPr lang="zh-CN" altLang="en-US" sz="1100"/>
+          </a:p>
+        </p:txBody>
+      </p:sp>
+      <p:sp>
+        <p:nvSpPr>
+          <p:cNvPr id="20" name="Rectangles 3">
+            <a:extLst>
+              <a:ext uri="{FF2B5EF4-FFF2-40B4-BE49-F238E27FC236}">
+                <a16:creationId xmlns:a16="http://schemas.microsoft.com/office/drawing/2014/main" id="{CCCC31E5-E66B-2EBB-0E6B-4850E3E62303}"/>
+              </a:ext>
+            </a:extLst>
+          </p:cNvPr>
+          <p:cNvSpPr/>
+          <p:nvPr/>
+        </p:nvSpPr>
+        <p:spPr>
+          <a:xfrm>
+            <a:off x="10027507" y="126472"/>
+            <a:ext cx="1061182" cy="1543084"/>
+          </a:xfrm>
+          <a:prstGeom prst="rect">
+            <a:avLst/>
+          </a:prstGeom>
+        </p:spPr>
+        <p:style>
+          <a:lnRef idx="2">
+            <a:schemeClr val="accent1">
+              <a:lumMod val="75000"/>
+            </a:schemeClr>
+          </a:lnRef>
+          <a:fillRef idx="1">
+            <a:schemeClr val="accent1"/>
+          </a:fillRef>
+          <a:effectRef idx="0">
+            <a:srgbClr val="FFFFFF"/>
+          </a:effectRef>
+          <a:fontRef idx="minor">
+            <a:schemeClr val="lt1"/>
+          </a:fontRef>
+        </p:style>
+        <p:txBody>
+          <a:bodyPr rtlCol="0" anchor="ctr"/>
+          <a:lstStyle/>
+          <a:p>
+            <a:pPr algn="ctr"/>
+            <a:r>
+              <a:rPr lang="zh-CN" altLang="en-US" sz="1100"/>
+              <a:t>专注自习界面</a:t>
+            </a:r>
+            <a:endParaRPr lang="zh-CN" sz="1100"/>
+          </a:p>
+          <a:p>
+            <a:pPr algn="ctr"/>
+            <a:r>
+              <a:rPr lang="en-US" altLang="zh-CN" sz="1100"/>
+              <a:t>——————</a:t>
+            </a:r>
+          </a:p>
+          <a:p>
+            <a:pPr algn="ctr"/>
+            <a:r>
+              <a:rPr lang="zh-CN" altLang="en-US" sz="1100"/>
+              <a:t>自习时间</a:t>
+            </a:r>
+            <a:endParaRPr lang="en-US" altLang="zh-CN" sz="1100"/>
+          </a:p>
+          <a:p>
+            <a:pPr algn="ctr"/>
+            <a:r>
+              <a:rPr lang="zh-CN" altLang="en-US" sz="1100"/>
+              <a:t>休息时间</a:t>
+            </a:r>
+            <a:endParaRPr lang="en-US" altLang="zh-CN" sz="1100"/>
+          </a:p>
+          <a:p>
+            <a:pPr algn="ctr"/>
+            <a:r>
+              <a:rPr lang="zh-CN" altLang="en-US" sz="1100"/>
+              <a:t>周期数</a:t>
+            </a:r>
+            <a:endParaRPr lang="en-US" altLang="zh-CN" sz="1100"/>
+          </a:p>
+          <a:p>
+            <a:pPr algn="ctr"/>
+            <a:r>
+              <a:rPr lang="en-US" altLang="zh-CN" sz="1100"/>
+              <a:t>——————</a:t>
+            </a:r>
+          </a:p>
+          <a:p>
+            <a:pPr algn="ctr"/>
+            <a:r>
+              <a:rPr lang="zh-CN" altLang="en-US" sz="1100"/>
+              <a:t>设置计划信息</a:t>
+            </a:r>
+          </a:p>
+          <a:p>
+            <a:pPr algn="ctr"/>
+            <a:r>
+              <a:rPr lang="zh-CN" altLang="en-US" sz="1100"/>
+              <a:t>开始自习</a:t>
+            </a:r>
+          </a:p>
+          <a:p>
+            <a:pPr algn="ctr"/>
+            <a:r>
+              <a:rPr lang="zh-CN" altLang="en-US" sz="1100"/>
+              <a:t>结束自习</a:t>
+            </a:r>
+          </a:p>
+        </p:txBody>
+      </p:sp>
+      <p:sp>
+        <p:nvSpPr>
+          <p:cNvPr id="21" name="Rectangles 3">
+            <a:extLst>
+              <a:ext uri="{FF2B5EF4-FFF2-40B4-BE49-F238E27FC236}">
+                <a16:creationId xmlns:a16="http://schemas.microsoft.com/office/drawing/2014/main" id="{B3EA2B5A-F290-3332-12F9-ABD34DE9F47C}"/>
+              </a:ext>
+            </a:extLst>
+          </p:cNvPr>
+          <p:cNvSpPr/>
+          <p:nvPr/>
+        </p:nvSpPr>
+        <p:spPr>
+          <a:xfrm>
+            <a:off x="3466510" y="4844402"/>
+            <a:ext cx="1061182" cy="1498415"/>
+          </a:xfrm>
+          <a:prstGeom prst="rect">
+            <a:avLst/>
+          </a:prstGeom>
+        </p:spPr>
+        <p:style>
+          <a:lnRef idx="2">
+            <a:schemeClr val="accent1">
+              <a:lumMod val="75000"/>
+            </a:schemeClr>
+          </a:lnRef>
+          <a:fillRef idx="1">
+            <a:schemeClr val="accent1"/>
+          </a:fillRef>
+          <a:effectRef idx="0">
+            <a:srgbClr val="FFFFFF"/>
+          </a:effectRef>
+          <a:fontRef idx="minor">
+            <a:schemeClr val="lt1"/>
+          </a:fontRef>
+        </p:style>
+        <p:txBody>
+          <a:bodyPr rtlCol="0" anchor="ctr"/>
+          <a:lstStyle/>
+          <a:p>
+            <a:pPr algn="ctr"/>
+            <a:r>
+              <a:rPr lang="zh-CN" altLang="en-US" sz="1100"/>
+              <a:t>讨论板界面</a:t>
+            </a:r>
+            <a:endParaRPr lang="zh-CN" sz="1100"/>
+          </a:p>
+          <a:p>
+            <a:pPr algn="ctr"/>
+            <a:r>
+              <a:rPr lang="en-US" altLang="zh-CN" sz="1100"/>
+              <a:t>——————</a:t>
+            </a:r>
+          </a:p>
+          <a:p>
+            <a:pPr algn="ctr"/>
+            <a:r>
+              <a:rPr lang="zh-CN" altLang="en-US" sz="1100"/>
+              <a:t>楼号</a:t>
+            </a:r>
+          </a:p>
+          <a:p>
+            <a:pPr algn="ctr"/>
+            <a:r>
+              <a:rPr lang="zh-CN" altLang="en-US" sz="1100"/>
+              <a:t>楼名称</a:t>
+            </a:r>
+          </a:p>
+          <a:p>
+            <a:pPr algn="ctr"/>
+            <a:r>
+              <a:rPr lang="en-US" altLang="zh-CN" sz="1100"/>
+              <a:t>——————</a:t>
+            </a:r>
+          </a:p>
+          <a:p>
+            <a:pPr algn="ctr"/>
+            <a:r>
+              <a:rPr lang="zh-CN" altLang="en-US" sz="1100"/>
+              <a:t>离开讨论板</a:t>
+            </a:r>
+          </a:p>
+        </p:txBody>
+      </p:sp>
+      <p:cxnSp>
+        <p:nvCxnSpPr>
+          <p:cNvPr id="29" name="Straight Arrow Connector 22">
+            <a:extLst>
+              <a:ext uri="{FF2B5EF4-FFF2-40B4-BE49-F238E27FC236}">
+                <a16:creationId xmlns:a16="http://schemas.microsoft.com/office/drawing/2014/main" id="{23082550-ED32-5A6A-BAE1-1343BCD17030}"/>
+              </a:ext>
+            </a:extLst>
+          </p:cNvPr>
+          <p:cNvCxnSpPr>
+            <a:cxnSpLocks/>
+            <a:stCxn id="3" idx="2"/>
+            <a:endCxn id="4" idx="0"/>
+          </p:cNvCxnSpPr>
+          <p:nvPr/>
+        </p:nvCxnSpPr>
+        <p:spPr>
+          <a:xfrm flipH="1">
+            <a:off x="3813326" y="1694867"/>
+            <a:ext cx="42283" cy="1051754"/>
+          </a:xfrm>
+          <a:prstGeom prst="straightConnector1">
+            <a:avLst/>
+          </a:prstGeom>
+          <a:ln w="6350" cap="flat" cmpd="sng" algn="ctr">
+            <a:solidFill>
+              <a:schemeClr val="accent1"/>
+            </a:solidFill>
+            <a:prstDash val="dash"/>
+            <a:miter lim="800000"/>
+            <a:tailEnd type="arrow" w="med" len="med"/>
+          </a:ln>
+        </p:spPr>
+        <p:style>
+          <a:lnRef idx="0">
+            <a:schemeClr val="accent1"/>
+          </a:lnRef>
+          <a:fillRef idx="0">
+            <a:srgbClr val="FFFFFF"/>
+          </a:fillRef>
+          <a:effectRef idx="0">
+            <a:srgbClr val="FFFFFF"/>
+          </a:effectRef>
+          <a:fontRef idx="minor">
+            <a:schemeClr val="tx1"/>
+          </a:fontRef>
+        </p:style>
+      </p:cxnSp>
+      <p:cxnSp>
+        <p:nvCxnSpPr>
+          <p:cNvPr id="35" name="Straight Arrow Connector 22">
+            <a:extLst>
+              <a:ext uri="{FF2B5EF4-FFF2-40B4-BE49-F238E27FC236}">
+                <a16:creationId xmlns:a16="http://schemas.microsoft.com/office/drawing/2014/main" id="{F2475247-0D59-CC93-11F3-569DC2BD45E9}"/>
+              </a:ext>
+            </a:extLst>
+          </p:cNvPr>
+          <p:cNvCxnSpPr>
+            <a:cxnSpLocks/>
+          </p:cNvCxnSpPr>
+          <p:nvPr/>
+        </p:nvCxnSpPr>
+        <p:spPr>
+          <a:xfrm flipH="1">
+            <a:off x="6053717" y="1716417"/>
+            <a:ext cx="42283" cy="1051754"/>
+          </a:xfrm>
+          <a:prstGeom prst="straightConnector1">
+            <a:avLst/>
+          </a:prstGeom>
+          <a:ln w="6350" cap="flat" cmpd="sng" algn="ctr">
+            <a:solidFill>
+              <a:schemeClr val="accent1"/>
+            </a:solidFill>
+            <a:prstDash val="dash"/>
+            <a:miter lim="800000"/>
+            <a:tailEnd type="arrow" w="med" len="med"/>
+          </a:ln>
+        </p:spPr>
+        <p:style>
+          <a:lnRef idx="0">
+            <a:schemeClr val="accent1"/>
+          </a:lnRef>
+          <a:fillRef idx="0">
+            <a:srgbClr val="FFFFFF"/>
+          </a:fillRef>
+          <a:effectRef idx="0">
+            <a:srgbClr val="FFFFFF"/>
+          </a:effectRef>
+          <a:fontRef idx="minor">
+            <a:schemeClr val="tx1"/>
+          </a:fontRef>
+        </p:style>
+      </p:cxnSp>
+      <p:cxnSp>
+        <p:nvCxnSpPr>
+          <p:cNvPr id="36" name="Straight Arrow Connector 22">
+            <a:extLst>
+              <a:ext uri="{FF2B5EF4-FFF2-40B4-BE49-F238E27FC236}">
+                <a16:creationId xmlns:a16="http://schemas.microsoft.com/office/drawing/2014/main" id="{4C085770-9723-5BFD-1F6B-AE04F8973041}"/>
+              </a:ext>
+            </a:extLst>
+          </p:cNvPr>
+          <p:cNvCxnSpPr>
+            <a:cxnSpLocks/>
+            <a:stCxn id="19" idx="2"/>
+          </p:cNvCxnSpPr>
+          <p:nvPr/>
+        </p:nvCxnSpPr>
+        <p:spPr>
+          <a:xfrm flipH="1">
+            <a:off x="8263160" y="1629913"/>
+            <a:ext cx="127518" cy="1123826"/>
+          </a:xfrm>
+          <a:prstGeom prst="straightConnector1">
+            <a:avLst/>
+          </a:prstGeom>
+          <a:ln w="6350" cap="flat" cmpd="sng" algn="ctr">
+            <a:solidFill>
+              <a:schemeClr val="accent1"/>
+            </a:solidFill>
+            <a:prstDash val="dash"/>
+            <a:miter lim="800000"/>
+            <a:tailEnd type="arrow" w="med" len="med"/>
+          </a:ln>
+        </p:spPr>
+        <p:style>
+          <a:lnRef idx="0">
+            <a:schemeClr val="accent1"/>
+          </a:lnRef>
+          <a:fillRef idx="0">
+            <a:srgbClr val="FFFFFF"/>
+          </a:fillRef>
+          <a:effectRef idx="0">
+            <a:srgbClr val="FFFFFF"/>
+          </a:effectRef>
+          <a:fontRef idx="minor">
+            <a:schemeClr val="tx1"/>
+          </a:fontRef>
+        </p:style>
+      </p:cxnSp>
+      <p:cxnSp>
+        <p:nvCxnSpPr>
+          <p:cNvPr id="38" name="Straight Arrow Connector 22">
+            <a:extLst>
+              <a:ext uri="{FF2B5EF4-FFF2-40B4-BE49-F238E27FC236}">
+                <a16:creationId xmlns:a16="http://schemas.microsoft.com/office/drawing/2014/main" id="{94F846B2-455F-2681-5715-D1964CC7DDEE}"/>
+              </a:ext>
+            </a:extLst>
+          </p:cNvPr>
+          <p:cNvCxnSpPr>
+            <a:cxnSpLocks/>
+            <a:stCxn id="20" idx="2"/>
+          </p:cNvCxnSpPr>
+          <p:nvPr/>
+        </p:nvCxnSpPr>
+        <p:spPr>
+          <a:xfrm flipH="1">
+            <a:off x="10536696" y="1669556"/>
+            <a:ext cx="21402" cy="1084183"/>
+          </a:xfrm>
+          <a:prstGeom prst="straightConnector1">
+            <a:avLst/>
+          </a:prstGeom>
+          <a:ln w="6350" cap="flat" cmpd="sng" algn="ctr">
+            <a:solidFill>
+              <a:schemeClr val="accent1"/>
+            </a:solidFill>
+            <a:prstDash val="dash"/>
+            <a:miter lim="800000"/>
+            <a:tailEnd type="arrow" w="med" len="med"/>
+          </a:ln>
+        </p:spPr>
+        <p:style>
+          <a:lnRef idx="0">
+            <a:schemeClr val="accent1"/>
+          </a:lnRef>
+          <a:fillRef idx="0">
+            <a:srgbClr val="FFFFFF"/>
+          </a:fillRef>
+          <a:effectRef idx="0">
+            <a:srgbClr val="FFFFFF"/>
+          </a:effectRef>
+          <a:fontRef idx="minor">
+            <a:schemeClr val="tx1"/>
+          </a:fontRef>
+        </p:style>
+      </p:cxnSp>
+      <p:cxnSp>
+        <p:nvCxnSpPr>
+          <p:cNvPr id="40" name="Straight Arrow Connector 22">
+            <a:extLst>
+              <a:ext uri="{FF2B5EF4-FFF2-40B4-BE49-F238E27FC236}">
+                <a16:creationId xmlns:a16="http://schemas.microsoft.com/office/drawing/2014/main" id="{8EA3F7E5-2F64-5D2D-C54C-B095D6545AF5}"/>
+              </a:ext>
+            </a:extLst>
+          </p:cNvPr>
+          <p:cNvCxnSpPr>
+            <a:cxnSpLocks/>
+            <a:stCxn id="21" idx="3"/>
+            <a:endCxn id="8" idx="1"/>
+          </p:cNvCxnSpPr>
+          <p:nvPr/>
+        </p:nvCxnSpPr>
+        <p:spPr>
+          <a:xfrm>
+            <a:off x="4527692" y="5593610"/>
+            <a:ext cx="976834" cy="20249"/>
+          </a:xfrm>
+          <a:prstGeom prst="straightConnector1">
+            <a:avLst/>
+          </a:prstGeom>
+          <a:ln w="6350" cap="flat" cmpd="sng" algn="ctr">
+            <a:solidFill>
+              <a:schemeClr val="accent1"/>
+            </a:solidFill>
+            <a:prstDash val="dash"/>
+            <a:miter lim="800000"/>
+            <a:tailEnd type="arrow" w="med" len="med"/>
+          </a:ln>
+        </p:spPr>
+        <p:style>
+          <a:lnRef idx="0">
+            <a:schemeClr val="accent1"/>
+          </a:lnRef>
+          <a:fillRef idx="0">
+            <a:srgbClr val="FFFFFF"/>
+          </a:fillRef>
+          <a:effectRef idx="0">
+            <a:srgbClr val="FFFFFF"/>
+          </a:effectRef>
+          <a:fontRef idx="minor">
+            <a:schemeClr val="tx1"/>
+          </a:fontRef>
+        </p:style>
+      </p:cxnSp>
+      <p:sp>
+        <p:nvSpPr>
+          <p:cNvPr id="45" name="Rectangles 3">
+            <a:extLst>
+              <a:ext uri="{FF2B5EF4-FFF2-40B4-BE49-F238E27FC236}">
+                <a16:creationId xmlns:a16="http://schemas.microsoft.com/office/drawing/2014/main" id="{EAF57833-459A-197B-E8C5-E99A07050CD1}"/>
+              </a:ext>
+            </a:extLst>
+          </p:cNvPr>
+          <p:cNvSpPr/>
+          <p:nvPr/>
+        </p:nvSpPr>
+        <p:spPr>
+          <a:xfrm>
+            <a:off x="9738303" y="4860488"/>
+            <a:ext cx="1061182" cy="1498415"/>
+          </a:xfrm>
+          <a:prstGeom prst="rect">
+            <a:avLst/>
+          </a:prstGeom>
+        </p:spPr>
+        <p:style>
+          <a:lnRef idx="2">
+            <a:schemeClr val="accent1">
+              <a:lumMod val="75000"/>
+            </a:schemeClr>
+          </a:lnRef>
+          <a:fillRef idx="1">
+            <a:schemeClr val="accent1"/>
+          </a:fillRef>
+          <a:effectRef idx="0">
+            <a:srgbClr val="FFFFFF"/>
+          </a:effectRef>
+          <a:fontRef idx="minor">
+            <a:schemeClr val="lt1"/>
+          </a:fontRef>
+        </p:style>
+        <p:txBody>
+          <a:bodyPr rtlCol="0" anchor="ctr"/>
+          <a:lstStyle/>
+          <a:p>
+            <a:pPr algn="ctr"/>
+            <a:r>
+              <a:rPr lang="zh-CN" altLang="en-US" sz="1100"/>
+              <a:t>用户信息界面</a:t>
+            </a:r>
+            <a:endParaRPr lang="zh-CN" sz="1100"/>
+          </a:p>
+          <a:p>
+            <a:pPr algn="ctr"/>
+            <a:r>
+              <a:rPr lang="en-US" altLang="zh-CN" sz="1100"/>
+              <a:t>——————</a:t>
+            </a:r>
+          </a:p>
+          <a:p>
+            <a:pPr algn="ctr"/>
+            <a:endParaRPr lang="en-US" altLang="zh-CN" sz="1100"/>
+          </a:p>
+          <a:p>
+            <a:pPr algn="ctr"/>
+            <a:r>
+              <a:rPr lang="en-US" altLang="zh-CN" sz="1100"/>
+              <a:t>——————</a:t>
+            </a:r>
+          </a:p>
+          <a:p>
+            <a:pPr algn="ctr"/>
+            <a:r>
+              <a:rPr lang="zh-CN" altLang="en-US" sz="1100"/>
+              <a:t>离开用户信息界面</a:t>
+            </a:r>
+          </a:p>
+        </p:txBody>
+      </p:sp>
+      <p:cxnSp>
+        <p:nvCxnSpPr>
+          <p:cNvPr id="46" name="Straight Arrow Connector 22">
+            <a:extLst>
+              <a:ext uri="{FF2B5EF4-FFF2-40B4-BE49-F238E27FC236}">
+                <a16:creationId xmlns:a16="http://schemas.microsoft.com/office/drawing/2014/main" id="{445F69FA-9451-EC14-CA4E-119B564759A3}"/>
+              </a:ext>
+            </a:extLst>
+          </p:cNvPr>
+          <p:cNvCxnSpPr>
+            <a:cxnSpLocks/>
+            <a:stCxn id="45" idx="1"/>
+            <a:endCxn id="22" idx="3"/>
+          </p:cNvCxnSpPr>
+          <p:nvPr/>
+        </p:nvCxnSpPr>
+        <p:spPr>
+          <a:xfrm flipH="1">
+            <a:off x="8802577" y="5609696"/>
+            <a:ext cx="935726" cy="923"/>
+          </a:xfrm>
+          <a:prstGeom prst="straightConnector1">
+            <a:avLst/>
+          </a:prstGeom>
+          <a:ln w="6350" cap="flat" cmpd="sng" algn="ctr">
+            <a:solidFill>
+              <a:schemeClr val="accent1"/>
+            </a:solidFill>
+            <a:prstDash val="dash"/>
+            <a:miter lim="800000"/>
+            <a:tailEnd type="arrow" w="med" len="med"/>
+          </a:ln>
+        </p:spPr>
+        <p:style>
+          <a:lnRef idx="0">
+            <a:schemeClr val="accent1"/>
+          </a:lnRef>
+          <a:fillRef idx="0">
+            <a:srgbClr val="FFFFFF"/>
+          </a:fillRef>
+          <a:effectRef idx="0">
+            <a:srgbClr val="FFFFFF"/>
+          </a:effectRef>
+          <a:fontRef idx="minor">
+            <a:schemeClr val="tx1"/>
+          </a:fontRef>
+        </p:style>
+      </p:cxnSp>
+      <p:cxnSp>
+        <p:nvCxnSpPr>
+          <p:cNvPr id="31" name="直接连接符 30">
+            <a:extLst>
+              <a:ext uri="{FF2B5EF4-FFF2-40B4-BE49-F238E27FC236}">
+                <a16:creationId xmlns:a16="http://schemas.microsoft.com/office/drawing/2014/main" id="{71FC55BC-2D05-3605-FAA7-63DEFEAC8415}"/>
+              </a:ext>
+            </a:extLst>
+          </p:cNvPr>
+          <p:cNvCxnSpPr/>
+          <p:nvPr/>
+        </p:nvCxnSpPr>
+        <p:spPr>
+          <a:xfrm>
+            <a:off x="7860087" y="4860488"/>
+            <a:ext cx="0" cy="1498415"/>
+          </a:xfrm>
+          <a:prstGeom prst="line">
+            <a:avLst/>
+          </a:prstGeom>
+          <a:ln>
+            <a:solidFill>
+              <a:schemeClr val="tx1"/>
+            </a:solidFill>
+          </a:ln>
+        </p:spPr>
+        <p:style>
+          <a:lnRef idx="1">
+            <a:schemeClr val="accent1"/>
+          </a:lnRef>
+          <a:fillRef idx="0">
+            <a:schemeClr val="accent1"/>
+          </a:fillRef>
+          <a:effectRef idx="0">
+            <a:schemeClr val="accent1"/>
+          </a:effectRef>
+          <a:fontRef idx="minor">
+            <a:schemeClr val="tx1"/>
+          </a:fontRef>
+        </p:style>
+      </p:cxnSp>
+      <p:cxnSp>
+        <p:nvCxnSpPr>
+          <p:cNvPr id="32" name="直接连接符 31">
+            <a:extLst>
+              <a:ext uri="{FF2B5EF4-FFF2-40B4-BE49-F238E27FC236}">
+                <a16:creationId xmlns:a16="http://schemas.microsoft.com/office/drawing/2014/main" id="{A54F9741-B7DE-F743-90E2-7B11979814B7}"/>
+              </a:ext>
+            </a:extLst>
+          </p:cNvPr>
+          <p:cNvCxnSpPr/>
+          <p:nvPr/>
+        </p:nvCxnSpPr>
+        <p:spPr>
+          <a:xfrm>
+            <a:off x="8693163" y="4867891"/>
+            <a:ext cx="0" cy="1498415"/>
+          </a:xfrm>
+          <a:prstGeom prst="line">
+            <a:avLst/>
+          </a:prstGeom>
+          <a:ln>
+            <a:solidFill>
+              <a:schemeClr val="tx1"/>
+            </a:solidFill>
+          </a:ln>
+        </p:spPr>
+        <p:style>
+          <a:lnRef idx="1">
+            <a:schemeClr val="accent1"/>
+          </a:lnRef>
+          <a:fillRef idx="0">
+            <a:schemeClr val="accent1"/>
+          </a:fillRef>
+          <a:effectRef idx="0">
+            <a:schemeClr val="accent1"/>
+          </a:effectRef>
+          <a:fontRef idx="minor">
+            <a:schemeClr val="tx1"/>
+          </a:fontRef>
+        </p:style>
+      </p:cxnSp>
+      <p:sp>
+        <p:nvSpPr>
+          <p:cNvPr id="37" name="文本框 36">
+            <a:extLst>
+              <a:ext uri="{FF2B5EF4-FFF2-40B4-BE49-F238E27FC236}">
+                <a16:creationId xmlns:a16="http://schemas.microsoft.com/office/drawing/2014/main" id="{82FF3DBF-BAC5-17B9-89B8-36EC6A74196C}"/>
+              </a:ext>
+            </a:extLst>
+          </p:cNvPr>
+          <p:cNvSpPr txBox="1"/>
+          <p:nvPr/>
+        </p:nvSpPr>
+        <p:spPr>
+          <a:xfrm>
+            <a:off x="673586" y="1629913"/>
+            <a:ext cx="2130560" cy="369332"/>
+          </a:xfrm>
+          <a:prstGeom prst="rect">
+            <a:avLst/>
+          </a:prstGeom>
+          <a:noFill/>
+        </p:spPr>
+        <p:txBody>
+          <a:bodyPr wrap="square" rtlCol="0">
+            <a:spAutoFit/>
+          </a:bodyPr>
+          <a:lstStyle/>
+          <a:p>
+            <a:r>
+              <a:rPr lang="zh-CN" altLang="en-US"/>
+              <a:t>主动类仅有“用户”</a:t>
+            </a:r>
+          </a:p>
+        </p:txBody>
+      </p:sp>
+    </p:spTree>
+    <p:extLst>
+      <p:ext uri="{BB962C8B-B14F-4D97-AF65-F5344CB8AC3E}">
+        <p14:creationId xmlns:p14="http://schemas.microsoft.com/office/powerpoint/2010/main" val="3937339237"/>
+      </p:ext>
+    </p:extLst>
+  </p:cSld>
+  <p:clrMapOvr>
+    <a:masterClrMapping/>
+  </p:clrMapOvr>
+</p:sld>
+</file>
+
+<file path=ppt/slides/slide7.xml><?xml version="1.0" encoding="utf-8"?>
+<p:sld xmlns:a="http://schemas.openxmlformats.org/drawingml/2006/main" xmlns:r="http://schemas.openxmlformats.org/officeDocument/2006/relationships" xmlns:p="http://schemas.openxmlformats.org/presentationml/2006/main">
+  <p:cSld>
+    <p:spTree>
+      <p:nvGrpSpPr>
+        <p:cNvPr id="1" name=""/>
+        <p:cNvGrpSpPr/>
+        <p:nvPr/>
+      </p:nvGrpSpPr>
+      <p:grpSpPr>
+        <a:xfrm>
+          <a:off x="0" y="0"/>
+          <a:ext cx="0" cy="0"/>
+          <a:chOff x="0" y="0"/>
+          <a:chExt cx="0" cy="0"/>
+        </a:xfrm>
+      </p:grpSpPr>
+      <p:sp>
+        <p:nvSpPr>
+          <p:cNvPr id="93" name="矩形 92">
+            <a:extLst>
+              <a:ext uri="{FF2B5EF4-FFF2-40B4-BE49-F238E27FC236}">
+                <a16:creationId xmlns:a16="http://schemas.microsoft.com/office/drawing/2014/main" id="{54C94115-32E1-CF74-5909-A6AF68750617}"/>
+              </a:ext>
+            </a:extLst>
+          </p:cNvPr>
+          <p:cNvSpPr/>
+          <p:nvPr/>
+        </p:nvSpPr>
+        <p:spPr>
+          <a:xfrm>
+            <a:off x="1054927" y="3376934"/>
+            <a:ext cx="1585355" cy="3281315"/>
+          </a:xfrm>
+          <a:prstGeom prst="rect">
+            <a:avLst/>
+          </a:prstGeom>
+          <a:solidFill>
+            <a:schemeClr val="bg1"/>
+          </a:solidFill>
+          <a:ln w="28575">
+            <a:solidFill>
+              <a:srgbClr val="FF0000"/>
+            </a:solidFill>
+          </a:ln>
+        </p:spPr>
+        <p:style>
+          <a:lnRef idx="2">
+            <a:schemeClr val="accent1">
+              <a:shade val="15000"/>
+            </a:schemeClr>
+          </a:lnRef>
+          <a:fillRef idx="1">
+            <a:schemeClr val="accent1"/>
+          </a:fillRef>
+          <a:effectRef idx="0">
+            <a:schemeClr val="accent1"/>
+          </a:effectRef>
+          <a:fontRef idx="minor">
+            <a:schemeClr val="lt1"/>
+          </a:fontRef>
+        </p:style>
+        <p:txBody>
+          <a:bodyPr rtlCol="0" anchor="ctr"/>
+          <a:lstStyle/>
+          <a:p>
+            <a:pPr algn="ctr"/>
+            <a:endParaRPr lang="zh-CN" altLang="en-US"/>
+          </a:p>
+        </p:txBody>
+      </p:sp>
+      <p:sp>
+        <p:nvSpPr>
+          <p:cNvPr id="34" name="Text Box 33"/>
+          <p:cNvSpPr txBox="1"/>
+          <p:nvPr/>
+        </p:nvSpPr>
+        <p:spPr>
+          <a:xfrm>
+            <a:off x="109220" y="55245"/>
+            <a:ext cx="2015490" cy="461665"/>
+          </a:xfrm>
+          <a:prstGeom prst="rect">
+            <a:avLst/>
+          </a:prstGeom>
+          <a:noFill/>
+        </p:spPr>
+        <p:txBody>
+          <a:bodyPr wrap="square" rtlCol="0">
+            <a:spAutoFit/>
+          </a:bodyPr>
+          <a:lstStyle/>
+          <a:p>
+            <a:r>
+              <a:rPr lang="zh-CN" altLang="en-US" sz="2400"/>
+              <a:t>数据管理部分</a:t>
+            </a:r>
+          </a:p>
+        </p:txBody>
+      </p:sp>
+      <p:sp>
+        <p:nvSpPr>
+          <p:cNvPr id="3" name="Rectangles 3">
+            <a:extLst>
+              <a:ext uri="{FF2B5EF4-FFF2-40B4-BE49-F238E27FC236}">
+                <a16:creationId xmlns:a16="http://schemas.microsoft.com/office/drawing/2014/main" id="{488FB045-2879-A206-CD1C-C7771DC1A473}"/>
+              </a:ext>
+            </a:extLst>
+          </p:cNvPr>
+          <p:cNvSpPr/>
+          <p:nvPr/>
+        </p:nvSpPr>
+        <p:spPr>
+          <a:xfrm>
+            <a:off x="3325018" y="196452"/>
+            <a:ext cx="1061182" cy="1498415"/>
+          </a:xfrm>
+          <a:prstGeom prst="rect">
+            <a:avLst/>
+          </a:prstGeom>
+        </p:spPr>
+        <p:style>
+          <a:lnRef idx="2">
+            <a:schemeClr val="accent1">
+              <a:lumMod val="75000"/>
+            </a:schemeClr>
+          </a:lnRef>
+          <a:fillRef idx="1">
+            <a:schemeClr val="accent1"/>
+          </a:fillRef>
+          <a:effectRef idx="0">
+            <a:srgbClr val="FFFFFF"/>
+          </a:effectRef>
+          <a:fontRef idx="minor">
+            <a:schemeClr val="lt1"/>
+          </a:fontRef>
+        </p:style>
+        <p:txBody>
+          <a:bodyPr rtlCol="0" anchor="ctr"/>
+          <a:lstStyle/>
+          <a:p>
+            <a:pPr algn="ctr"/>
+            <a:r>
+              <a:rPr lang="zh-CN" sz="1100"/>
+              <a:t>楼</a:t>
+            </a:r>
+            <a:r>
+              <a:rPr lang="zh-CN" altLang="en-US" sz="1100"/>
+              <a:t>内部界面</a:t>
+            </a:r>
+            <a:endParaRPr lang="zh-CN" sz="1100"/>
+          </a:p>
+          <a:p>
+            <a:pPr algn="ctr"/>
+            <a:r>
+              <a:rPr lang="en-US" altLang="zh-CN" sz="1100"/>
+              <a:t>——————</a:t>
+            </a:r>
+          </a:p>
+          <a:p>
+            <a:pPr algn="ctr"/>
+            <a:r>
+              <a:rPr lang="zh-CN" altLang="en-US" sz="1100"/>
+              <a:t>楼名称</a:t>
+            </a:r>
+          </a:p>
+          <a:p>
+            <a:pPr algn="ctr"/>
+            <a:r>
+              <a:rPr lang="en-US" altLang="zh-CN" sz="1100"/>
+              <a:t>——————</a:t>
+            </a:r>
+            <a:endParaRPr lang="zh-CN" altLang="en-US" sz="1100"/>
+          </a:p>
+          <a:p>
+            <a:pPr algn="ctr"/>
+            <a:r>
+              <a:rPr lang="zh-CN" altLang="en-US" sz="1100"/>
+              <a:t>离开楼</a:t>
+            </a:r>
+          </a:p>
+        </p:txBody>
+      </p:sp>
+      <p:sp>
+        <p:nvSpPr>
+          <p:cNvPr id="10" name="Rectangles 3">
+            <a:extLst>
+              <a:ext uri="{FF2B5EF4-FFF2-40B4-BE49-F238E27FC236}">
+                <a16:creationId xmlns:a16="http://schemas.microsoft.com/office/drawing/2014/main" id="{E90B939D-96D1-BB65-2EC2-AD1F8CCC3626}"/>
+              </a:ext>
+            </a:extLst>
+          </p:cNvPr>
+          <p:cNvSpPr/>
+          <p:nvPr/>
+        </p:nvSpPr>
+        <p:spPr>
+          <a:xfrm>
+            <a:off x="5504526" y="171141"/>
+            <a:ext cx="1061182" cy="1498415"/>
+          </a:xfrm>
+          <a:prstGeom prst="rect">
+            <a:avLst/>
+          </a:prstGeom>
+        </p:spPr>
+        <p:style>
+          <a:lnRef idx="2">
+            <a:schemeClr val="accent1">
+              <a:lumMod val="75000"/>
+            </a:schemeClr>
+          </a:lnRef>
+          <a:fillRef idx="1">
+            <a:schemeClr val="accent1"/>
+          </a:fillRef>
+          <a:effectRef idx="0">
+            <a:srgbClr val="FFFFFF"/>
+          </a:effectRef>
+          <a:fontRef idx="minor">
+            <a:schemeClr val="lt1"/>
+          </a:fontRef>
+        </p:style>
+        <p:txBody>
+          <a:bodyPr rtlCol="0" anchor="ctr"/>
+          <a:lstStyle/>
+          <a:p>
+            <a:pPr algn="ctr"/>
+            <a:r>
+              <a:rPr lang="zh-CN" altLang="en-US" sz="1100"/>
+              <a:t>教室内部界面</a:t>
+            </a:r>
+            <a:endParaRPr lang="zh-CN" sz="1100"/>
+          </a:p>
+          <a:p>
+            <a:pPr algn="ctr"/>
+            <a:r>
+              <a:rPr lang="en-US" altLang="zh-CN" sz="1100"/>
+              <a:t>——————</a:t>
+            </a:r>
+            <a:endParaRPr lang="zh-CN" altLang="en-US" sz="1100"/>
+          </a:p>
+          <a:p>
+            <a:pPr algn="ctr"/>
+            <a:r>
+              <a:rPr lang="zh-CN" altLang="en-US" sz="1100"/>
+              <a:t>教室名称</a:t>
+            </a:r>
+          </a:p>
+          <a:p>
+            <a:pPr algn="ctr"/>
+            <a:r>
+              <a:rPr lang="en-US" altLang="zh-CN" sz="1100"/>
+              <a:t>——————</a:t>
+            </a:r>
+          </a:p>
+          <a:p>
+            <a:pPr algn="ctr"/>
+            <a:r>
+              <a:rPr lang="zh-CN" altLang="en-US" sz="1100"/>
+              <a:t>进入</a:t>
+            </a:r>
+            <a:r>
+              <a:rPr lang="zh-CN" altLang="en-US" sz="1100">
+                <a:sym typeface="+mn-ea"/>
+              </a:rPr>
+              <a:t>教室</a:t>
+            </a:r>
+            <a:endParaRPr lang="zh-CN" altLang="en-US" sz="1100"/>
+          </a:p>
+          <a:p>
+            <a:pPr algn="ctr"/>
+            <a:r>
+              <a:rPr lang="zh-CN" altLang="en-US" sz="1100"/>
+              <a:t>离开</a:t>
+            </a:r>
+            <a:r>
+              <a:rPr lang="zh-CN" altLang="en-US" sz="1100">
+                <a:sym typeface="+mn-ea"/>
+              </a:rPr>
+              <a:t>教室</a:t>
+            </a:r>
+          </a:p>
+          <a:p>
+            <a:pPr algn="ctr"/>
+            <a:r>
+              <a:rPr lang="zh-CN" altLang="en-US" sz="1100"/>
+              <a:t>进入讨论板</a:t>
+            </a:r>
+          </a:p>
+        </p:txBody>
+      </p:sp>
+      <p:sp>
+        <p:nvSpPr>
+          <p:cNvPr id="19" name="Rectangles 3">
+            <a:extLst>
+              <a:ext uri="{FF2B5EF4-FFF2-40B4-BE49-F238E27FC236}">
+                <a16:creationId xmlns:a16="http://schemas.microsoft.com/office/drawing/2014/main" id="{539CC62E-25BA-6ED6-6593-02BD57142D65}"/>
+              </a:ext>
+            </a:extLst>
+          </p:cNvPr>
+          <p:cNvSpPr/>
+          <p:nvPr/>
+        </p:nvSpPr>
+        <p:spPr>
+          <a:xfrm>
+            <a:off x="7860087" y="131498"/>
+            <a:ext cx="1061182" cy="1498415"/>
+          </a:xfrm>
+          <a:prstGeom prst="rect">
+            <a:avLst/>
+          </a:prstGeom>
+        </p:spPr>
+        <p:style>
+          <a:lnRef idx="2">
+            <a:schemeClr val="accent1">
+              <a:lumMod val="75000"/>
+            </a:schemeClr>
+          </a:lnRef>
+          <a:fillRef idx="1">
+            <a:schemeClr val="accent1"/>
+          </a:fillRef>
+          <a:effectRef idx="0">
+            <a:srgbClr val="FFFFFF"/>
+          </a:effectRef>
+          <a:fontRef idx="minor">
+            <a:schemeClr val="lt1"/>
+          </a:fontRef>
+        </p:style>
+        <p:txBody>
+          <a:bodyPr rtlCol="0" anchor="ctr"/>
+          <a:lstStyle/>
+          <a:p>
+            <a:pPr algn="ctr"/>
+            <a:r>
+              <a:rPr lang="zh-CN" altLang="en-US" sz="1100"/>
+              <a:t>座位界面</a:t>
+            </a:r>
+            <a:endParaRPr lang="zh-CN" sz="1100"/>
+          </a:p>
+          <a:p>
+            <a:pPr algn="ctr"/>
+            <a:r>
+              <a:rPr lang="en-US" altLang="zh-CN" sz="1100"/>
+              <a:t>——————</a:t>
+            </a:r>
+          </a:p>
+          <a:p>
+            <a:pPr algn="ctr"/>
+            <a:r>
+              <a:rPr lang="zh-CN" altLang="en-US" sz="1100"/>
+              <a:t>座位号</a:t>
+            </a:r>
+          </a:p>
+          <a:p>
+            <a:pPr algn="ctr"/>
+            <a:r>
+              <a:rPr lang="en-US" altLang="zh-CN" sz="1100"/>
+              <a:t>——————</a:t>
+            </a:r>
+          </a:p>
+          <a:p>
+            <a:pPr algn="ctr"/>
+            <a:r>
+              <a:rPr lang="zh-CN" altLang="en-US" sz="1100"/>
+              <a:t>离开</a:t>
+            </a:r>
+            <a:r>
+              <a:rPr lang="zh-CN" altLang="en-US" sz="1100">
+                <a:sym typeface="+mn-ea"/>
+              </a:rPr>
+              <a:t>座位</a:t>
+            </a:r>
+            <a:endParaRPr lang="zh-CN" altLang="en-US" sz="1100"/>
+          </a:p>
+        </p:txBody>
+      </p:sp>
+      <p:sp>
+        <p:nvSpPr>
+          <p:cNvPr id="20" name="Rectangles 3">
+            <a:extLst>
+              <a:ext uri="{FF2B5EF4-FFF2-40B4-BE49-F238E27FC236}">
+                <a16:creationId xmlns:a16="http://schemas.microsoft.com/office/drawing/2014/main" id="{CCCC31E5-E66B-2EBB-0E6B-4850E3E62303}"/>
+              </a:ext>
+            </a:extLst>
+          </p:cNvPr>
+          <p:cNvSpPr/>
+          <p:nvPr/>
+        </p:nvSpPr>
+        <p:spPr>
+          <a:xfrm>
+            <a:off x="10027507" y="126472"/>
+            <a:ext cx="1061182" cy="1543084"/>
+          </a:xfrm>
+          <a:prstGeom prst="rect">
+            <a:avLst/>
+          </a:prstGeom>
+        </p:spPr>
+        <p:style>
+          <a:lnRef idx="2">
+            <a:schemeClr val="accent1">
+              <a:lumMod val="75000"/>
+            </a:schemeClr>
+          </a:lnRef>
+          <a:fillRef idx="1">
+            <a:schemeClr val="accent1"/>
+          </a:fillRef>
+          <a:effectRef idx="0">
+            <a:srgbClr val="FFFFFF"/>
+          </a:effectRef>
+          <a:fontRef idx="minor">
+            <a:schemeClr val="lt1"/>
+          </a:fontRef>
+        </p:style>
+        <p:txBody>
+          <a:bodyPr rtlCol="0" anchor="ctr"/>
+          <a:lstStyle/>
+          <a:p>
+            <a:pPr algn="ctr"/>
+            <a:r>
+              <a:rPr lang="zh-CN" altLang="en-US" sz="1100"/>
+              <a:t>专注自习界面</a:t>
+            </a:r>
+            <a:endParaRPr lang="zh-CN" sz="1100"/>
+          </a:p>
+          <a:p>
+            <a:pPr algn="ctr"/>
+            <a:r>
+              <a:rPr lang="en-US" altLang="zh-CN" sz="1100"/>
+              <a:t>——————</a:t>
+            </a:r>
+          </a:p>
+          <a:p>
+            <a:pPr algn="ctr"/>
+            <a:r>
+              <a:rPr lang="zh-CN" altLang="en-US" sz="1100"/>
+              <a:t>自习时间</a:t>
+            </a:r>
+            <a:endParaRPr lang="en-US" altLang="zh-CN" sz="1100"/>
+          </a:p>
+          <a:p>
+            <a:pPr algn="ctr"/>
+            <a:r>
+              <a:rPr lang="zh-CN" altLang="en-US" sz="1100"/>
+              <a:t>休息时间</a:t>
+            </a:r>
+            <a:endParaRPr lang="en-US" altLang="zh-CN" sz="1100"/>
+          </a:p>
+          <a:p>
+            <a:pPr algn="ctr"/>
+            <a:r>
+              <a:rPr lang="zh-CN" altLang="en-US" sz="1100"/>
+              <a:t>周期数</a:t>
+            </a:r>
+            <a:endParaRPr lang="en-US" altLang="zh-CN" sz="1100"/>
+          </a:p>
+          <a:p>
+            <a:pPr algn="ctr"/>
+            <a:r>
+              <a:rPr lang="en-US" altLang="zh-CN" sz="1100"/>
+              <a:t>——————</a:t>
+            </a:r>
+          </a:p>
+          <a:p>
+            <a:pPr algn="ctr"/>
+            <a:r>
+              <a:rPr lang="zh-CN" altLang="en-US" sz="1100"/>
+              <a:t>设置计划信息</a:t>
+            </a:r>
+          </a:p>
+          <a:p>
+            <a:pPr algn="ctr"/>
+            <a:r>
+              <a:rPr lang="zh-CN" altLang="en-US" sz="1100"/>
+              <a:t>开始自习</a:t>
+            </a:r>
+          </a:p>
+          <a:p>
+            <a:pPr algn="ctr"/>
+            <a:r>
+              <a:rPr lang="zh-CN" altLang="en-US" sz="1100"/>
+              <a:t>结束自习</a:t>
+            </a:r>
+          </a:p>
+        </p:txBody>
+      </p:sp>
+      <p:cxnSp>
+        <p:nvCxnSpPr>
+          <p:cNvPr id="29" name="Straight Arrow Connector 22">
+            <a:extLst>
+              <a:ext uri="{FF2B5EF4-FFF2-40B4-BE49-F238E27FC236}">
+                <a16:creationId xmlns:a16="http://schemas.microsoft.com/office/drawing/2014/main" id="{23082550-ED32-5A6A-BAE1-1343BCD17030}"/>
+              </a:ext>
+            </a:extLst>
+          </p:cNvPr>
+          <p:cNvCxnSpPr>
+            <a:cxnSpLocks/>
+            <a:stCxn id="3" idx="2"/>
+          </p:cNvCxnSpPr>
+          <p:nvPr/>
+        </p:nvCxnSpPr>
+        <p:spPr>
+          <a:xfrm>
+            <a:off x="3855609" y="1694867"/>
+            <a:ext cx="0" cy="595572"/>
+          </a:xfrm>
+          <a:prstGeom prst="straightConnector1">
+            <a:avLst/>
+          </a:prstGeom>
+          <a:ln w="6350" cap="flat" cmpd="sng" algn="ctr">
+            <a:solidFill>
+              <a:schemeClr val="accent1"/>
+            </a:solidFill>
+            <a:prstDash val="dash"/>
+            <a:miter lim="800000"/>
+            <a:tailEnd type="arrow" w="med" len="med"/>
+          </a:ln>
+        </p:spPr>
+        <p:style>
+          <a:lnRef idx="0">
+            <a:schemeClr val="accent1"/>
+          </a:lnRef>
+          <a:fillRef idx="0">
+            <a:srgbClr val="FFFFFF"/>
+          </a:fillRef>
+          <a:effectRef idx="0">
+            <a:srgbClr val="FFFFFF"/>
+          </a:effectRef>
+          <a:fontRef idx="minor">
+            <a:schemeClr val="tx1"/>
+          </a:fontRef>
+        </p:style>
+      </p:cxnSp>
+      <p:cxnSp>
+        <p:nvCxnSpPr>
+          <p:cNvPr id="35" name="Straight Arrow Connector 22">
+            <a:extLst>
+              <a:ext uri="{FF2B5EF4-FFF2-40B4-BE49-F238E27FC236}">
+                <a16:creationId xmlns:a16="http://schemas.microsoft.com/office/drawing/2014/main" id="{F2475247-0D59-CC93-11F3-569DC2BD45E9}"/>
+              </a:ext>
+            </a:extLst>
+          </p:cNvPr>
+          <p:cNvCxnSpPr>
+            <a:cxnSpLocks/>
+            <a:endCxn id="5" idx="0"/>
+          </p:cNvCxnSpPr>
+          <p:nvPr/>
+        </p:nvCxnSpPr>
+        <p:spPr>
+          <a:xfrm>
+            <a:off x="6096000" y="1716417"/>
+            <a:ext cx="89724" cy="574022"/>
+          </a:xfrm>
+          <a:prstGeom prst="straightConnector1">
+            <a:avLst/>
+          </a:prstGeom>
+          <a:ln w="6350" cap="flat" cmpd="sng" algn="ctr">
+            <a:solidFill>
+              <a:schemeClr val="accent1"/>
+            </a:solidFill>
+            <a:prstDash val="dash"/>
+            <a:miter lim="800000"/>
+            <a:tailEnd type="arrow" w="med" len="med"/>
+          </a:ln>
+        </p:spPr>
+        <p:style>
+          <a:lnRef idx="0">
+            <a:schemeClr val="accent1"/>
+          </a:lnRef>
+          <a:fillRef idx="0">
+            <a:srgbClr val="FFFFFF"/>
+          </a:fillRef>
+          <a:effectRef idx="0">
+            <a:srgbClr val="FFFFFF"/>
+          </a:effectRef>
+          <a:fontRef idx="minor">
+            <a:schemeClr val="tx1"/>
+          </a:fontRef>
+        </p:style>
+      </p:cxnSp>
+      <p:cxnSp>
+        <p:nvCxnSpPr>
+          <p:cNvPr id="36" name="Straight Arrow Connector 22">
+            <a:extLst>
+              <a:ext uri="{FF2B5EF4-FFF2-40B4-BE49-F238E27FC236}">
+                <a16:creationId xmlns:a16="http://schemas.microsoft.com/office/drawing/2014/main" id="{4C085770-9723-5BFD-1F6B-AE04F8973041}"/>
+              </a:ext>
+            </a:extLst>
+          </p:cNvPr>
+          <p:cNvCxnSpPr>
+            <a:cxnSpLocks/>
+            <a:stCxn id="19" idx="2"/>
+            <a:endCxn id="6" idx="0"/>
+          </p:cNvCxnSpPr>
+          <p:nvPr/>
+        </p:nvCxnSpPr>
+        <p:spPr>
+          <a:xfrm>
+            <a:off x="8390678" y="1629913"/>
+            <a:ext cx="16836" cy="660526"/>
+          </a:xfrm>
+          <a:prstGeom prst="straightConnector1">
+            <a:avLst/>
+          </a:prstGeom>
+          <a:ln w="6350" cap="flat" cmpd="sng" algn="ctr">
+            <a:solidFill>
+              <a:schemeClr val="accent1"/>
+            </a:solidFill>
+            <a:prstDash val="dash"/>
+            <a:miter lim="800000"/>
+            <a:tailEnd type="arrow" w="med" len="med"/>
+          </a:ln>
+        </p:spPr>
+        <p:style>
+          <a:lnRef idx="0">
+            <a:schemeClr val="accent1"/>
+          </a:lnRef>
+          <a:fillRef idx="0">
+            <a:srgbClr val="FFFFFF"/>
+          </a:fillRef>
+          <a:effectRef idx="0">
+            <a:srgbClr val="FFFFFF"/>
+          </a:effectRef>
+          <a:fontRef idx="minor">
+            <a:schemeClr val="tx1"/>
+          </a:fontRef>
+        </p:style>
+      </p:cxnSp>
+      <p:cxnSp>
+        <p:nvCxnSpPr>
+          <p:cNvPr id="38" name="Straight Arrow Connector 22">
+            <a:extLst>
+              <a:ext uri="{FF2B5EF4-FFF2-40B4-BE49-F238E27FC236}">
+                <a16:creationId xmlns:a16="http://schemas.microsoft.com/office/drawing/2014/main" id="{94F846B2-455F-2681-5715-D1964CC7DDEE}"/>
+              </a:ext>
+            </a:extLst>
+          </p:cNvPr>
+          <p:cNvCxnSpPr>
+            <a:cxnSpLocks/>
+            <a:stCxn id="20" idx="2"/>
+          </p:cNvCxnSpPr>
+          <p:nvPr/>
+        </p:nvCxnSpPr>
+        <p:spPr>
+          <a:xfrm>
+            <a:off x="10558098" y="1669556"/>
+            <a:ext cx="12088" cy="620883"/>
+          </a:xfrm>
+          <a:prstGeom prst="straightConnector1">
+            <a:avLst/>
+          </a:prstGeom>
+          <a:ln w="6350" cap="flat" cmpd="sng" algn="ctr">
+            <a:solidFill>
+              <a:schemeClr val="accent1"/>
+            </a:solidFill>
+            <a:prstDash val="dash"/>
+            <a:miter lim="800000"/>
+            <a:tailEnd type="arrow" w="med" len="med"/>
+          </a:ln>
+        </p:spPr>
+        <p:style>
+          <a:lnRef idx="0">
+            <a:schemeClr val="accent1"/>
+          </a:lnRef>
+          <a:fillRef idx="0">
+            <a:srgbClr val="FFFFFF"/>
+          </a:fillRef>
+          <a:effectRef idx="0">
+            <a:srgbClr val="FFFFFF"/>
+          </a:effectRef>
+          <a:fontRef idx="minor">
+            <a:schemeClr val="tx1"/>
+          </a:fontRef>
+        </p:style>
+      </p:cxnSp>
+      <p:cxnSp>
+        <p:nvCxnSpPr>
+          <p:cNvPr id="40" name="Straight Arrow Connector 22">
+            <a:extLst>
+              <a:ext uri="{FF2B5EF4-FFF2-40B4-BE49-F238E27FC236}">
+                <a16:creationId xmlns:a16="http://schemas.microsoft.com/office/drawing/2014/main" id="{8EA3F7E5-2F64-5D2D-C54C-B095D6545AF5}"/>
+              </a:ext>
+            </a:extLst>
+          </p:cNvPr>
+          <p:cNvCxnSpPr>
+            <a:cxnSpLocks/>
+            <a:stCxn id="21" idx="3"/>
+            <a:endCxn id="8" idx="1"/>
+          </p:cNvCxnSpPr>
+          <p:nvPr/>
+        </p:nvCxnSpPr>
+        <p:spPr>
+          <a:xfrm>
+            <a:off x="4678299" y="5137428"/>
+            <a:ext cx="976834" cy="20249"/>
+          </a:xfrm>
+          <a:prstGeom prst="straightConnector1">
+            <a:avLst/>
+          </a:prstGeom>
+          <a:ln w="6350" cap="flat" cmpd="sng" algn="ctr">
+            <a:solidFill>
+              <a:schemeClr val="accent1"/>
+            </a:solidFill>
+            <a:prstDash val="dash"/>
+            <a:miter lim="800000"/>
+            <a:tailEnd type="arrow" w="med" len="med"/>
+          </a:ln>
+        </p:spPr>
+        <p:style>
+          <a:lnRef idx="0">
+            <a:schemeClr val="accent1"/>
+          </a:lnRef>
+          <a:fillRef idx="0">
+            <a:srgbClr val="FFFFFF"/>
+          </a:fillRef>
+          <a:effectRef idx="0">
+            <a:srgbClr val="FFFFFF"/>
+          </a:effectRef>
+          <a:fontRef idx="minor">
+            <a:schemeClr val="tx1"/>
+          </a:fontRef>
+        </p:style>
+      </p:cxnSp>
+      <p:grpSp>
+        <p:nvGrpSpPr>
+          <p:cNvPr id="67" name="组合 66">
+            <a:extLst>
+              <a:ext uri="{FF2B5EF4-FFF2-40B4-BE49-F238E27FC236}">
+                <a16:creationId xmlns:a16="http://schemas.microsoft.com/office/drawing/2014/main" id="{92A013D7-2596-7079-793C-30BF7758C065}"/>
+              </a:ext>
+            </a:extLst>
+          </p:cNvPr>
+          <p:cNvGrpSpPr/>
+          <p:nvPr/>
+        </p:nvGrpSpPr>
+        <p:grpSpPr>
+          <a:xfrm>
+            <a:off x="3433342" y="2290439"/>
+            <a:ext cx="8054050" cy="3619685"/>
+            <a:chOff x="3282735" y="2746621"/>
+            <a:chExt cx="8054050" cy="3619685"/>
+          </a:xfrm>
+        </p:grpSpPr>
+        <p:grpSp>
+          <p:nvGrpSpPr>
+            <p:cNvPr id="2" name="组合 1">
+              <a:extLst>
+                <a:ext uri="{FF2B5EF4-FFF2-40B4-BE49-F238E27FC236}">
+                  <a16:creationId xmlns:a16="http://schemas.microsoft.com/office/drawing/2014/main" id="{C2BD57A8-BC28-3F3A-48E2-02DCCB802D0F}"/>
+                </a:ext>
+              </a:extLst>
+            </p:cNvPr>
+            <p:cNvGrpSpPr/>
+            <p:nvPr/>
+          </p:nvGrpSpPr>
+          <p:grpSpPr>
+            <a:xfrm>
+              <a:off x="3282735" y="2746621"/>
+              <a:ext cx="8054050" cy="3619685"/>
+              <a:chOff x="841375" y="819150"/>
+              <a:chExt cx="10853420" cy="5675630"/>
+            </a:xfrm>
+          </p:grpSpPr>
+          <p:sp>
+            <p:nvSpPr>
+              <p:cNvPr id="4" name="Rectangles 3"/>
+              <p:cNvSpPr/>
+              <p:nvPr/>
+            </p:nvSpPr>
+            <p:spPr>
+              <a:xfrm>
+                <a:off x="841375" y="819150"/>
+                <a:ext cx="1430020" cy="2349500"/>
+              </a:xfrm>
+              <a:prstGeom prst="rect">
+                <a:avLst/>
+              </a:prstGeom>
+            </p:spPr>
+            <p:style>
+              <a:lnRef idx="2">
+                <a:schemeClr val="accent1">
+                  <a:lumMod val="75000"/>
+                </a:schemeClr>
+              </a:lnRef>
+              <a:fillRef idx="1">
+                <a:schemeClr val="accent1"/>
+              </a:fillRef>
+              <a:effectRef idx="0">
+                <a:srgbClr val="FFFFFF"/>
+              </a:effectRef>
+              <a:fontRef idx="minor">
+                <a:schemeClr val="lt1"/>
+              </a:fontRef>
+            </p:style>
+            <p:txBody>
+              <a:bodyPr rtlCol="0" anchor="ctr"/>
+              <a:lstStyle/>
+              <a:p>
+                <a:pPr algn="ctr"/>
+                <a:r>
+                  <a:rPr lang="zh-CN" sz="1100"/>
+                  <a:t>楼</a:t>
+                </a:r>
+              </a:p>
+              <a:p>
+                <a:pPr algn="ctr"/>
+                <a:r>
+                  <a:rPr lang="en-US" altLang="zh-CN" sz="1100"/>
+                  <a:t>——————</a:t>
+                </a:r>
+              </a:p>
+              <a:p>
+                <a:pPr algn="ctr"/>
+                <a:r>
+                  <a:rPr lang="zh-CN" altLang="en-US" sz="1100"/>
+                  <a:t>楼号</a:t>
+                </a:r>
+              </a:p>
+              <a:p>
+                <a:pPr algn="ctr"/>
+                <a:r>
+                  <a:rPr lang="zh-CN" altLang="en-US" sz="1100"/>
+                  <a:t>楼名称</a:t>
+                </a:r>
+              </a:p>
+              <a:p>
+                <a:pPr algn="ctr"/>
+                <a:r>
+                  <a:rPr lang="en-US" altLang="zh-CN" sz="1100"/>
+                  <a:t>——————</a:t>
+                </a:r>
+              </a:p>
+              <a:p>
+                <a:pPr algn="ctr"/>
+                <a:r>
+                  <a:rPr lang="zh-CN" altLang="en-US" sz="1100"/>
+                  <a:t>进入楼</a:t>
+                </a:r>
+              </a:p>
+              <a:p>
+                <a:pPr algn="ctr"/>
+                <a:r>
+                  <a:rPr lang="zh-CN" altLang="en-US" sz="1100"/>
+                  <a:t>离开楼</a:t>
+                </a:r>
+              </a:p>
+            </p:txBody>
+          </p:sp>
+          <p:sp>
+            <p:nvSpPr>
+              <p:cNvPr id="5" name="Rectangles 4"/>
+              <p:cNvSpPr/>
+              <p:nvPr/>
+            </p:nvSpPr>
+            <p:spPr>
+              <a:xfrm>
+                <a:off x="3835400" y="819150"/>
+                <a:ext cx="1430020" cy="2349500"/>
+              </a:xfrm>
+              <a:prstGeom prst="rect">
+                <a:avLst/>
+              </a:prstGeom>
+            </p:spPr>
+            <p:style>
+              <a:lnRef idx="2">
+                <a:schemeClr val="accent1">
+                  <a:lumMod val="75000"/>
+                </a:schemeClr>
+              </a:lnRef>
+              <a:fillRef idx="1">
+                <a:schemeClr val="accent1"/>
+              </a:fillRef>
+              <a:effectRef idx="0">
+                <a:srgbClr val="FFFFFF"/>
+              </a:effectRef>
+              <a:fontRef idx="minor">
+                <a:schemeClr val="lt1"/>
+              </a:fontRef>
+            </p:style>
+            <p:txBody>
+              <a:bodyPr rtlCol="0" anchor="ctr"/>
+              <a:lstStyle/>
+              <a:p>
+                <a:pPr algn="ctr"/>
+                <a:r>
+                  <a:rPr lang="zh-CN" sz="1100"/>
+                  <a:t>教室</a:t>
+                </a:r>
+              </a:p>
+              <a:p>
+                <a:pPr algn="ctr"/>
+                <a:r>
+                  <a:rPr lang="en-US" altLang="zh-CN" sz="1100"/>
+                  <a:t>——————</a:t>
+                </a:r>
+              </a:p>
+              <a:p>
+                <a:pPr algn="ctr"/>
+                <a:r>
+                  <a:rPr lang="zh-CN" altLang="en-US" sz="1100"/>
+                  <a:t>教室号</a:t>
+                </a:r>
+              </a:p>
+              <a:p>
+                <a:pPr algn="ctr"/>
+                <a:r>
+                  <a:rPr lang="zh-CN" altLang="en-US" sz="1100">
+                    <a:sym typeface="+mn-ea"/>
+                  </a:rPr>
+                  <a:t>教室</a:t>
+                </a:r>
+                <a:r>
+                  <a:rPr lang="zh-CN" altLang="en-US" sz="1100"/>
+                  <a:t>名称</a:t>
+                </a:r>
+              </a:p>
+              <a:p>
+                <a:pPr algn="ctr"/>
+                <a:r>
+                  <a:rPr lang="en-US" altLang="zh-CN" sz="1100"/>
+                  <a:t>——————</a:t>
+                </a:r>
+              </a:p>
+              <a:p>
+                <a:pPr algn="ctr"/>
+                <a:r>
+                  <a:rPr lang="zh-CN" altLang="en-US" sz="1100"/>
+                  <a:t>进入</a:t>
+                </a:r>
+                <a:r>
+                  <a:rPr lang="zh-CN" altLang="en-US" sz="1100">
+                    <a:sym typeface="+mn-ea"/>
+                  </a:rPr>
+                  <a:t>教室</a:t>
+                </a:r>
+                <a:endParaRPr lang="zh-CN" altLang="en-US" sz="1100"/>
+              </a:p>
+              <a:p>
+                <a:pPr algn="ctr"/>
+                <a:r>
+                  <a:rPr lang="zh-CN" altLang="en-US" sz="1100"/>
+                  <a:t>离开</a:t>
+                </a:r>
+                <a:r>
+                  <a:rPr lang="zh-CN" altLang="en-US" sz="1100">
+                    <a:sym typeface="+mn-ea"/>
+                  </a:rPr>
+                  <a:t>教室</a:t>
+                </a:r>
+              </a:p>
+              <a:p>
+                <a:pPr algn="ctr"/>
+                <a:r>
+                  <a:rPr lang="zh-CN" altLang="en-US" sz="1100"/>
+                  <a:t>进入讨论板</a:t>
+                </a:r>
+              </a:p>
+            </p:txBody>
+          </p:sp>
+          <p:sp>
+            <p:nvSpPr>
+              <p:cNvPr id="6" name="Rectangles 5"/>
+              <p:cNvSpPr/>
+              <p:nvPr/>
+            </p:nvSpPr>
+            <p:spPr>
+              <a:xfrm>
+                <a:off x="6829425" y="819150"/>
+                <a:ext cx="1430020" cy="2349500"/>
+              </a:xfrm>
+              <a:prstGeom prst="rect">
+                <a:avLst/>
+              </a:prstGeom>
+            </p:spPr>
+            <p:style>
+              <a:lnRef idx="2">
+                <a:schemeClr val="accent1">
+                  <a:lumMod val="75000"/>
+                </a:schemeClr>
+              </a:lnRef>
+              <a:fillRef idx="1">
+                <a:schemeClr val="accent1"/>
+              </a:fillRef>
+              <a:effectRef idx="0">
+                <a:srgbClr val="FFFFFF"/>
+              </a:effectRef>
+              <a:fontRef idx="minor">
+                <a:schemeClr val="lt1"/>
+              </a:fontRef>
+            </p:style>
+            <p:txBody>
+              <a:bodyPr rtlCol="0" anchor="ctr"/>
+              <a:lstStyle/>
+              <a:p>
+                <a:pPr algn="ctr"/>
+                <a:r>
+                  <a:rPr lang="zh-CN" sz="1100"/>
+                  <a:t>座位</a:t>
+                </a:r>
+              </a:p>
+              <a:p>
+                <a:pPr algn="ctr"/>
+                <a:r>
+                  <a:rPr lang="en-US" altLang="zh-CN" sz="1100"/>
+                  <a:t>——————</a:t>
+                </a:r>
+              </a:p>
+              <a:p>
+                <a:pPr algn="ctr"/>
+                <a:r>
+                  <a:rPr lang="zh-CN" altLang="en-US" sz="1100"/>
+                  <a:t>座位号</a:t>
+                </a:r>
+              </a:p>
+              <a:p>
+                <a:pPr algn="ctr"/>
+                <a:endParaRPr lang="zh-CN" altLang="en-US" sz="1100"/>
+              </a:p>
+              <a:p>
+                <a:pPr algn="ctr"/>
+                <a:r>
+                  <a:rPr lang="en-US" altLang="zh-CN" sz="1100"/>
+                  <a:t>——————</a:t>
+                </a:r>
+              </a:p>
+              <a:p>
+                <a:pPr algn="ctr"/>
+                <a:r>
+                  <a:rPr lang="zh-CN" altLang="en-US" sz="1100"/>
+                  <a:t>座位入座</a:t>
+                </a:r>
+              </a:p>
+              <a:p>
+                <a:pPr algn="ctr"/>
+                <a:r>
+                  <a:rPr lang="zh-CN" altLang="en-US" sz="1100"/>
+                  <a:t>离开</a:t>
+                </a:r>
+                <a:r>
+                  <a:rPr lang="zh-CN" altLang="en-US" sz="1100">
+                    <a:sym typeface="+mn-ea"/>
+                  </a:rPr>
+                  <a:t>座位</a:t>
+                </a:r>
+                <a:endParaRPr lang="zh-CN" altLang="en-US" sz="1100"/>
+              </a:p>
+            </p:txBody>
+          </p:sp>
+          <p:sp>
+            <p:nvSpPr>
+              <p:cNvPr id="7" name="Rectangles 6"/>
+              <p:cNvSpPr/>
+              <p:nvPr/>
+            </p:nvSpPr>
+            <p:spPr>
+              <a:xfrm>
+                <a:off x="9596120" y="819150"/>
+                <a:ext cx="2098675" cy="2540000"/>
+              </a:xfrm>
+              <a:prstGeom prst="rect">
+                <a:avLst/>
+              </a:prstGeom>
+            </p:spPr>
+            <p:style>
+              <a:lnRef idx="2">
+                <a:schemeClr val="accent1">
+                  <a:lumMod val="75000"/>
+                </a:schemeClr>
+              </a:lnRef>
+              <a:fillRef idx="1">
+                <a:schemeClr val="accent1"/>
+              </a:fillRef>
+              <a:effectRef idx="0">
+                <a:srgbClr val="FFFFFF"/>
+              </a:effectRef>
+              <a:fontRef idx="minor">
+                <a:schemeClr val="lt1"/>
+              </a:fontRef>
+            </p:style>
+            <p:txBody>
+              <a:bodyPr rtlCol="0" anchor="ctr"/>
+              <a:lstStyle/>
+              <a:p>
+                <a:pPr algn="ctr"/>
+                <a:r>
+                  <a:rPr lang="zh-CN" sz="1100"/>
+                  <a:t>学习计划</a:t>
+                </a:r>
+              </a:p>
+              <a:p>
+                <a:pPr algn="ctr"/>
+                <a:r>
+                  <a:rPr lang="en-US" altLang="zh-CN" sz="1100"/>
+                  <a:t>————————</a:t>
+                </a:r>
+              </a:p>
+              <a:p>
+                <a:pPr algn="ctr"/>
+                <a:r>
+                  <a:rPr lang="zh-CN" altLang="en-US" sz="1100"/>
+                  <a:t>自习时间</a:t>
+                </a:r>
+              </a:p>
+              <a:p>
+                <a:pPr algn="ctr"/>
+                <a:r>
+                  <a:rPr lang="zh-CN" altLang="en-US" sz="1100"/>
+                  <a:t>休息时间</a:t>
+                </a:r>
+              </a:p>
+              <a:p>
+                <a:pPr algn="ctr"/>
+                <a:r>
+                  <a:rPr lang="zh-CN" altLang="en-US" sz="1100"/>
+                  <a:t>周期数</a:t>
+                </a:r>
+              </a:p>
+              <a:p>
+                <a:pPr algn="ctr"/>
+                <a:r>
+                  <a:rPr lang="en-US" altLang="zh-CN" sz="1100"/>
+                  <a:t>—————————</a:t>
+                </a:r>
+              </a:p>
+              <a:p>
+                <a:pPr algn="ctr"/>
+                <a:r>
+                  <a:rPr lang="zh-CN" altLang="en-US" sz="1100"/>
+                  <a:t>设置计划信息</a:t>
+                </a:r>
+              </a:p>
+              <a:p>
+                <a:pPr algn="ctr"/>
+                <a:r>
+                  <a:rPr lang="zh-CN" altLang="en-US" sz="1100"/>
+                  <a:t>开始自习</a:t>
+                </a:r>
+              </a:p>
+              <a:p>
+                <a:pPr algn="ctr"/>
+                <a:r>
+                  <a:rPr lang="zh-CN" altLang="en-US" sz="1100"/>
+                  <a:t>结束自习</a:t>
+                </a:r>
+              </a:p>
+            </p:txBody>
+          </p:sp>
+          <p:sp>
+            <p:nvSpPr>
+              <p:cNvPr id="8" name="Rectangles 7"/>
+              <p:cNvSpPr/>
+              <p:nvPr/>
+            </p:nvSpPr>
+            <p:spPr>
+              <a:xfrm>
+                <a:off x="3835400" y="4135120"/>
+                <a:ext cx="1430020" cy="2359660"/>
+              </a:xfrm>
+              <a:prstGeom prst="rect">
+                <a:avLst/>
+              </a:prstGeom>
+            </p:spPr>
+            <p:style>
+              <a:lnRef idx="2">
+                <a:schemeClr val="accent1">
+                  <a:lumMod val="75000"/>
+                </a:schemeClr>
+              </a:lnRef>
+              <a:fillRef idx="1">
+                <a:schemeClr val="accent1"/>
+              </a:fillRef>
+              <a:effectRef idx="0">
+                <a:srgbClr val="FFFFFF"/>
+              </a:effectRef>
+              <a:fontRef idx="minor">
+                <a:schemeClr val="lt1"/>
+              </a:fontRef>
+            </p:style>
+            <p:txBody>
+              <a:bodyPr rtlCol="0" anchor="ctr"/>
+              <a:lstStyle/>
+              <a:p>
+                <a:pPr algn="ctr"/>
+                <a:r>
+                  <a:rPr lang="zh-CN" sz="1100"/>
+                  <a:t>讨论板</a:t>
+                </a:r>
+              </a:p>
+              <a:p>
+                <a:pPr algn="ctr"/>
+                <a:r>
+                  <a:rPr lang="en-US" altLang="zh-CN" sz="1100"/>
+                  <a:t>——————</a:t>
+                </a:r>
+              </a:p>
+              <a:p>
+                <a:pPr algn="ctr"/>
+                <a:r>
+                  <a:rPr lang="zh-CN" altLang="en-US" sz="1100"/>
+                  <a:t>讨论板号</a:t>
+                </a:r>
+              </a:p>
+              <a:p>
+                <a:pPr algn="ctr"/>
+                <a:r>
+                  <a:rPr lang="en-US" altLang="zh-CN" sz="1100"/>
+                  <a:t>——————</a:t>
+                </a:r>
+              </a:p>
+              <a:p>
+                <a:pPr algn="ctr"/>
+                <a:r>
+                  <a:rPr lang="zh-CN" altLang="en-US" sz="1100"/>
+                  <a:t>搜索问题</a:t>
+                </a:r>
+              </a:p>
+              <a:p>
+                <a:pPr algn="ctr"/>
+                <a:r>
+                  <a:rPr lang="zh-CN" altLang="en-US" sz="1100"/>
+                  <a:t>查看问题</a:t>
+                </a:r>
+              </a:p>
+              <a:p>
+                <a:pPr algn="ctr"/>
+                <a:r>
+                  <a:rPr lang="zh-CN" altLang="en-US" sz="1100"/>
+                  <a:t>发布问题</a:t>
+                </a:r>
+              </a:p>
+              <a:p>
+                <a:pPr algn="ctr"/>
+                <a:r>
+                  <a:rPr lang="zh-CN" altLang="en-US" sz="1100"/>
+                  <a:t>回答问题</a:t>
+                </a:r>
+              </a:p>
+            </p:txBody>
+          </p:sp>
+          <p:grpSp>
+            <p:nvGrpSpPr>
+              <p:cNvPr id="12" name="Group 11"/>
+              <p:cNvGrpSpPr/>
+              <p:nvPr/>
+            </p:nvGrpSpPr>
+            <p:grpSpPr>
+              <a:xfrm>
+                <a:off x="2271395" y="1809115"/>
+                <a:ext cx="1579245" cy="120015"/>
+                <a:chOff x="13194" y="7713"/>
+                <a:chExt cx="2487" cy="189"/>
+              </a:xfrm>
+            </p:grpSpPr>
+            <p:cxnSp>
+              <p:nvCxnSpPr>
+                <p:cNvPr id="9" name="Straight Connector 8"/>
+                <p:cNvCxnSpPr/>
+                <p:nvPr/>
+              </p:nvCxnSpPr>
+              <p:spPr>
+                <a:xfrm flipV="1">
+                  <a:off x="13464" y="7807"/>
+                  <a:ext cx="2217" cy="1"/>
+                </a:xfrm>
+                <a:prstGeom prst="line">
+                  <a:avLst/>
+                </a:prstGeom>
+              </p:spPr>
+              <p:style>
+                <a:lnRef idx="2">
+                  <a:schemeClr val="accent1"/>
+                </a:lnRef>
+                <a:fillRef idx="0">
+                  <a:srgbClr val="FFFFFF"/>
+                </a:fillRef>
+                <a:effectRef idx="0">
+                  <a:srgbClr val="FFFFFF"/>
+                </a:effectRef>
+                <a:fontRef idx="minor">
+                  <a:schemeClr val="tx1"/>
+                </a:fontRef>
+              </p:style>
+            </p:cxnSp>
+            <p:sp>
+              <p:nvSpPr>
+                <p:cNvPr id="11" name="Parallelogram 10"/>
+                <p:cNvSpPr/>
+                <p:nvPr/>
+              </p:nvSpPr>
+              <p:spPr>
+                <a:xfrm rot="2280000">
+                  <a:off x="13194" y="7713"/>
+                  <a:ext cx="237" cy="189"/>
+                </a:xfrm>
+                <a:prstGeom prst="parallelogram">
+                  <a:avLst/>
+                </a:prstGeom>
+                <a:solidFill>
+                  <a:schemeClr val="bg1"/>
+                </a:solidFill>
+              </p:spPr>
+              <p:style>
+                <a:lnRef idx="2">
+                  <a:schemeClr val="accent1">
+                    <a:lumMod val="75000"/>
+                  </a:schemeClr>
+                </a:lnRef>
+                <a:fillRef idx="1">
+                  <a:schemeClr val="accent1"/>
+                </a:fillRef>
+                <a:effectRef idx="0">
+                  <a:srgbClr val="FFFFFF"/>
+                </a:effectRef>
+                <a:fontRef idx="minor">
+                  <a:schemeClr val="lt1"/>
+                </a:fontRef>
+              </p:style>
+              <p:txBody>
+                <a:bodyPr rtlCol="0" anchor="ctr"/>
+                <a:lstStyle/>
+                <a:p>
+                  <a:pPr algn="ctr"/>
+                  <a:endParaRPr lang="en-US"/>
+                </a:p>
+              </p:txBody>
+            </p:sp>
+          </p:grpSp>
+          <p:grpSp>
+            <p:nvGrpSpPr>
+              <p:cNvPr id="13" name="Group 12"/>
+              <p:cNvGrpSpPr/>
+              <p:nvPr/>
+            </p:nvGrpSpPr>
+            <p:grpSpPr>
+              <a:xfrm>
+                <a:off x="5265420" y="1809750"/>
+                <a:ext cx="1584325" cy="120015"/>
+                <a:chOff x="13194" y="7713"/>
+                <a:chExt cx="2495" cy="189"/>
+              </a:xfrm>
+            </p:grpSpPr>
+            <p:cxnSp>
+              <p:nvCxnSpPr>
+                <p:cNvPr id="14" name="Straight Connector 13"/>
+                <p:cNvCxnSpPr/>
+                <p:nvPr/>
+              </p:nvCxnSpPr>
+              <p:spPr>
+                <a:xfrm>
+                  <a:off x="13464" y="7808"/>
+                  <a:ext cx="2225" cy="14"/>
+                </a:xfrm>
+                <a:prstGeom prst="line">
+                  <a:avLst/>
+                </a:prstGeom>
+              </p:spPr>
+              <p:style>
+                <a:lnRef idx="2">
+                  <a:schemeClr val="accent1"/>
+                </a:lnRef>
+                <a:fillRef idx="0">
+                  <a:srgbClr val="FFFFFF"/>
+                </a:fillRef>
+                <a:effectRef idx="0">
+                  <a:srgbClr val="FFFFFF"/>
+                </a:effectRef>
+                <a:fontRef idx="minor">
+                  <a:schemeClr val="tx1"/>
+                </a:fontRef>
+              </p:style>
+            </p:cxnSp>
+            <p:sp>
+              <p:nvSpPr>
+                <p:cNvPr id="15" name="Parallelogram 14"/>
+                <p:cNvSpPr/>
+                <p:nvPr/>
+              </p:nvSpPr>
+              <p:spPr>
+                <a:xfrm rot="2280000">
+                  <a:off x="13194" y="7713"/>
+                  <a:ext cx="237" cy="189"/>
+                </a:xfrm>
+                <a:prstGeom prst="parallelogram">
+                  <a:avLst/>
+                </a:prstGeom>
+                <a:solidFill>
+                  <a:schemeClr val="bg1"/>
+                </a:solidFill>
+              </p:spPr>
+              <p:style>
+                <a:lnRef idx="2">
+                  <a:schemeClr val="accent1">
+                    <a:lumMod val="75000"/>
+                  </a:schemeClr>
+                </a:lnRef>
+                <a:fillRef idx="1">
+                  <a:schemeClr val="accent1"/>
+                </a:fillRef>
+                <a:effectRef idx="0">
+                  <a:srgbClr val="FFFFFF"/>
+                </a:effectRef>
+                <a:fontRef idx="minor">
+                  <a:schemeClr val="lt1"/>
+                </a:fontRef>
+              </p:style>
+              <p:txBody>
+                <a:bodyPr rtlCol="0" anchor="ctr"/>
+                <a:lstStyle/>
+                <a:p>
+                  <a:pPr algn="ctr"/>
+                  <a:endParaRPr lang="en-US"/>
+                </a:p>
+              </p:txBody>
+            </p:sp>
+          </p:grpSp>
+          <p:grpSp>
+            <p:nvGrpSpPr>
+              <p:cNvPr id="16" name="Group 15"/>
+              <p:cNvGrpSpPr/>
+              <p:nvPr/>
+            </p:nvGrpSpPr>
+            <p:grpSpPr>
+              <a:xfrm>
+                <a:off x="8273415" y="1776095"/>
+                <a:ext cx="1309370" cy="120015"/>
+                <a:chOff x="13194" y="7713"/>
+                <a:chExt cx="2062" cy="189"/>
+              </a:xfrm>
+            </p:grpSpPr>
+            <p:cxnSp>
+              <p:nvCxnSpPr>
+                <p:cNvPr id="17" name="Straight Connector 16"/>
+                <p:cNvCxnSpPr/>
+                <p:nvPr/>
+              </p:nvCxnSpPr>
+              <p:spPr>
+                <a:xfrm>
+                  <a:off x="13464" y="7808"/>
+                  <a:ext cx="1792" cy="14"/>
+                </a:xfrm>
+                <a:prstGeom prst="line">
+                  <a:avLst/>
+                </a:prstGeom>
+              </p:spPr>
+              <p:style>
+                <a:lnRef idx="2">
+                  <a:schemeClr val="accent1"/>
+                </a:lnRef>
+                <a:fillRef idx="0">
+                  <a:srgbClr val="FFFFFF"/>
+                </a:fillRef>
+                <a:effectRef idx="0">
+                  <a:srgbClr val="FFFFFF"/>
+                </a:effectRef>
+                <a:fontRef idx="minor">
+                  <a:schemeClr val="tx1"/>
+                </a:fontRef>
+              </p:style>
+            </p:cxnSp>
+            <p:sp>
+              <p:nvSpPr>
+                <p:cNvPr id="18" name="Parallelogram 17"/>
+                <p:cNvSpPr/>
+                <p:nvPr/>
+              </p:nvSpPr>
+              <p:spPr>
+                <a:xfrm rot="2280000">
+                  <a:off x="13194" y="7713"/>
+                  <a:ext cx="237" cy="189"/>
+                </a:xfrm>
+                <a:prstGeom prst="parallelogram">
+                  <a:avLst/>
+                </a:prstGeom>
+                <a:solidFill>
+                  <a:schemeClr val="bg1"/>
+                </a:solidFill>
+              </p:spPr>
+              <p:style>
+                <a:lnRef idx="2">
+                  <a:schemeClr val="accent1">
+                    <a:lumMod val="75000"/>
+                  </a:schemeClr>
+                </a:lnRef>
+                <a:fillRef idx="1">
+                  <a:schemeClr val="accent1"/>
+                </a:fillRef>
+                <a:effectRef idx="0">
+                  <a:srgbClr val="FFFFFF"/>
+                </a:effectRef>
+                <a:fontRef idx="minor">
+                  <a:schemeClr val="lt1"/>
+                </a:fontRef>
+              </p:style>
+              <p:txBody>
+                <a:bodyPr rtlCol="0" anchor="ctr"/>
+                <a:lstStyle/>
+                <a:p>
+                  <a:pPr algn="ctr"/>
+                  <a:endParaRPr lang="en-US"/>
+                </a:p>
+              </p:txBody>
+            </p:sp>
+          </p:grpSp>
+          <p:sp>
+            <p:nvSpPr>
+              <p:cNvPr id="22" name="Rectangles 21"/>
+              <p:cNvSpPr/>
+              <p:nvPr/>
+            </p:nvSpPr>
+            <p:spPr>
+              <a:xfrm>
+                <a:off x="6849745" y="4135120"/>
+                <a:ext cx="1430020" cy="2349500"/>
+              </a:xfrm>
+              <a:prstGeom prst="rect">
+                <a:avLst/>
+              </a:prstGeom>
+            </p:spPr>
+            <p:style>
+              <a:lnRef idx="2">
+                <a:schemeClr val="accent1">
+                  <a:lumMod val="75000"/>
+                </a:schemeClr>
+              </a:lnRef>
+              <a:fillRef idx="1">
+                <a:schemeClr val="accent1"/>
+              </a:fillRef>
+              <a:effectRef idx="0">
+                <a:srgbClr val="FFFFFF"/>
+              </a:effectRef>
+              <a:fontRef idx="minor">
+                <a:schemeClr val="lt1"/>
+              </a:fontRef>
+            </p:style>
+            <p:txBody>
+              <a:bodyPr rtlCol="0" anchor="ctr"/>
+              <a:lstStyle/>
+              <a:p>
+                <a:pPr algn="ctr"/>
+                <a:r>
+                  <a:rPr lang="zh-CN" sz="1100"/>
+                  <a:t>用户</a:t>
+                </a:r>
+              </a:p>
+              <a:p>
+                <a:pPr algn="ctr"/>
+                <a:r>
+                  <a:rPr lang="en-US" altLang="zh-CN" sz="1100"/>
+                  <a:t>——————</a:t>
+                </a:r>
+              </a:p>
+              <a:p>
+                <a:pPr algn="ctr"/>
+                <a:r>
+                  <a:rPr lang="zh-CN" altLang="en-US" sz="1100"/>
+                  <a:t>用户号</a:t>
+                </a:r>
+              </a:p>
+              <a:p>
+                <a:pPr algn="ctr"/>
+                <a:r>
+                  <a:rPr lang="zh-CN" altLang="en-US" sz="1100"/>
+                  <a:t>用户名称</a:t>
+                </a:r>
+              </a:p>
+              <a:p>
+                <a:pPr algn="ctr"/>
+                <a:r>
+                  <a:rPr lang="en-US" altLang="zh-CN" sz="1100"/>
+                  <a:t>——————</a:t>
+                </a:r>
+              </a:p>
+              <a:p>
+                <a:pPr algn="ctr"/>
+                <a:r>
+                  <a:rPr lang="zh-CN" altLang="en-US" sz="1100"/>
+                  <a:t>退出登录</a:t>
+                </a:r>
+              </a:p>
+            </p:txBody>
+          </p:sp>
+          <p:cxnSp>
+            <p:nvCxnSpPr>
+              <p:cNvPr id="23" name="Straight Arrow Connector 22"/>
+              <p:cNvCxnSpPr/>
+              <p:nvPr/>
+            </p:nvCxnSpPr>
+            <p:spPr>
+              <a:xfrm flipH="1" flipV="1">
+                <a:off x="2281555" y="2998470"/>
+                <a:ext cx="4538345" cy="1249680"/>
+              </a:xfrm>
+              <a:prstGeom prst="straightConnector1">
+                <a:avLst/>
+              </a:prstGeom>
+              <a:ln w="6350" cap="flat" cmpd="sng" algn="ctr">
+                <a:solidFill>
+                  <a:schemeClr val="accent1"/>
+                </a:solidFill>
+                <a:prstDash val="dash"/>
+                <a:miter lim="800000"/>
+                <a:tailEnd type="arrow" w="med" len="med"/>
+              </a:ln>
+            </p:spPr>
+            <p:style>
+              <a:lnRef idx="0">
+                <a:schemeClr val="accent1"/>
+              </a:lnRef>
+              <a:fillRef idx="0">
+                <a:srgbClr val="FFFFFF"/>
+              </a:fillRef>
+              <a:effectRef idx="0">
+                <a:srgbClr val="FFFFFF"/>
+              </a:effectRef>
+              <a:fontRef idx="minor">
+                <a:schemeClr val="tx1"/>
+              </a:fontRef>
+            </p:style>
+          </p:cxnSp>
+          <p:cxnSp>
+            <p:nvCxnSpPr>
+              <p:cNvPr id="24" name="Straight Arrow Connector 23"/>
+              <p:cNvCxnSpPr/>
+              <p:nvPr/>
+            </p:nvCxnSpPr>
+            <p:spPr>
+              <a:xfrm flipH="1" flipV="1">
+                <a:off x="5270500" y="2978785"/>
+                <a:ext cx="1639570" cy="1319530"/>
+              </a:xfrm>
+              <a:prstGeom prst="straightConnector1">
+                <a:avLst/>
+              </a:prstGeom>
+              <a:ln w="6350" cap="flat" cmpd="sng" algn="ctr">
+                <a:solidFill>
+                  <a:schemeClr val="accent1"/>
+                </a:solidFill>
+                <a:prstDash val="dash"/>
+                <a:miter lim="800000"/>
+                <a:tailEnd type="arrow" w="med" len="med"/>
+              </a:ln>
+            </p:spPr>
+            <p:style>
+              <a:lnRef idx="0">
+                <a:schemeClr val="accent1"/>
+              </a:lnRef>
+              <a:fillRef idx="0">
+                <a:srgbClr val="FFFFFF"/>
+              </a:fillRef>
+              <a:effectRef idx="0">
+                <a:srgbClr val="FFFFFF"/>
+              </a:effectRef>
+              <a:fontRef idx="minor">
+                <a:schemeClr val="tx1"/>
+              </a:fontRef>
+            </p:style>
+          </p:cxnSp>
+          <p:cxnSp>
+            <p:nvCxnSpPr>
+              <p:cNvPr id="25" name="Straight Arrow Connector 24"/>
+              <p:cNvCxnSpPr/>
+              <p:nvPr/>
+            </p:nvCxnSpPr>
+            <p:spPr>
+              <a:xfrm flipH="1">
+                <a:off x="5280660" y="4298315"/>
+                <a:ext cx="1609090" cy="489585"/>
+              </a:xfrm>
+              <a:prstGeom prst="straightConnector1">
+                <a:avLst/>
+              </a:prstGeom>
+              <a:ln w="6350" cap="flat" cmpd="sng" algn="ctr">
+                <a:solidFill>
+                  <a:schemeClr val="accent1"/>
+                </a:solidFill>
+                <a:prstDash val="dash"/>
+                <a:miter lim="800000"/>
+                <a:tailEnd type="arrow" w="med" len="med"/>
+              </a:ln>
+            </p:spPr>
+            <p:style>
+              <a:lnRef idx="0">
+                <a:schemeClr val="accent1"/>
+              </a:lnRef>
+              <a:fillRef idx="0">
+                <a:srgbClr val="FFFFFF"/>
+              </a:fillRef>
+              <a:effectRef idx="0">
+                <a:srgbClr val="FFFFFF"/>
+              </a:effectRef>
+              <a:fontRef idx="minor">
+                <a:schemeClr val="tx1"/>
+              </a:fontRef>
+            </p:style>
+          </p:cxnSp>
+          <p:cxnSp>
+            <p:nvCxnSpPr>
+              <p:cNvPr id="26" name="Straight Arrow Connector 25"/>
+              <p:cNvCxnSpPr>
+                <a:stCxn id="22" idx="0"/>
+                <a:endCxn id="6" idx="2"/>
+              </p:cNvCxnSpPr>
+              <p:nvPr/>
+            </p:nvCxnSpPr>
+            <p:spPr>
+              <a:xfrm flipH="1" flipV="1">
+                <a:off x="7544435" y="3168650"/>
+                <a:ext cx="20320" cy="966470"/>
+              </a:xfrm>
+              <a:prstGeom prst="straightConnector1">
+                <a:avLst/>
+              </a:prstGeom>
+              <a:ln w="6350" cap="flat" cmpd="sng" algn="ctr">
+                <a:solidFill>
+                  <a:schemeClr val="accent1"/>
+                </a:solidFill>
+                <a:prstDash val="dash"/>
+                <a:miter lim="800000"/>
+                <a:tailEnd type="arrow" w="med" len="med"/>
+              </a:ln>
+            </p:spPr>
+            <p:style>
+              <a:lnRef idx="0">
+                <a:schemeClr val="accent1"/>
+              </a:lnRef>
+              <a:fillRef idx="0">
+                <a:srgbClr val="FFFFFF"/>
+              </a:fillRef>
+              <a:effectRef idx="0">
+                <a:srgbClr val="FFFFFF"/>
+              </a:effectRef>
+              <a:fontRef idx="minor">
+                <a:schemeClr val="tx1"/>
+              </a:fontRef>
+            </p:style>
+          </p:cxnSp>
+          <p:cxnSp>
+            <p:nvCxnSpPr>
+              <p:cNvPr id="27" name="Straight Arrow Connector 26"/>
+              <p:cNvCxnSpPr>
+                <a:endCxn id="7" idx="2"/>
+              </p:cNvCxnSpPr>
+              <p:nvPr/>
+            </p:nvCxnSpPr>
+            <p:spPr>
+              <a:xfrm flipV="1">
+                <a:off x="7609840" y="3359150"/>
+                <a:ext cx="3035935" cy="749300"/>
+              </a:xfrm>
+              <a:prstGeom prst="straightConnector1">
+                <a:avLst/>
+              </a:prstGeom>
+              <a:ln w="6350" cap="flat" cmpd="sng" algn="ctr">
+                <a:solidFill>
+                  <a:schemeClr val="accent1"/>
+                </a:solidFill>
+                <a:prstDash val="dash"/>
+                <a:miter lim="800000"/>
+                <a:tailEnd type="arrow" w="med" len="med"/>
+              </a:ln>
+            </p:spPr>
+            <p:style>
+              <a:lnRef idx="0">
+                <a:schemeClr val="accent1"/>
+              </a:lnRef>
+              <a:fillRef idx="0">
+                <a:srgbClr val="FFFFFF"/>
+              </a:fillRef>
+              <a:effectRef idx="0">
+                <a:srgbClr val="FFFFFF"/>
+              </a:effectRef>
+              <a:fontRef idx="minor">
+                <a:schemeClr val="tx1"/>
+              </a:fontRef>
+            </p:style>
+          </p:cxnSp>
+          <p:cxnSp>
+            <p:nvCxnSpPr>
+              <p:cNvPr id="28" name="Straight Arrow Connector 27"/>
+              <p:cNvCxnSpPr>
+                <a:stCxn id="5" idx="2"/>
+                <a:endCxn id="8" idx="0"/>
+              </p:cNvCxnSpPr>
+              <p:nvPr/>
+            </p:nvCxnSpPr>
+            <p:spPr>
+              <a:xfrm>
+                <a:off x="4550410" y="3168650"/>
+                <a:ext cx="0" cy="966470"/>
+              </a:xfrm>
+              <a:prstGeom prst="straightConnector1">
+                <a:avLst/>
+              </a:prstGeom>
+              <a:ln w="6350" cap="flat" cmpd="sng" algn="ctr">
+                <a:solidFill>
+                  <a:schemeClr val="accent1"/>
+                </a:solidFill>
+                <a:prstDash val="dash"/>
+                <a:miter lim="800000"/>
+                <a:tailEnd type="arrow" w="med" len="med"/>
+              </a:ln>
+            </p:spPr>
+            <p:style>
+              <a:lnRef idx="0">
+                <a:schemeClr val="accent1"/>
+              </a:lnRef>
+              <a:fillRef idx="0">
+                <a:srgbClr val="FFFFFF"/>
+              </a:fillRef>
+              <a:effectRef idx="0">
+                <a:srgbClr val="FFFFFF"/>
+              </a:effectRef>
+              <a:fontRef idx="minor">
+                <a:schemeClr val="tx1"/>
+              </a:fontRef>
+            </p:style>
+          </p:cxnSp>
+        </p:grpSp>
+        <p:sp>
+          <p:nvSpPr>
+            <p:cNvPr id="21" name="Rectangles 3">
+              <a:extLst>
+                <a:ext uri="{FF2B5EF4-FFF2-40B4-BE49-F238E27FC236}">
+                  <a16:creationId xmlns:a16="http://schemas.microsoft.com/office/drawing/2014/main" id="{B3EA2B5A-F290-3332-12F9-ABD34DE9F47C}"/>
+                </a:ext>
+              </a:extLst>
+            </p:cNvPr>
+            <p:cNvSpPr/>
+            <p:nvPr/>
+          </p:nvSpPr>
+          <p:spPr>
+            <a:xfrm>
+              <a:off x="3466510" y="4844402"/>
+              <a:ext cx="1061182" cy="1498415"/>
+            </a:xfrm>
+            <a:prstGeom prst="rect">
+              <a:avLst/>
+            </a:prstGeom>
+          </p:spPr>
+          <p:style>
+            <a:lnRef idx="2">
+              <a:schemeClr val="accent1">
+                <a:lumMod val="75000"/>
+              </a:schemeClr>
+            </a:lnRef>
+            <a:fillRef idx="1">
+              <a:schemeClr val="accent1"/>
+            </a:fillRef>
+            <a:effectRef idx="0">
+              <a:srgbClr val="FFFFFF"/>
+            </a:effectRef>
+            <a:fontRef idx="minor">
+              <a:schemeClr val="lt1"/>
+            </a:fontRef>
+          </p:style>
+          <p:txBody>
+            <a:bodyPr rtlCol="0" anchor="ctr"/>
+            <a:lstStyle/>
+            <a:p>
+              <a:pPr algn="ctr"/>
+              <a:r>
+                <a:rPr lang="zh-CN" altLang="en-US" sz="1100"/>
+                <a:t>讨论板界面</a:t>
+              </a:r>
+              <a:endParaRPr lang="zh-CN" sz="1100"/>
+            </a:p>
+            <a:p>
+              <a:pPr algn="ctr"/>
+              <a:r>
+                <a:rPr lang="en-US" altLang="zh-CN" sz="1100"/>
+                <a:t>——————</a:t>
+              </a:r>
+            </a:p>
+            <a:p>
+              <a:pPr algn="ctr"/>
+              <a:r>
+                <a:rPr lang="zh-CN" altLang="en-US" sz="1100"/>
+                <a:t>楼号</a:t>
+              </a:r>
+            </a:p>
+            <a:p>
+              <a:pPr algn="ctr"/>
+              <a:r>
+                <a:rPr lang="zh-CN" altLang="en-US" sz="1100"/>
+                <a:t>楼名称</a:t>
+              </a:r>
+            </a:p>
+            <a:p>
+              <a:pPr algn="ctr"/>
+              <a:r>
+                <a:rPr lang="en-US" altLang="zh-CN" sz="1100"/>
+                <a:t>——————</a:t>
+              </a:r>
+            </a:p>
+            <a:p>
+              <a:pPr algn="ctr"/>
+              <a:r>
+                <a:rPr lang="zh-CN" altLang="en-US" sz="1100"/>
+                <a:t>离开讨论板</a:t>
+              </a:r>
+            </a:p>
+          </p:txBody>
+        </p:sp>
+        <p:sp>
+          <p:nvSpPr>
+            <p:cNvPr id="45" name="Rectangles 3">
+              <a:extLst>
+                <a:ext uri="{FF2B5EF4-FFF2-40B4-BE49-F238E27FC236}">
+                  <a16:creationId xmlns:a16="http://schemas.microsoft.com/office/drawing/2014/main" id="{EAF57833-459A-197B-E8C5-E99A07050CD1}"/>
+                </a:ext>
+              </a:extLst>
+            </p:cNvPr>
+            <p:cNvSpPr/>
+            <p:nvPr/>
+          </p:nvSpPr>
+          <p:spPr>
+            <a:xfrm>
+              <a:off x="9738303" y="4860488"/>
+              <a:ext cx="1061182" cy="1498415"/>
+            </a:xfrm>
+            <a:prstGeom prst="rect">
+              <a:avLst/>
+            </a:prstGeom>
+          </p:spPr>
+          <p:style>
+            <a:lnRef idx="2">
+              <a:schemeClr val="accent1">
+                <a:lumMod val="75000"/>
+              </a:schemeClr>
+            </a:lnRef>
+            <a:fillRef idx="1">
+              <a:schemeClr val="accent1"/>
+            </a:fillRef>
+            <a:effectRef idx="0">
+              <a:srgbClr val="FFFFFF"/>
+            </a:effectRef>
+            <a:fontRef idx="minor">
+              <a:schemeClr val="lt1"/>
+            </a:fontRef>
+          </p:style>
+          <p:txBody>
+            <a:bodyPr rtlCol="0" anchor="ctr"/>
+            <a:lstStyle/>
+            <a:p>
+              <a:pPr algn="ctr"/>
+              <a:r>
+                <a:rPr lang="zh-CN" altLang="en-US" sz="1100"/>
+                <a:t>用户信息界面</a:t>
+              </a:r>
+              <a:endParaRPr lang="zh-CN" sz="1100"/>
+            </a:p>
+            <a:p>
+              <a:pPr algn="ctr"/>
+              <a:r>
+                <a:rPr lang="en-US" altLang="zh-CN" sz="1100"/>
+                <a:t>——————</a:t>
+              </a:r>
+            </a:p>
+            <a:p>
+              <a:pPr algn="ctr"/>
+              <a:endParaRPr lang="en-US" altLang="zh-CN" sz="1100"/>
+            </a:p>
+            <a:p>
+              <a:pPr algn="ctr"/>
+              <a:r>
+                <a:rPr lang="en-US" altLang="zh-CN" sz="1100"/>
+                <a:t>——————</a:t>
+              </a:r>
+            </a:p>
+            <a:p>
+              <a:pPr algn="ctr"/>
+              <a:r>
+                <a:rPr lang="zh-CN" altLang="en-US" sz="1100"/>
+                <a:t>离开用户信息界面</a:t>
+              </a:r>
+            </a:p>
+          </p:txBody>
+        </p:sp>
+        <p:cxnSp>
+          <p:nvCxnSpPr>
+            <p:cNvPr id="46" name="Straight Arrow Connector 22">
+              <a:extLst>
+                <a:ext uri="{FF2B5EF4-FFF2-40B4-BE49-F238E27FC236}">
+                  <a16:creationId xmlns:a16="http://schemas.microsoft.com/office/drawing/2014/main" id="{445F69FA-9451-EC14-CA4E-119B564759A3}"/>
+                </a:ext>
+              </a:extLst>
+            </p:cNvPr>
+            <p:cNvCxnSpPr>
+              <a:cxnSpLocks/>
+              <a:stCxn id="45" idx="1"/>
+              <a:endCxn id="22" idx="3"/>
+            </p:cNvCxnSpPr>
+            <p:nvPr/>
+          </p:nvCxnSpPr>
+          <p:spPr>
+            <a:xfrm flipH="1">
+              <a:off x="8802577" y="5609696"/>
+              <a:ext cx="935726" cy="923"/>
+            </a:xfrm>
+            <a:prstGeom prst="straightConnector1">
+              <a:avLst/>
+            </a:prstGeom>
+            <a:ln w="6350" cap="flat" cmpd="sng" algn="ctr">
+              <a:solidFill>
+                <a:schemeClr val="accent1"/>
+              </a:solidFill>
+              <a:prstDash val="dash"/>
+              <a:miter lim="800000"/>
+              <a:tailEnd type="arrow" w="med" len="med"/>
+            </a:ln>
+          </p:spPr>
+          <p:style>
+            <a:lnRef idx="0">
+              <a:schemeClr val="accent1"/>
+            </a:lnRef>
+            <a:fillRef idx="0">
+              <a:srgbClr val="FFFFFF"/>
+            </a:fillRef>
+            <a:effectRef idx="0">
+              <a:srgbClr val="FFFFFF"/>
+            </a:effectRef>
+            <a:fontRef idx="minor">
+              <a:schemeClr val="tx1"/>
+            </a:fontRef>
+          </p:style>
+        </p:cxnSp>
+      </p:grpSp>
+      <p:cxnSp>
+        <p:nvCxnSpPr>
+          <p:cNvPr id="31" name="直接连接符 30">
+            <a:extLst>
+              <a:ext uri="{FF2B5EF4-FFF2-40B4-BE49-F238E27FC236}">
+                <a16:creationId xmlns:a16="http://schemas.microsoft.com/office/drawing/2014/main" id="{71FC55BC-2D05-3605-FAA7-63DEFEAC8415}"/>
+              </a:ext>
+            </a:extLst>
+          </p:cNvPr>
+          <p:cNvCxnSpPr/>
+          <p:nvPr/>
+        </p:nvCxnSpPr>
+        <p:spPr>
+          <a:xfrm>
+            <a:off x="8010694" y="4404306"/>
+            <a:ext cx="0" cy="1498415"/>
+          </a:xfrm>
+          <a:prstGeom prst="line">
+            <a:avLst/>
+          </a:prstGeom>
+          <a:ln>
+            <a:solidFill>
+              <a:schemeClr val="tx1"/>
+            </a:solidFill>
+          </a:ln>
+        </p:spPr>
+        <p:style>
+          <a:lnRef idx="1">
+            <a:schemeClr val="accent1"/>
+          </a:lnRef>
+          <a:fillRef idx="0">
+            <a:schemeClr val="accent1"/>
+          </a:fillRef>
+          <a:effectRef idx="0">
+            <a:schemeClr val="accent1"/>
+          </a:effectRef>
+          <a:fontRef idx="minor">
+            <a:schemeClr val="tx1"/>
+          </a:fontRef>
+        </p:style>
+      </p:cxnSp>
+      <p:cxnSp>
+        <p:nvCxnSpPr>
+          <p:cNvPr id="32" name="直接连接符 31">
+            <a:extLst>
+              <a:ext uri="{FF2B5EF4-FFF2-40B4-BE49-F238E27FC236}">
+                <a16:creationId xmlns:a16="http://schemas.microsoft.com/office/drawing/2014/main" id="{A54F9741-B7DE-F743-90E2-7B11979814B7}"/>
+              </a:ext>
+            </a:extLst>
+          </p:cNvPr>
+          <p:cNvCxnSpPr/>
+          <p:nvPr/>
+        </p:nvCxnSpPr>
+        <p:spPr>
+          <a:xfrm>
+            <a:off x="8843770" y="4411709"/>
+            <a:ext cx="0" cy="1498415"/>
+          </a:xfrm>
+          <a:prstGeom prst="line">
+            <a:avLst/>
+          </a:prstGeom>
+          <a:ln>
+            <a:solidFill>
+              <a:schemeClr val="tx1"/>
+            </a:solidFill>
+          </a:ln>
+        </p:spPr>
+        <p:style>
+          <a:lnRef idx="1">
+            <a:schemeClr val="accent1"/>
+          </a:lnRef>
+          <a:fillRef idx="0">
+            <a:schemeClr val="accent1"/>
+          </a:fillRef>
+          <a:effectRef idx="0">
+            <a:schemeClr val="accent1"/>
+          </a:effectRef>
+          <a:fontRef idx="minor">
+            <a:schemeClr val="tx1"/>
+          </a:fontRef>
+        </p:style>
+      </p:cxnSp>
+      <p:sp>
+        <p:nvSpPr>
+          <p:cNvPr id="30" name="文本框 29">
+            <a:extLst>
+              <a:ext uri="{FF2B5EF4-FFF2-40B4-BE49-F238E27FC236}">
+                <a16:creationId xmlns:a16="http://schemas.microsoft.com/office/drawing/2014/main" id="{443FA6CB-0280-8133-16B7-F58104F8C4D3}"/>
+              </a:ext>
+            </a:extLst>
+          </p:cNvPr>
+          <p:cNvSpPr txBox="1"/>
+          <p:nvPr/>
+        </p:nvSpPr>
+        <p:spPr>
+          <a:xfrm>
+            <a:off x="372091" y="945659"/>
+            <a:ext cx="2342181" cy="2031325"/>
+          </a:xfrm>
+          <a:prstGeom prst="rect">
+            <a:avLst/>
+          </a:prstGeom>
+          <a:noFill/>
+        </p:spPr>
+        <p:txBody>
+          <a:bodyPr wrap="square" rtlCol="0">
+            <a:spAutoFit/>
+          </a:bodyPr>
+          <a:lstStyle/>
+          <a:p>
+            <a:r>
+              <a:rPr lang="en-US" altLang="zh-CN"/>
+              <a:t>- </a:t>
+            </a:r>
+            <a:r>
+              <a:rPr lang="zh-CN" altLang="en-US"/>
+              <a:t>选择关系型数据库来存放对象</a:t>
+            </a:r>
+            <a:endParaRPr lang="en-US" altLang="zh-CN"/>
+          </a:p>
+          <a:p>
+            <a:r>
+              <a:rPr lang="en-US" altLang="zh-CN"/>
+              <a:t>- </a:t>
+            </a:r>
+            <a:r>
+              <a:rPr lang="zh-CN" altLang="en-US"/>
+              <a:t>增加一个对象“存储对象”，负责所有的对象存储与检索操作、存 储需要长期存储的对象。</a:t>
+            </a:r>
+          </a:p>
+        </p:txBody>
+      </p:sp>
+      <p:sp>
+        <p:nvSpPr>
+          <p:cNvPr id="43" name="Rectangles 3">
+            <a:extLst>
+              <a:ext uri="{FF2B5EF4-FFF2-40B4-BE49-F238E27FC236}">
+                <a16:creationId xmlns:a16="http://schemas.microsoft.com/office/drawing/2014/main" id="{6C1AD329-A40D-CDDB-A214-8026CC5FAC76}"/>
+              </a:ext>
+            </a:extLst>
+          </p:cNvPr>
+          <p:cNvSpPr/>
+          <p:nvPr/>
+        </p:nvSpPr>
+        <p:spPr>
+          <a:xfrm>
+            <a:off x="1321927" y="3767263"/>
+            <a:ext cx="1061182" cy="2740328"/>
+          </a:xfrm>
+          <a:prstGeom prst="rect">
+            <a:avLst/>
+          </a:prstGeom>
+        </p:spPr>
+        <p:style>
+          <a:lnRef idx="2">
+            <a:schemeClr val="accent1">
+              <a:lumMod val="75000"/>
+            </a:schemeClr>
+          </a:lnRef>
+          <a:fillRef idx="1">
+            <a:schemeClr val="accent1"/>
+          </a:fillRef>
+          <a:effectRef idx="0">
+            <a:srgbClr val="FFFFFF"/>
+          </a:effectRef>
+          <a:fontRef idx="minor">
+            <a:schemeClr val="lt1"/>
+          </a:fontRef>
+        </p:style>
+        <p:txBody>
+          <a:bodyPr rtlCol="0" anchor="ctr"/>
+          <a:lstStyle/>
+          <a:p>
+            <a:pPr algn="ctr"/>
+            <a:r>
+              <a:rPr lang="zh-CN" altLang="en-US" sz="1100"/>
+              <a:t>存储对象</a:t>
+            </a:r>
+            <a:endParaRPr lang="en-US" altLang="zh-CN" sz="1100"/>
+          </a:p>
+          <a:p>
+            <a:pPr algn="ctr"/>
+            <a:r>
+              <a:rPr lang="en-US" altLang="zh-CN" sz="1100"/>
+              <a:t>——————</a:t>
+            </a:r>
+          </a:p>
+          <a:p>
+            <a:pPr algn="ctr"/>
+            <a:r>
+              <a:rPr lang="zh-CN" altLang="en-US" sz="1100"/>
+              <a:t>数据库配置</a:t>
+            </a:r>
+            <a:endParaRPr lang="en-US" altLang="zh-CN" sz="1100"/>
+          </a:p>
+          <a:p>
+            <a:pPr algn="ctr"/>
+            <a:r>
+              <a:rPr lang="zh-CN" altLang="en-US" sz="1100"/>
+              <a:t>用户表</a:t>
+            </a:r>
+            <a:endParaRPr lang="en-US" altLang="zh-CN" sz="1100"/>
+          </a:p>
+          <a:p>
+            <a:pPr algn="ctr"/>
+            <a:r>
+              <a:rPr lang="zh-CN" altLang="en-US" sz="1100"/>
+              <a:t>讨论问题表</a:t>
+            </a:r>
+            <a:endParaRPr lang="en-US" altLang="zh-CN" sz="1100"/>
+          </a:p>
+          <a:p>
+            <a:pPr algn="ctr"/>
+            <a:r>
+              <a:rPr lang="zh-CN" altLang="en-US" sz="1100"/>
+              <a:t>问题回答表</a:t>
+            </a:r>
+          </a:p>
+          <a:p>
+            <a:pPr algn="ctr"/>
+            <a:r>
+              <a:rPr lang="en-US" altLang="zh-CN" sz="1100"/>
+              <a:t>——————</a:t>
+            </a:r>
+            <a:endParaRPr lang="zh-CN" altLang="en-US" sz="1100"/>
+          </a:p>
+          <a:p>
+            <a:pPr algn="ctr"/>
+            <a:r>
+              <a:rPr lang="zh-CN" altLang="en-US" sz="1100"/>
+              <a:t>用户查询</a:t>
+            </a:r>
+            <a:endParaRPr lang="en-US" altLang="zh-CN" sz="1100"/>
+          </a:p>
+          <a:p>
+            <a:pPr algn="ctr"/>
+            <a:r>
+              <a:rPr lang="zh-CN" altLang="en-US" sz="1100"/>
+              <a:t>添加用户</a:t>
+            </a:r>
+            <a:endParaRPr lang="en-US" altLang="zh-CN" sz="1100"/>
+          </a:p>
+          <a:p>
+            <a:pPr algn="ctr"/>
+            <a:r>
+              <a:rPr lang="zh-CN" altLang="en-US" sz="1100"/>
+              <a:t>讨论问题查询</a:t>
+            </a:r>
+            <a:endParaRPr lang="en-US" altLang="zh-CN" sz="1100"/>
+          </a:p>
+          <a:p>
+            <a:pPr algn="ctr"/>
+            <a:r>
+              <a:rPr lang="zh-CN" altLang="en-US" sz="1100"/>
+              <a:t>添加讨论问题</a:t>
+            </a:r>
+            <a:endParaRPr lang="en-US" altLang="zh-CN" sz="1100"/>
+          </a:p>
+          <a:p>
+            <a:pPr algn="ctr"/>
+            <a:r>
+              <a:rPr lang="zh-CN" altLang="en-US" sz="1100"/>
+              <a:t>问题回答查询</a:t>
+            </a:r>
+            <a:endParaRPr lang="en-US" altLang="zh-CN" sz="1100"/>
+          </a:p>
+          <a:p>
+            <a:pPr algn="ctr"/>
+            <a:r>
+              <a:rPr lang="zh-CN" altLang="en-US" sz="1100"/>
+              <a:t>添加问题回答</a:t>
+            </a:r>
+            <a:endParaRPr lang="en-US" altLang="zh-CN" sz="1100"/>
+          </a:p>
+          <a:p>
+            <a:pPr algn="ctr"/>
+            <a:endParaRPr lang="zh-CN" altLang="en-US" sz="1100"/>
+          </a:p>
+        </p:txBody>
+      </p:sp>
+      <p:cxnSp>
+        <p:nvCxnSpPr>
+          <p:cNvPr id="44" name="Straight Arrow Connector 22">
+            <a:extLst>
+              <a:ext uri="{FF2B5EF4-FFF2-40B4-BE49-F238E27FC236}">
+                <a16:creationId xmlns:a16="http://schemas.microsoft.com/office/drawing/2014/main" id="{236F17D9-1BA5-7B75-C9F6-1399D01F2A30}"/>
+              </a:ext>
+            </a:extLst>
+          </p:cNvPr>
+          <p:cNvCxnSpPr>
+            <a:cxnSpLocks/>
+            <a:stCxn id="21" idx="1"/>
+            <a:endCxn id="43" idx="3"/>
+          </p:cNvCxnSpPr>
+          <p:nvPr/>
+        </p:nvCxnSpPr>
+        <p:spPr>
+          <a:xfrm flipH="1" flipV="1">
+            <a:off x="2383109" y="5137427"/>
+            <a:ext cx="1234008" cy="1"/>
+          </a:xfrm>
+          <a:prstGeom prst="straightConnector1">
+            <a:avLst/>
+          </a:prstGeom>
+          <a:ln w="6350" cap="flat" cmpd="sng" algn="ctr">
+            <a:solidFill>
+              <a:schemeClr val="accent1"/>
+            </a:solidFill>
+            <a:prstDash val="dash"/>
+            <a:miter lim="800000"/>
+            <a:tailEnd type="arrow" w="med" len="med"/>
+          </a:ln>
+        </p:spPr>
+        <p:style>
+          <a:lnRef idx="0">
+            <a:schemeClr val="accent1"/>
+          </a:lnRef>
+          <a:fillRef idx="0">
+            <a:srgbClr val="FFFFFF"/>
+          </a:fillRef>
+          <a:effectRef idx="0">
+            <a:srgbClr val="FFFFFF"/>
+          </a:effectRef>
+          <a:fontRef idx="minor">
+            <a:schemeClr val="tx1"/>
+          </a:fontRef>
+        </p:style>
+      </p:cxnSp>
+      <p:cxnSp>
+        <p:nvCxnSpPr>
+          <p:cNvPr id="51" name="连接符: 肘形 50">
+            <a:extLst>
+              <a:ext uri="{FF2B5EF4-FFF2-40B4-BE49-F238E27FC236}">
+                <a16:creationId xmlns:a16="http://schemas.microsoft.com/office/drawing/2014/main" id="{61624640-3D47-ED3B-02E0-EC1A03E1869E}"/>
+              </a:ext>
+            </a:extLst>
+          </p:cNvPr>
+          <p:cNvCxnSpPr>
+            <a:cxnSpLocks/>
+            <a:endCxn id="22" idx="2"/>
+          </p:cNvCxnSpPr>
+          <p:nvPr/>
+        </p:nvCxnSpPr>
+        <p:spPr>
+          <a:xfrm flipV="1">
+            <a:off x="2405256" y="5903644"/>
+            <a:ext cx="6017337" cy="408379"/>
+          </a:xfrm>
+          <a:prstGeom prst="bentConnector2">
+            <a:avLst/>
+          </a:prstGeom>
+          <a:ln w="9525" cap="flat" cmpd="sng" algn="ctr">
+            <a:solidFill>
+              <a:schemeClr val="accent1"/>
+            </a:solidFill>
+            <a:prstDash val="dash"/>
+            <a:round/>
+            <a:headEnd type="none" w="med" len="med"/>
+            <a:tailEnd type="none" w="med" len="med"/>
+          </a:ln>
+        </p:spPr>
+        <p:style>
+          <a:lnRef idx="0">
+            <a:scrgbClr r="0" g="0" b="0"/>
+          </a:lnRef>
+          <a:fillRef idx="0">
+            <a:scrgbClr r="0" g="0" b="0"/>
+          </a:fillRef>
+          <a:effectRef idx="0">
+            <a:scrgbClr r="0" g="0" b="0"/>
+          </a:effectRef>
+          <a:fontRef idx="minor">
+            <a:schemeClr val="tx1"/>
+          </a:fontRef>
+        </p:style>
+      </p:cxnSp>
+      <p:cxnSp>
+        <p:nvCxnSpPr>
+          <p:cNvPr id="53" name="Straight Arrow Connector 22">
+            <a:extLst>
+              <a:ext uri="{FF2B5EF4-FFF2-40B4-BE49-F238E27FC236}">
+                <a16:creationId xmlns:a16="http://schemas.microsoft.com/office/drawing/2014/main" id="{F824CB17-8218-E100-BB8A-0279831177D6}"/>
+              </a:ext>
+            </a:extLst>
+          </p:cNvPr>
+          <p:cNvCxnSpPr>
+            <a:cxnSpLocks/>
+          </p:cNvCxnSpPr>
+          <p:nvPr/>
+        </p:nvCxnSpPr>
+        <p:spPr>
+          <a:xfrm flipH="1">
+            <a:off x="2383109" y="6312023"/>
+            <a:ext cx="413357" cy="0"/>
+          </a:xfrm>
+          <a:prstGeom prst="straightConnector1">
+            <a:avLst/>
+          </a:prstGeom>
+          <a:ln w="6350" cap="flat" cmpd="sng" algn="ctr">
+            <a:solidFill>
+              <a:schemeClr val="accent1"/>
+            </a:solidFill>
+            <a:prstDash val="dash"/>
+            <a:miter lim="800000"/>
+            <a:tailEnd type="arrow" w="med" len="med"/>
+          </a:ln>
+        </p:spPr>
+        <p:style>
+          <a:lnRef idx="0">
+            <a:schemeClr val="accent1"/>
+          </a:lnRef>
+          <a:fillRef idx="0">
+            <a:srgbClr val="FFFFFF"/>
+          </a:fillRef>
+          <a:effectRef idx="0">
+            <a:srgbClr val="FFFFFF"/>
+          </a:effectRef>
+          <a:fontRef idx="minor">
+            <a:schemeClr val="tx1"/>
+          </a:fontRef>
+        </p:style>
+      </p:cxnSp>
+    </p:spTree>
+    <p:extLst>
+      <p:ext uri="{BB962C8B-B14F-4D97-AF65-F5344CB8AC3E}">
+        <p14:creationId xmlns:p14="http://schemas.microsoft.com/office/powerpoint/2010/main" val="2955148339"/>
+      </p:ext>
+    </p:extLst>
   </p:cSld>
   <p:clrMapOvr>
     <a:masterClrMapping/>
@@ -8133,6 +14787,8 @@
       </a:bgFillStyleLst>
     </a:fmtScheme>
   </a:themeElements>
+  <a:objectDefaults/>
+  <a:extraClrSchemeLst/>
   <a:extLst>
     <a:ext uri="{05A4C25C-085E-4340-85A3-A5531E510DB2}">
       <thm15:themeFamily xmlns:thm15="http://schemas.microsoft.com/office/thememl/2012/main" name="Office Theme" id="{62F939B6-93AF-4DB8-9C6B-D6C7DFDC589F}" vid="{4A3C46E8-61CC-4603-A589-7422A47A8E4A}"/>
